--- a/in progress/Ověření bezpečnosti.pptx
+++ b/in progress/Ověření bezpečnosti.pptx
@@ -4,6 +4,9 @@
   <p:sldMasterIdLst>
     <p:sldMasterId id="2147483648" r:id="rId1"/>
   </p:sldMasterIdLst>
+  <p:notesMasterIdLst>
+    <p:notesMasterId r:id="rId22"/>
+  </p:notesMasterIdLst>
   <p:sldIdLst>
     <p:sldId id="256" r:id="rId2"/>
     <p:sldId id="257" r:id="rId3"/>
@@ -11,15 +14,20 @@
     <p:sldId id="259" r:id="rId5"/>
     <p:sldId id="260" r:id="rId6"/>
     <p:sldId id="261" r:id="rId7"/>
-    <p:sldId id="262" r:id="rId8"/>
-    <p:sldId id="263" r:id="rId9"/>
-    <p:sldId id="264" r:id="rId10"/>
-    <p:sldId id="266" r:id="rId11"/>
-    <p:sldId id="267" r:id="rId12"/>
-    <p:sldId id="268" r:id="rId13"/>
-    <p:sldId id="265" r:id="rId14"/>
-    <p:sldId id="269" r:id="rId15"/>
-    <p:sldId id="270" r:id="rId16"/>
+    <p:sldId id="271" r:id="rId8"/>
+    <p:sldId id="272" r:id="rId9"/>
+    <p:sldId id="273" r:id="rId10"/>
+    <p:sldId id="274" r:id="rId11"/>
+    <p:sldId id="275" r:id="rId12"/>
+    <p:sldId id="262" r:id="rId13"/>
+    <p:sldId id="263" r:id="rId14"/>
+    <p:sldId id="264" r:id="rId15"/>
+    <p:sldId id="266" r:id="rId16"/>
+    <p:sldId id="267" r:id="rId17"/>
+    <p:sldId id="268" r:id="rId18"/>
+    <p:sldId id="265" r:id="rId19"/>
+    <p:sldId id="269" r:id="rId20"/>
+    <p:sldId id="270" r:id="rId21"/>
   </p:sldIdLst>
   <p:sldSz cx="12192000" cy="6858000"/>
   <p:notesSz cx="6858000" cy="9144000"/>
@@ -126,6 +134,2881 @@
 </p:presentation>
 </file>
 
+<file path=ppt/revisionInfo.xml><?xml version="1.0" encoding="utf-8"?>
+<p1510:revInfo xmlns:a="http://schemas.openxmlformats.org/drawingml/2006/main" xmlns:r="http://schemas.openxmlformats.org/officeDocument/2006/relationships" xmlns:p1510="http://schemas.microsoft.com/office/powerpoint/2015/10/main"/>
+</file>
+
+<file path=ppt/notesMasters/notesMaster1.xml><?xml version="1.0" encoding="utf-8"?>
+<p:notesMaster xmlns:a="http://schemas.openxmlformats.org/drawingml/2006/main" xmlns:r="http://schemas.openxmlformats.org/officeDocument/2006/relationships" xmlns:p="http://schemas.openxmlformats.org/presentationml/2006/main">
+  <p:cSld>
+    <p:bg>
+      <p:bgRef idx="1001">
+        <a:schemeClr val="bg1"/>
+      </p:bgRef>
+    </p:bg>
+    <p:spTree>
+      <p:nvGrpSpPr>
+        <p:cNvPr id="1" name=""/>
+        <p:cNvGrpSpPr/>
+        <p:nvPr/>
+      </p:nvGrpSpPr>
+      <p:grpSpPr>
+        <a:xfrm>
+          <a:off x="0" y="0"/>
+          <a:ext cx="0" cy="0"/>
+          <a:chOff x="0" y="0"/>
+          <a:chExt cx="0" cy="0"/>
+        </a:xfrm>
+      </p:grpSpPr>
+      <p:sp>
+        <p:nvSpPr>
+          <p:cNvPr id="2" name="Zástupný symbol pro záhlaví 1"/>
+          <p:cNvSpPr>
+            <a:spLocks noGrp="1"/>
+          </p:cNvSpPr>
+          <p:nvPr>
+            <p:ph type="hdr" sz="quarter"/>
+          </p:nvPr>
+        </p:nvSpPr>
+        <p:spPr>
+          <a:xfrm>
+            <a:off x="0" y="0"/>
+            <a:ext cx="2971800" cy="458788"/>
+          </a:xfrm>
+          <a:prstGeom prst="rect">
+            <a:avLst/>
+          </a:prstGeom>
+        </p:spPr>
+        <p:txBody>
+          <a:bodyPr vert="horz" lIns="91440" tIns="45720" rIns="91440" bIns="45720" rtlCol="0"/>
+          <a:lstStyle>
+            <a:lvl1pPr algn="l">
+              <a:defRPr sz="1200"/>
+            </a:lvl1pPr>
+          </a:lstStyle>
+          <a:p>
+            <a:endParaRPr lang="cs-CZ"/>
+          </a:p>
+        </p:txBody>
+      </p:sp>
+      <p:sp>
+        <p:nvSpPr>
+          <p:cNvPr id="3" name="Zástupný symbol pro datum 2"/>
+          <p:cNvSpPr>
+            <a:spLocks noGrp="1"/>
+          </p:cNvSpPr>
+          <p:nvPr>
+            <p:ph type="dt" idx="1"/>
+          </p:nvPr>
+        </p:nvSpPr>
+        <p:spPr>
+          <a:xfrm>
+            <a:off x="3884613" y="0"/>
+            <a:ext cx="2971800" cy="458788"/>
+          </a:xfrm>
+          <a:prstGeom prst="rect">
+            <a:avLst/>
+          </a:prstGeom>
+        </p:spPr>
+        <p:txBody>
+          <a:bodyPr vert="horz" lIns="91440" tIns="45720" rIns="91440" bIns="45720" rtlCol="0"/>
+          <a:lstStyle>
+            <a:lvl1pPr algn="r">
+              <a:defRPr sz="1200"/>
+            </a:lvl1pPr>
+          </a:lstStyle>
+          <a:p>
+            <a:fld id="{31C62DAD-C237-4E6E-BC8D-27476830BE5C}" type="datetimeFigureOut">
+              <a:rPr lang="cs-CZ" smtClean="0"/>
+              <a:t>12.01.2018</a:t>
+            </a:fld>
+            <a:endParaRPr lang="cs-CZ"/>
+          </a:p>
+        </p:txBody>
+      </p:sp>
+      <p:sp>
+        <p:nvSpPr>
+          <p:cNvPr id="4" name="Zástupný symbol pro obrázek snímku 3"/>
+          <p:cNvSpPr>
+            <a:spLocks noGrp="1" noRot="1" noChangeAspect="1"/>
+          </p:cNvSpPr>
+          <p:nvPr>
+            <p:ph type="sldImg" idx="2"/>
+          </p:nvPr>
+        </p:nvSpPr>
+        <p:spPr>
+          <a:xfrm>
+            <a:off x="685800" y="1143000"/>
+            <a:ext cx="5486400" cy="3086100"/>
+          </a:xfrm>
+          <a:prstGeom prst="rect">
+            <a:avLst/>
+          </a:prstGeom>
+          <a:noFill/>
+          <a:ln w="12700">
+            <a:solidFill>
+              <a:prstClr val="black"/>
+            </a:solidFill>
+          </a:ln>
+        </p:spPr>
+        <p:txBody>
+          <a:bodyPr vert="horz" lIns="91440" tIns="45720" rIns="91440" bIns="45720" rtlCol="0" anchor="ctr"/>
+          <a:lstStyle/>
+          <a:p>
+            <a:endParaRPr lang="cs-CZ"/>
+          </a:p>
+        </p:txBody>
+      </p:sp>
+      <p:sp>
+        <p:nvSpPr>
+          <p:cNvPr id="5" name="Zástupný symbol pro poznámky 4"/>
+          <p:cNvSpPr>
+            <a:spLocks noGrp="1"/>
+          </p:cNvSpPr>
+          <p:nvPr>
+            <p:ph type="body" sz="quarter" idx="3"/>
+          </p:nvPr>
+        </p:nvSpPr>
+        <p:spPr>
+          <a:xfrm>
+            <a:off x="685800" y="4400550"/>
+            <a:ext cx="5486400" cy="3600450"/>
+          </a:xfrm>
+          <a:prstGeom prst="rect">
+            <a:avLst/>
+          </a:prstGeom>
+        </p:spPr>
+        <p:txBody>
+          <a:bodyPr vert="horz" lIns="91440" tIns="45720" rIns="91440" bIns="45720" rtlCol="0"/>
+          <a:lstStyle/>
+          <a:p>
+            <a:pPr lvl="0"/>
+            <a:r>
+              <a:rPr lang="cs-CZ"/>
+              <a:t>Upravte styly předlohy textu.</a:t>
+            </a:r>
+          </a:p>
+          <a:p>
+            <a:pPr lvl="1"/>
+            <a:r>
+              <a:rPr lang="cs-CZ"/>
+              <a:t>Druhá úroveň</a:t>
+            </a:r>
+          </a:p>
+          <a:p>
+            <a:pPr lvl="2"/>
+            <a:r>
+              <a:rPr lang="cs-CZ"/>
+              <a:t>Třetí úroveň</a:t>
+            </a:r>
+          </a:p>
+          <a:p>
+            <a:pPr lvl="3"/>
+            <a:r>
+              <a:rPr lang="cs-CZ"/>
+              <a:t>Čtvrtá úroveň</a:t>
+            </a:r>
+          </a:p>
+          <a:p>
+            <a:pPr lvl="4"/>
+            <a:r>
+              <a:rPr lang="cs-CZ"/>
+              <a:t>Pátá úroveň</a:t>
+            </a:r>
+          </a:p>
+        </p:txBody>
+      </p:sp>
+      <p:sp>
+        <p:nvSpPr>
+          <p:cNvPr id="6" name="Zástupný symbol pro zápatí 5"/>
+          <p:cNvSpPr>
+            <a:spLocks noGrp="1"/>
+          </p:cNvSpPr>
+          <p:nvPr>
+            <p:ph type="ftr" sz="quarter" idx="4"/>
+          </p:nvPr>
+        </p:nvSpPr>
+        <p:spPr>
+          <a:xfrm>
+            <a:off x="0" y="8685213"/>
+            <a:ext cx="2971800" cy="458787"/>
+          </a:xfrm>
+          <a:prstGeom prst="rect">
+            <a:avLst/>
+          </a:prstGeom>
+        </p:spPr>
+        <p:txBody>
+          <a:bodyPr vert="horz" lIns="91440" tIns="45720" rIns="91440" bIns="45720" rtlCol="0" anchor="b"/>
+          <a:lstStyle>
+            <a:lvl1pPr algn="l">
+              <a:defRPr sz="1200"/>
+            </a:lvl1pPr>
+          </a:lstStyle>
+          <a:p>
+            <a:endParaRPr lang="cs-CZ"/>
+          </a:p>
+        </p:txBody>
+      </p:sp>
+      <p:sp>
+        <p:nvSpPr>
+          <p:cNvPr id="7" name="Zástupný symbol pro číslo snímku 6"/>
+          <p:cNvSpPr>
+            <a:spLocks noGrp="1"/>
+          </p:cNvSpPr>
+          <p:nvPr>
+            <p:ph type="sldNum" sz="quarter" idx="5"/>
+          </p:nvPr>
+        </p:nvSpPr>
+        <p:spPr>
+          <a:xfrm>
+            <a:off x="3884613" y="8685213"/>
+            <a:ext cx="2971800" cy="458787"/>
+          </a:xfrm>
+          <a:prstGeom prst="rect">
+            <a:avLst/>
+          </a:prstGeom>
+        </p:spPr>
+        <p:txBody>
+          <a:bodyPr vert="horz" lIns="91440" tIns="45720" rIns="91440" bIns="45720" rtlCol="0" anchor="b"/>
+          <a:lstStyle>
+            <a:lvl1pPr algn="r">
+              <a:defRPr sz="1200"/>
+            </a:lvl1pPr>
+          </a:lstStyle>
+          <a:p>
+            <a:fld id="{5053EB7A-B245-4358-907C-6AA75BBFDF1A}" type="slidenum">
+              <a:rPr lang="cs-CZ" smtClean="0"/>
+              <a:t>‹#›</a:t>
+            </a:fld>
+            <a:endParaRPr lang="cs-CZ"/>
+          </a:p>
+        </p:txBody>
+      </p:sp>
+    </p:spTree>
+    <p:extLst>
+      <p:ext uri="{BB962C8B-B14F-4D97-AF65-F5344CB8AC3E}">
+        <p14:creationId xmlns:p14="http://schemas.microsoft.com/office/powerpoint/2010/main" val="3371975729"/>
+      </p:ext>
+    </p:extLst>
+  </p:cSld>
+  <p:clrMap bg1="lt1" tx1="dk1" bg2="lt2" tx2="dk2" accent1="accent1" accent2="accent2" accent3="accent3" accent4="accent4" accent5="accent5" accent6="accent6" hlink="hlink" folHlink="folHlink"/>
+  <p:notesStyle>
+    <a:lvl1pPr marL="0" algn="l" defTabSz="914400" rtl="0" eaLnBrk="1" latinLnBrk="0" hangingPunct="1">
+      <a:defRPr sz="1200" kern="1200">
+        <a:solidFill>
+          <a:schemeClr val="tx1"/>
+        </a:solidFill>
+        <a:latin typeface="+mn-lt"/>
+        <a:ea typeface="+mn-ea"/>
+        <a:cs typeface="+mn-cs"/>
+      </a:defRPr>
+    </a:lvl1pPr>
+    <a:lvl2pPr marL="457200" algn="l" defTabSz="914400" rtl="0" eaLnBrk="1" latinLnBrk="0" hangingPunct="1">
+      <a:defRPr sz="1200" kern="1200">
+        <a:solidFill>
+          <a:schemeClr val="tx1"/>
+        </a:solidFill>
+        <a:latin typeface="+mn-lt"/>
+        <a:ea typeface="+mn-ea"/>
+        <a:cs typeface="+mn-cs"/>
+      </a:defRPr>
+    </a:lvl2pPr>
+    <a:lvl3pPr marL="914400" algn="l" defTabSz="914400" rtl="0" eaLnBrk="1" latinLnBrk="0" hangingPunct="1">
+      <a:defRPr sz="1200" kern="1200">
+        <a:solidFill>
+          <a:schemeClr val="tx1"/>
+        </a:solidFill>
+        <a:latin typeface="+mn-lt"/>
+        <a:ea typeface="+mn-ea"/>
+        <a:cs typeface="+mn-cs"/>
+      </a:defRPr>
+    </a:lvl3pPr>
+    <a:lvl4pPr marL="1371600" algn="l" defTabSz="914400" rtl="0" eaLnBrk="1" latinLnBrk="0" hangingPunct="1">
+      <a:defRPr sz="1200" kern="1200">
+        <a:solidFill>
+          <a:schemeClr val="tx1"/>
+        </a:solidFill>
+        <a:latin typeface="+mn-lt"/>
+        <a:ea typeface="+mn-ea"/>
+        <a:cs typeface="+mn-cs"/>
+      </a:defRPr>
+    </a:lvl4pPr>
+    <a:lvl5pPr marL="1828800" algn="l" defTabSz="914400" rtl="0" eaLnBrk="1" latinLnBrk="0" hangingPunct="1">
+      <a:defRPr sz="1200" kern="1200">
+        <a:solidFill>
+          <a:schemeClr val="tx1"/>
+        </a:solidFill>
+        <a:latin typeface="+mn-lt"/>
+        <a:ea typeface="+mn-ea"/>
+        <a:cs typeface="+mn-cs"/>
+      </a:defRPr>
+    </a:lvl5pPr>
+    <a:lvl6pPr marL="2286000" algn="l" defTabSz="914400" rtl="0" eaLnBrk="1" latinLnBrk="0" hangingPunct="1">
+      <a:defRPr sz="1200" kern="1200">
+        <a:solidFill>
+          <a:schemeClr val="tx1"/>
+        </a:solidFill>
+        <a:latin typeface="+mn-lt"/>
+        <a:ea typeface="+mn-ea"/>
+        <a:cs typeface="+mn-cs"/>
+      </a:defRPr>
+    </a:lvl6pPr>
+    <a:lvl7pPr marL="2743200" algn="l" defTabSz="914400" rtl="0" eaLnBrk="1" latinLnBrk="0" hangingPunct="1">
+      <a:defRPr sz="1200" kern="1200">
+        <a:solidFill>
+          <a:schemeClr val="tx1"/>
+        </a:solidFill>
+        <a:latin typeface="+mn-lt"/>
+        <a:ea typeface="+mn-ea"/>
+        <a:cs typeface="+mn-cs"/>
+      </a:defRPr>
+    </a:lvl7pPr>
+    <a:lvl8pPr marL="3200400" algn="l" defTabSz="914400" rtl="0" eaLnBrk="1" latinLnBrk="0" hangingPunct="1">
+      <a:defRPr sz="1200" kern="1200">
+        <a:solidFill>
+          <a:schemeClr val="tx1"/>
+        </a:solidFill>
+        <a:latin typeface="+mn-lt"/>
+        <a:ea typeface="+mn-ea"/>
+        <a:cs typeface="+mn-cs"/>
+      </a:defRPr>
+    </a:lvl8pPr>
+    <a:lvl9pPr marL="3657600" algn="l" defTabSz="914400" rtl="0" eaLnBrk="1" latinLnBrk="0" hangingPunct="1">
+      <a:defRPr sz="1200" kern="1200">
+        <a:solidFill>
+          <a:schemeClr val="tx1"/>
+        </a:solidFill>
+        <a:latin typeface="+mn-lt"/>
+        <a:ea typeface="+mn-ea"/>
+        <a:cs typeface="+mn-cs"/>
+      </a:defRPr>
+    </a:lvl9pPr>
+  </p:notesStyle>
+</p:notesMaster>
+</file>
+
+<file path=ppt/notesSlides/notesSlide1.xml><?xml version="1.0" encoding="utf-8"?>
+<p:notes xmlns:a="http://schemas.openxmlformats.org/drawingml/2006/main" xmlns:r="http://schemas.openxmlformats.org/officeDocument/2006/relationships" xmlns:p="http://schemas.openxmlformats.org/presentationml/2006/main">
+  <p:cSld>
+    <p:spTree>
+      <p:nvGrpSpPr>
+        <p:cNvPr id="1" name=""/>
+        <p:cNvGrpSpPr/>
+        <p:nvPr/>
+      </p:nvGrpSpPr>
+      <p:grpSpPr>
+        <a:xfrm>
+          <a:off x="0" y="0"/>
+          <a:ext cx="0" cy="0"/>
+          <a:chOff x="0" y="0"/>
+          <a:chExt cx="0" cy="0"/>
+        </a:xfrm>
+      </p:grpSpPr>
+      <p:sp>
+        <p:nvSpPr>
+          <p:cNvPr id="2" name="Zástupný symbol pro obrázek snímku 1"/>
+          <p:cNvSpPr>
+            <a:spLocks noGrp="1" noRot="1" noChangeAspect="1"/>
+          </p:cNvSpPr>
+          <p:nvPr>
+            <p:ph type="sldImg"/>
+          </p:nvPr>
+        </p:nvSpPr>
+        <p:spPr/>
+      </p:sp>
+      <p:sp>
+        <p:nvSpPr>
+          <p:cNvPr id="3" name="Zástupný symbol pro poznámky 2"/>
+          <p:cNvSpPr>
+            <a:spLocks noGrp="1"/>
+          </p:cNvSpPr>
+          <p:nvPr>
+            <p:ph type="body" idx="1"/>
+          </p:nvPr>
+        </p:nvSpPr>
+        <p:spPr/>
+        <p:txBody>
+          <a:bodyPr/>
+          <a:lstStyle/>
+          <a:p>
+            <a:r>
+              <a:rPr lang="cs-CZ" dirty="0"/>
+              <a:t>3 různé metody dělení    1. </a:t>
+            </a:r>
+            <a:r>
+              <a:rPr lang="cs-CZ" dirty="0" err="1"/>
+              <a:t>Extern´ı</a:t>
+            </a:r>
+            <a:r>
+              <a:rPr lang="cs-CZ" dirty="0"/>
+              <a:t> testy – jsou </a:t>
+            </a:r>
+            <a:r>
+              <a:rPr lang="cs-CZ" dirty="0" err="1"/>
+              <a:t>prov´adˇeny</a:t>
+            </a:r>
+            <a:r>
+              <a:rPr lang="cs-CZ" dirty="0"/>
+              <a:t> z </a:t>
+            </a:r>
+            <a:r>
+              <a:rPr lang="cs-CZ" dirty="0" err="1"/>
+              <a:t>vnˇejˇs´ı</a:t>
+            </a:r>
+            <a:r>
+              <a:rPr lang="cs-CZ" dirty="0"/>
+              <a:t> strany </a:t>
+            </a:r>
+            <a:r>
+              <a:rPr lang="cs-CZ" dirty="0" err="1"/>
+              <a:t>testovan´e</a:t>
+            </a:r>
+            <a:r>
+              <a:rPr lang="cs-CZ" dirty="0"/>
+              <a:t> </a:t>
+            </a:r>
+            <a:r>
+              <a:rPr lang="cs-CZ" dirty="0" err="1"/>
+              <a:t>s´ıtˇe</a:t>
+            </a:r>
+            <a:r>
+              <a:rPr lang="cs-CZ" dirty="0"/>
+              <a:t> a </a:t>
+            </a:r>
+            <a:r>
+              <a:rPr lang="cs-CZ" dirty="0" err="1"/>
+              <a:t>pˇredstavuj´ı</a:t>
+            </a:r>
+            <a:r>
+              <a:rPr lang="cs-CZ" dirty="0"/>
+              <a:t> </a:t>
+            </a:r>
+            <a:r>
+              <a:rPr lang="cs-CZ" dirty="0" err="1"/>
+              <a:t>vnˇejˇs´ı</a:t>
+            </a:r>
+            <a:r>
+              <a:rPr lang="cs-CZ" dirty="0"/>
+              <a:t> hrozby (</a:t>
+            </a:r>
+            <a:r>
+              <a:rPr lang="cs-CZ" dirty="0" err="1"/>
+              <a:t>napˇr</a:t>
+            </a:r>
+            <a:r>
+              <a:rPr lang="cs-CZ" dirty="0"/>
+              <a:t>. ´</a:t>
+            </a:r>
+            <a:r>
+              <a:rPr lang="cs-CZ" dirty="0" err="1"/>
+              <a:t>utok</a:t>
+            </a:r>
+            <a:r>
+              <a:rPr lang="cs-CZ" dirty="0"/>
+              <a:t> hackera z internetu) </a:t>
+            </a:r>
+          </a:p>
+          <a:p>
+            <a:r>
+              <a:rPr lang="cs-CZ" dirty="0"/>
+              <a:t>		• </a:t>
+            </a:r>
+            <a:r>
+              <a:rPr lang="cs-CZ" dirty="0" err="1"/>
+              <a:t>Intern´ı</a:t>
+            </a:r>
+            <a:r>
+              <a:rPr lang="cs-CZ" dirty="0"/>
+              <a:t> testy – jsou </a:t>
+            </a:r>
+            <a:r>
+              <a:rPr lang="cs-CZ" dirty="0" err="1"/>
+              <a:t>prov´adˇeny</a:t>
+            </a:r>
+            <a:r>
+              <a:rPr lang="cs-CZ" dirty="0"/>
+              <a:t> z </a:t>
+            </a:r>
+            <a:r>
+              <a:rPr lang="cs-CZ" dirty="0" err="1"/>
+              <a:t>vnitˇrn´ı</a:t>
+            </a:r>
+            <a:r>
+              <a:rPr lang="cs-CZ" dirty="0"/>
+              <a:t> strany </a:t>
+            </a:r>
+            <a:r>
+              <a:rPr lang="cs-CZ" dirty="0" err="1"/>
+              <a:t>testovan´e</a:t>
+            </a:r>
+            <a:r>
+              <a:rPr lang="cs-CZ" dirty="0"/>
+              <a:t> </a:t>
+            </a:r>
+            <a:r>
+              <a:rPr lang="cs-CZ" dirty="0" err="1"/>
+              <a:t>s´ıtˇe</a:t>
+            </a:r>
+            <a:r>
+              <a:rPr lang="cs-CZ" dirty="0"/>
+              <a:t>, </a:t>
+            </a:r>
+            <a:r>
+              <a:rPr lang="cs-CZ" dirty="0" err="1"/>
+              <a:t>kter´e</a:t>
+            </a:r>
+            <a:r>
+              <a:rPr lang="cs-CZ" dirty="0"/>
+              <a:t> </a:t>
+            </a:r>
+            <a:r>
+              <a:rPr lang="cs-CZ" dirty="0" err="1"/>
+              <a:t>napodobuj´ı</a:t>
+            </a:r>
+            <a:r>
+              <a:rPr lang="cs-CZ" dirty="0"/>
+              <a:t> </a:t>
+            </a:r>
+            <a:r>
+              <a:rPr lang="cs-CZ" dirty="0" err="1"/>
+              <a:t>potencion´aln´ıho</a:t>
+            </a:r>
+            <a:r>
+              <a:rPr lang="cs-CZ" dirty="0"/>
+              <a:t> ´</a:t>
+            </a:r>
+            <a:r>
+              <a:rPr lang="cs-CZ" dirty="0" err="1"/>
+              <a:t>utoˇcn´ıka</a:t>
+            </a:r>
+            <a:r>
+              <a:rPr lang="cs-CZ" dirty="0"/>
+              <a:t>, </a:t>
+            </a:r>
+            <a:r>
+              <a:rPr lang="cs-CZ" dirty="0" err="1"/>
+              <a:t>kter´y</a:t>
+            </a:r>
+            <a:r>
+              <a:rPr lang="cs-CZ" dirty="0"/>
+              <a:t> </a:t>
+            </a:r>
+            <a:r>
+              <a:rPr lang="cs-CZ" dirty="0" err="1"/>
+              <a:t>z´ıskal</a:t>
+            </a:r>
+            <a:r>
+              <a:rPr lang="cs-CZ" dirty="0"/>
+              <a:t> </a:t>
+            </a:r>
+            <a:r>
+              <a:rPr lang="cs-CZ" dirty="0" err="1"/>
+              <a:t>nˇejak´ym</a:t>
+            </a:r>
+            <a:r>
+              <a:rPr lang="cs-CZ" dirty="0"/>
+              <a:t> </a:t>
+            </a:r>
+            <a:r>
+              <a:rPr lang="cs-CZ" dirty="0" err="1"/>
+              <a:t>zp˚usobem</a:t>
+            </a:r>
+            <a:r>
+              <a:rPr lang="cs-CZ" dirty="0"/>
+              <a:t> </a:t>
+            </a:r>
+            <a:r>
+              <a:rPr lang="cs-CZ" dirty="0" err="1"/>
+              <a:t>pˇr´ıstup</a:t>
+            </a:r>
+            <a:r>
+              <a:rPr lang="cs-CZ" dirty="0"/>
+              <a:t> do </a:t>
+            </a:r>
+            <a:r>
+              <a:rPr lang="cs-CZ" dirty="0" err="1"/>
+              <a:t>vnitˇrn´ı</a:t>
+            </a:r>
+            <a:r>
+              <a:rPr lang="cs-CZ" dirty="0"/>
+              <a:t> </a:t>
+            </a:r>
+            <a:r>
+              <a:rPr lang="cs-CZ" dirty="0" err="1"/>
+              <a:t>s´ıtˇe</a:t>
+            </a:r>
+            <a:r>
+              <a:rPr lang="cs-CZ" dirty="0"/>
+              <a:t>, nebo </a:t>
+            </a:r>
+            <a:r>
+              <a:rPr lang="cs-CZ" dirty="0" err="1"/>
+              <a:t>tak´e</a:t>
+            </a:r>
+            <a:r>
+              <a:rPr lang="cs-CZ" dirty="0"/>
+              <a:t> </a:t>
+            </a:r>
+            <a:r>
+              <a:rPr lang="cs-CZ" dirty="0" err="1"/>
+              <a:t>neloaj´aln´ıho</a:t>
+            </a:r>
+            <a:r>
+              <a:rPr lang="cs-CZ" dirty="0"/>
+              <a:t> </a:t>
+            </a:r>
+            <a:r>
+              <a:rPr lang="cs-CZ" dirty="0" err="1"/>
+              <a:t>zamˇestnance</a:t>
+            </a:r>
+            <a:r>
+              <a:rPr lang="cs-CZ" dirty="0"/>
+              <a:t> </a:t>
+            </a:r>
+          </a:p>
+          <a:p>
+            <a:r>
+              <a:rPr lang="cs-CZ" dirty="0"/>
+              <a:t>	</a:t>
+            </a:r>
+          </a:p>
+        </p:txBody>
+      </p:sp>
+      <p:sp>
+        <p:nvSpPr>
+          <p:cNvPr id="4" name="Zástupný symbol pro číslo snímku 3"/>
+          <p:cNvSpPr>
+            <a:spLocks noGrp="1"/>
+          </p:cNvSpPr>
+          <p:nvPr>
+            <p:ph type="sldNum" sz="quarter" idx="10"/>
+          </p:nvPr>
+        </p:nvSpPr>
+        <p:spPr/>
+        <p:txBody>
+          <a:bodyPr/>
+          <a:lstStyle/>
+          <a:p>
+            <a:fld id="{5053EB7A-B245-4358-907C-6AA75BBFDF1A}" type="slidenum">
+              <a:rPr lang="cs-CZ" smtClean="0"/>
+              <a:t>4</a:t>
+            </a:fld>
+            <a:endParaRPr lang="cs-CZ"/>
+          </a:p>
+        </p:txBody>
+      </p:sp>
+    </p:spTree>
+    <p:extLst>
+      <p:ext uri="{BB962C8B-B14F-4D97-AF65-F5344CB8AC3E}">
+        <p14:creationId xmlns:p14="http://schemas.microsoft.com/office/powerpoint/2010/main" val="1504845552"/>
+      </p:ext>
+    </p:extLst>
+  </p:cSld>
+  <p:clrMapOvr>
+    <a:masterClrMapping/>
+  </p:clrMapOvr>
+</p:notes>
+</file>
+
+<file path=ppt/notesSlides/notesSlide2.xml><?xml version="1.0" encoding="utf-8"?>
+<p:notes xmlns:a="http://schemas.openxmlformats.org/drawingml/2006/main" xmlns:r="http://schemas.openxmlformats.org/officeDocument/2006/relationships" xmlns:p="http://schemas.openxmlformats.org/presentationml/2006/main">
+  <p:cSld>
+    <p:spTree>
+      <p:nvGrpSpPr>
+        <p:cNvPr id="1" name=""/>
+        <p:cNvGrpSpPr/>
+        <p:nvPr/>
+      </p:nvGrpSpPr>
+      <p:grpSpPr>
+        <a:xfrm>
+          <a:off x="0" y="0"/>
+          <a:ext cx="0" cy="0"/>
+          <a:chOff x="0" y="0"/>
+          <a:chExt cx="0" cy="0"/>
+        </a:xfrm>
+      </p:grpSpPr>
+      <p:sp>
+        <p:nvSpPr>
+          <p:cNvPr id="2" name="Zástupný symbol pro obrázek snímku 1"/>
+          <p:cNvSpPr>
+            <a:spLocks noGrp="1" noRot="1" noChangeAspect="1"/>
+          </p:cNvSpPr>
+          <p:nvPr>
+            <p:ph type="sldImg"/>
+          </p:nvPr>
+        </p:nvSpPr>
+        <p:spPr/>
+      </p:sp>
+      <p:sp>
+        <p:nvSpPr>
+          <p:cNvPr id="3" name="Zástupný symbol pro poznámky 2"/>
+          <p:cNvSpPr>
+            <a:spLocks noGrp="1"/>
+          </p:cNvSpPr>
+          <p:nvPr>
+            <p:ph type="body" idx="1"/>
+          </p:nvPr>
+        </p:nvSpPr>
+        <p:spPr/>
+        <p:txBody>
+          <a:bodyPr/>
+          <a:lstStyle/>
+          <a:p>
+            <a:r>
+              <a:rPr lang="cs-CZ" dirty="0"/>
+              <a:t>Negr test - na </a:t>
+            </a:r>
+            <a:r>
+              <a:rPr lang="cs-CZ" dirty="0" err="1"/>
+              <a:t>testovan´y</a:t>
+            </a:r>
+            <a:r>
+              <a:rPr lang="cs-CZ" dirty="0"/>
+              <a:t> </a:t>
+            </a:r>
+            <a:r>
+              <a:rPr lang="cs-CZ" dirty="0" err="1"/>
+              <a:t>syst´em</a:t>
+            </a:r>
+            <a:r>
+              <a:rPr lang="cs-CZ" dirty="0"/>
+              <a:t> se </a:t>
+            </a:r>
+            <a:r>
+              <a:rPr lang="cs-CZ" dirty="0" err="1"/>
+              <a:t>pohl´ıˇz´ı</a:t>
+            </a:r>
+            <a:r>
+              <a:rPr lang="cs-CZ" dirty="0"/>
+              <a:t> jako na tzv. ˇ</a:t>
+            </a:r>
+            <a:r>
+              <a:rPr lang="cs-CZ" dirty="0" err="1"/>
+              <a:t>cernou</a:t>
+            </a:r>
+            <a:r>
+              <a:rPr lang="cs-CZ" dirty="0"/>
+              <a:t> </a:t>
+            </a:r>
+            <a:r>
+              <a:rPr lang="cs-CZ" dirty="0" err="1"/>
+              <a:t>skˇr´ıˇnku</a:t>
+            </a:r>
+            <a:r>
+              <a:rPr lang="cs-CZ" dirty="0"/>
+              <a:t>, kde jsou </a:t>
+            </a:r>
+            <a:r>
+              <a:rPr lang="cs-CZ" dirty="0" err="1"/>
+              <a:t>zn´amy</a:t>
+            </a:r>
+            <a:r>
+              <a:rPr lang="cs-CZ" dirty="0"/>
+              <a:t> pouze jeho vstupy a </a:t>
+            </a:r>
+            <a:r>
+              <a:rPr lang="cs-CZ" dirty="0" err="1"/>
+              <a:t>potencion´aln´ı</a:t>
+            </a:r>
+            <a:r>
+              <a:rPr lang="cs-CZ" dirty="0"/>
+              <a:t> </a:t>
+            </a:r>
+            <a:r>
+              <a:rPr lang="cs-CZ" dirty="0" err="1"/>
+              <a:t>v´ystupy</a:t>
+            </a:r>
+            <a:r>
+              <a:rPr lang="cs-CZ" dirty="0"/>
+              <a:t>. </a:t>
+            </a:r>
+            <a:r>
+              <a:rPr lang="cs-CZ" dirty="0" err="1"/>
+              <a:t>Nen´ı</a:t>
+            </a:r>
+            <a:r>
+              <a:rPr lang="cs-CZ" dirty="0"/>
+              <a:t> </a:t>
+            </a:r>
+            <a:r>
+              <a:rPr lang="cs-CZ" dirty="0" err="1"/>
+              <a:t>zn´ama</a:t>
+            </a:r>
+            <a:r>
+              <a:rPr lang="cs-CZ" dirty="0"/>
+              <a:t> </a:t>
+            </a:r>
+            <a:r>
+              <a:rPr lang="cs-CZ" dirty="0" err="1"/>
+              <a:t>vnitˇrn´ı</a:t>
+            </a:r>
+            <a:r>
+              <a:rPr lang="cs-CZ" dirty="0"/>
+              <a:t> struktura </a:t>
+            </a:r>
+            <a:r>
+              <a:rPr lang="cs-CZ" dirty="0" err="1"/>
+              <a:t>syst´emu</a:t>
+            </a:r>
+            <a:endParaRPr lang="cs-CZ" dirty="0"/>
+          </a:p>
+          <a:p>
+            <a:r>
+              <a:rPr lang="cs-CZ" dirty="0"/>
+              <a:t>• </a:t>
+            </a:r>
+            <a:r>
+              <a:rPr lang="cs-CZ" dirty="0" err="1"/>
+              <a:t>White</a:t>
+            </a:r>
+            <a:r>
+              <a:rPr lang="cs-CZ" dirty="0"/>
+              <a:t>-box testy – na </a:t>
+            </a:r>
+            <a:r>
+              <a:rPr lang="cs-CZ" dirty="0" err="1"/>
+              <a:t>rozd´ıl</a:t>
+            </a:r>
+            <a:r>
+              <a:rPr lang="cs-CZ" dirty="0"/>
+              <a:t> od </a:t>
+            </a:r>
+            <a:r>
+              <a:rPr lang="cs-CZ" dirty="0" err="1"/>
+              <a:t>black</a:t>
+            </a:r>
+            <a:r>
+              <a:rPr lang="cs-CZ" dirty="0"/>
+              <a:t>-box </a:t>
+            </a:r>
+            <a:r>
+              <a:rPr lang="cs-CZ" dirty="0" err="1"/>
+              <a:t>test˚u</a:t>
+            </a:r>
+            <a:r>
+              <a:rPr lang="cs-CZ" dirty="0"/>
+              <a:t> jsou k dispozici </a:t>
+            </a:r>
+            <a:r>
+              <a:rPr lang="cs-CZ" dirty="0" err="1"/>
+              <a:t>vˇsechny</a:t>
+            </a:r>
+            <a:r>
+              <a:rPr lang="cs-CZ" dirty="0"/>
+              <a:t> </a:t>
+            </a:r>
+            <a:r>
+              <a:rPr lang="cs-CZ" dirty="0" err="1"/>
+              <a:t>moˇzn´e</a:t>
+            </a:r>
+            <a:r>
+              <a:rPr lang="cs-CZ" dirty="0"/>
+              <a:t> znalosti o </a:t>
+            </a:r>
+            <a:r>
+              <a:rPr lang="cs-CZ" dirty="0" err="1"/>
+              <a:t>syst´emu</a:t>
+            </a:r>
+            <a:r>
+              <a:rPr lang="cs-CZ" dirty="0"/>
+              <a:t>. V </a:t>
+            </a:r>
+            <a:r>
+              <a:rPr lang="cs-CZ" dirty="0" err="1"/>
+              <a:t>pˇr´ıpadˇe</a:t>
+            </a:r>
+            <a:r>
+              <a:rPr lang="cs-CZ" dirty="0"/>
+              <a:t> </a:t>
+            </a:r>
+            <a:r>
+              <a:rPr lang="cs-CZ" dirty="0" err="1"/>
+              <a:t>poˇc´ıtaˇcov´e</a:t>
+            </a:r>
+            <a:r>
+              <a:rPr lang="cs-CZ" dirty="0"/>
+              <a:t> </a:t>
+            </a:r>
+            <a:r>
+              <a:rPr lang="cs-CZ" dirty="0" err="1"/>
+              <a:t>s´ıtˇe</a:t>
+            </a:r>
+            <a:r>
+              <a:rPr lang="cs-CZ" dirty="0"/>
+              <a:t>, je to </a:t>
+            </a:r>
+            <a:r>
+              <a:rPr lang="cs-CZ" dirty="0" err="1"/>
+              <a:t>napˇr´ıklad</a:t>
+            </a:r>
+            <a:r>
+              <a:rPr lang="cs-CZ" dirty="0"/>
+              <a:t> topologie </a:t>
+            </a:r>
+            <a:r>
+              <a:rPr lang="cs-CZ" dirty="0" err="1"/>
+              <a:t>s´ıtˇe</a:t>
+            </a:r>
+            <a:r>
+              <a:rPr lang="cs-CZ" dirty="0"/>
+              <a:t>, </a:t>
+            </a:r>
+            <a:r>
+              <a:rPr lang="cs-CZ" dirty="0" err="1"/>
+              <a:t>pˇr´ıtomn´a</a:t>
+            </a:r>
+            <a:r>
+              <a:rPr lang="cs-CZ" dirty="0"/>
+              <a:t> </a:t>
+            </a:r>
+            <a:r>
+              <a:rPr lang="cs-CZ" dirty="0" err="1"/>
+              <a:t>zaˇr´ızen´ı</a:t>
+            </a:r>
+            <a:r>
+              <a:rPr lang="cs-CZ" dirty="0"/>
+              <a:t>, </a:t>
+            </a:r>
+            <a:r>
+              <a:rPr lang="cs-CZ" dirty="0" err="1"/>
+              <a:t>r˚uzn´e</a:t>
+            </a:r>
+            <a:r>
+              <a:rPr lang="cs-CZ" dirty="0"/>
+              <a:t> </a:t>
+            </a:r>
+            <a:r>
+              <a:rPr lang="cs-CZ" dirty="0" err="1"/>
+              <a:t>pˇr´ıstupov´e</a:t>
+            </a:r>
+            <a:r>
+              <a:rPr lang="cs-CZ" dirty="0"/>
+              <a:t> ´</a:t>
+            </a:r>
+            <a:r>
+              <a:rPr lang="cs-CZ" dirty="0" err="1"/>
+              <a:t>udaje</a:t>
+            </a:r>
+            <a:r>
+              <a:rPr lang="cs-CZ" dirty="0"/>
+              <a:t>, </a:t>
+            </a:r>
+            <a:r>
+              <a:rPr lang="cs-CZ" dirty="0" err="1"/>
+              <a:t>nastaven´ı</a:t>
+            </a:r>
+            <a:r>
+              <a:rPr lang="cs-CZ" dirty="0"/>
+              <a:t> </a:t>
+            </a:r>
+            <a:r>
+              <a:rPr lang="cs-CZ" dirty="0" err="1"/>
+              <a:t>prvk˚u</a:t>
+            </a:r>
+            <a:r>
+              <a:rPr lang="cs-CZ" dirty="0"/>
+              <a:t> atd.</a:t>
+            </a:r>
+          </a:p>
+          <a:p>
+            <a:r>
+              <a:rPr lang="cs-CZ" dirty="0" err="1"/>
+              <a:t>Grey</a:t>
+            </a:r>
+            <a:r>
+              <a:rPr lang="cs-CZ" dirty="0"/>
+              <a:t>-box testy – kombinace </a:t>
+            </a:r>
+            <a:r>
+              <a:rPr lang="cs-CZ" dirty="0" err="1"/>
+              <a:t>pˇredchoz´ıch</a:t>
+            </a:r>
+            <a:r>
+              <a:rPr lang="cs-CZ" dirty="0"/>
+              <a:t> dvou </a:t>
+            </a:r>
+            <a:r>
+              <a:rPr lang="cs-CZ" dirty="0" err="1"/>
+              <a:t>typ˚u</a:t>
+            </a:r>
+            <a:r>
+              <a:rPr lang="cs-CZ" dirty="0"/>
+              <a:t> </a:t>
+            </a:r>
+            <a:r>
+              <a:rPr lang="cs-CZ" dirty="0" err="1"/>
+              <a:t>test˚u</a:t>
+            </a:r>
+            <a:r>
+              <a:rPr lang="cs-CZ" dirty="0"/>
+              <a:t>. Tester </a:t>
+            </a:r>
+            <a:r>
+              <a:rPr lang="cs-CZ" dirty="0" err="1"/>
+              <a:t>m´a</a:t>
+            </a:r>
+            <a:r>
+              <a:rPr lang="cs-CZ" dirty="0"/>
+              <a:t> pouze </a:t>
+            </a:r>
+            <a:r>
+              <a:rPr lang="cs-CZ" dirty="0" err="1"/>
+              <a:t>z´akladn´ı</a:t>
+            </a:r>
+            <a:r>
+              <a:rPr lang="cs-CZ" dirty="0"/>
+              <a:t> znalosti o </a:t>
+            </a:r>
+            <a:r>
+              <a:rPr lang="cs-CZ" dirty="0" err="1"/>
+              <a:t>syst´emu</a:t>
+            </a:r>
+            <a:r>
+              <a:rPr lang="cs-CZ" dirty="0"/>
+              <a:t>, </a:t>
+            </a:r>
+            <a:r>
+              <a:rPr lang="cs-CZ" dirty="0" err="1"/>
+              <a:t>kter´e</a:t>
+            </a:r>
+            <a:r>
+              <a:rPr lang="cs-CZ" dirty="0"/>
+              <a:t> se </a:t>
+            </a:r>
+            <a:r>
+              <a:rPr lang="cs-CZ" dirty="0" err="1"/>
+              <a:t>snaˇz´ı</a:t>
+            </a:r>
+            <a:r>
+              <a:rPr lang="cs-CZ" dirty="0"/>
+              <a:t> </a:t>
+            </a:r>
+            <a:r>
+              <a:rPr lang="cs-CZ" dirty="0" err="1"/>
+              <a:t>maxim´alnˇe</a:t>
+            </a:r>
+            <a:r>
+              <a:rPr lang="cs-CZ" dirty="0"/>
+              <a:t> </a:t>
+            </a:r>
+            <a:r>
+              <a:rPr lang="cs-CZ" dirty="0" err="1"/>
+              <a:t>vyuˇz´ıt</a:t>
+            </a:r>
+            <a:endParaRPr lang="cs-CZ" dirty="0"/>
+          </a:p>
+        </p:txBody>
+      </p:sp>
+      <p:sp>
+        <p:nvSpPr>
+          <p:cNvPr id="4" name="Zástupný symbol pro číslo snímku 3"/>
+          <p:cNvSpPr>
+            <a:spLocks noGrp="1"/>
+          </p:cNvSpPr>
+          <p:nvPr>
+            <p:ph type="sldNum" sz="quarter" idx="10"/>
+          </p:nvPr>
+        </p:nvSpPr>
+        <p:spPr/>
+        <p:txBody>
+          <a:bodyPr/>
+          <a:lstStyle/>
+          <a:p>
+            <a:fld id="{5053EB7A-B245-4358-907C-6AA75BBFDF1A}" type="slidenum">
+              <a:rPr lang="cs-CZ" smtClean="0"/>
+              <a:t>5</a:t>
+            </a:fld>
+            <a:endParaRPr lang="cs-CZ"/>
+          </a:p>
+        </p:txBody>
+      </p:sp>
+    </p:spTree>
+    <p:extLst>
+      <p:ext uri="{BB962C8B-B14F-4D97-AF65-F5344CB8AC3E}">
+        <p14:creationId xmlns:p14="http://schemas.microsoft.com/office/powerpoint/2010/main" val="3944521866"/>
+      </p:ext>
+    </p:extLst>
+  </p:cSld>
+  <p:clrMapOvr>
+    <a:masterClrMapping/>
+  </p:clrMapOvr>
+</p:notes>
+</file>
+
+<file path=ppt/notesSlides/notesSlide3.xml><?xml version="1.0" encoding="utf-8"?>
+<p:notes xmlns:a="http://schemas.openxmlformats.org/drawingml/2006/main" xmlns:r="http://schemas.openxmlformats.org/officeDocument/2006/relationships" xmlns:p="http://schemas.openxmlformats.org/presentationml/2006/main">
+  <p:cSld>
+    <p:spTree>
+      <p:nvGrpSpPr>
+        <p:cNvPr id="1" name=""/>
+        <p:cNvGrpSpPr/>
+        <p:nvPr/>
+      </p:nvGrpSpPr>
+      <p:grpSpPr>
+        <a:xfrm>
+          <a:off x="0" y="0"/>
+          <a:ext cx="0" cy="0"/>
+          <a:chOff x="0" y="0"/>
+          <a:chExt cx="0" cy="0"/>
+        </a:xfrm>
+      </p:grpSpPr>
+      <p:sp>
+        <p:nvSpPr>
+          <p:cNvPr id="2" name="Zástupný symbol pro obrázek snímku 1"/>
+          <p:cNvSpPr>
+            <a:spLocks noGrp="1" noRot="1" noChangeAspect="1"/>
+          </p:cNvSpPr>
+          <p:nvPr>
+            <p:ph type="sldImg"/>
+          </p:nvPr>
+        </p:nvSpPr>
+        <p:spPr/>
+      </p:sp>
+      <p:sp>
+        <p:nvSpPr>
+          <p:cNvPr id="3" name="Zástupný symbol pro poznámky 2"/>
+          <p:cNvSpPr>
+            <a:spLocks noGrp="1"/>
+          </p:cNvSpPr>
+          <p:nvPr>
+            <p:ph type="body" idx="1"/>
+          </p:nvPr>
+        </p:nvSpPr>
+        <p:spPr/>
+        <p:txBody>
+          <a:bodyPr/>
+          <a:lstStyle/>
+          <a:p>
+            <a:r>
+              <a:rPr lang="cs-CZ" dirty="0" err="1"/>
+              <a:t>Manu´aln´ı</a:t>
+            </a:r>
+            <a:r>
+              <a:rPr lang="cs-CZ" dirty="0"/>
+              <a:t> testy – tester je </a:t>
+            </a:r>
+            <a:r>
+              <a:rPr lang="cs-CZ" dirty="0" err="1"/>
+              <a:t>vykon´av´a</a:t>
+            </a:r>
+            <a:r>
+              <a:rPr lang="cs-CZ" dirty="0"/>
+              <a:t> </a:t>
+            </a:r>
+            <a:r>
+              <a:rPr lang="cs-CZ" dirty="0" err="1"/>
+              <a:t>manu´alnˇe</a:t>
+            </a:r>
+            <a:r>
+              <a:rPr lang="cs-CZ" dirty="0"/>
+              <a:t>, </a:t>
+            </a:r>
+            <a:r>
+              <a:rPr lang="cs-CZ" dirty="0" err="1"/>
+              <a:t>umoˇzˇnuje</a:t>
+            </a:r>
+            <a:r>
+              <a:rPr lang="cs-CZ" dirty="0"/>
+              <a:t> </a:t>
+            </a:r>
+            <a:r>
+              <a:rPr lang="cs-CZ" dirty="0" err="1"/>
+              <a:t>vytvoˇrit</a:t>
+            </a:r>
+            <a:r>
+              <a:rPr lang="cs-CZ" dirty="0"/>
+              <a:t> testy na </a:t>
+            </a:r>
+            <a:r>
+              <a:rPr lang="cs-CZ" dirty="0" err="1"/>
+              <a:t>m´ıru</a:t>
+            </a:r>
+            <a:r>
+              <a:rPr lang="cs-CZ" dirty="0"/>
+              <a:t> pro </a:t>
+            </a:r>
+            <a:r>
+              <a:rPr lang="cs-CZ" dirty="0" err="1"/>
+              <a:t>specifick´e</a:t>
+            </a:r>
+            <a:r>
+              <a:rPr lang="cs-CZ" dirty="0"/>
+              <a:t> </a:t>
+            </a:r>
+            <a:r>
+              <a:rPr lang="cs-CZ" dirty="0" err="1"/>
+              <a:t>podm´ınky</a:t>
+            </a:r>
+            <a:r>
+              <a:rPr lang="cs-CZ" dirty="0"/>
+              <a:t>. </a:t>
+            </a:r>
+            <a:r>
+              <a:rPr lang="cs-CZ" dirty="0" err="1"/>
+              <a:t>Nev´yhodou</a:t>
+            </a:r>
+            <a:r>
+              <a:rPr lang="cs-CZ" dirty="0"/>
+              <a:t> je, ˇze jsou </a:t>
+            </a:r>
+            <a:r>
+              <a:rPr lang="cs-CZ" dirty="0" err="1"/>
+              <a:t>potˇreba</a:t>
+            </a:r>
+            <a:r>
+              <a:rPr lang="cs-CZ" dirty="0"/>
+              <a:t> </a:t>
+            </a:r>
+            <a:r>
+              <a:rPr lang="cs-CZ" dirty="0" err="1"/>
+              <a:t>rozs´ahl´e</a:t>
+            </a:r>
+            <a:r>
+              <a:rPr lang="cs-CZ" dirty="0"/>
+              <a:t> znalosti </a:t>
+            </a:r>
+            <a:r>
+              <a:rPr lang="cs-CZ" dirty="0" err="1"/>
+              <a:t>testovan´e</a:t>
+            </a:r>
+            <a:r>
+              <a:rPr lang="cs-CZ" dirty="0"/>
+              <a:t> oblasti a dovednosti </a:t>
+            </a:r>
+            <a:r>
+              <a:rPr lang="cs-CZ" dirty="0" err="1"/>
+              <a:t>vytvoˇrit</a:t>
+            </a:r>
+            <a:r>
+              <a:rPr lang="cs-CZ" dirty="0"/>
+              <a:t> </a:t>
+            </a:r>
+            <a:r>
+              <a:rPr lang="cs-CZ" dirty="0" err="1"/>
+              <a:t>testovac´ı</a:t>
+            </a:r>
+            <a:r>
+              <a:rPr lang="cs-CZ" dirty="0"/>
+              <a:t> proceduru. </a:t>
+            </a:r>
+            <a:r>
+              <a:rPr lang="cs-CZ" dirty="0" err="1"/>
+              <a:t>Dalˇs´ı</a:t>
+            </a:r>
+            <a:r>
+              <a:rPr lang="cs-CZ" dirty="0"/>
+              <a:t> </a:t>
+            </a:r>
+            <a:r>
+              <a:rPr lang="cs-CZ" dirty="0" err="1"/>
+              <a:t>nev´yhodou</a:t>
+            </a:r>
+            <a:r>
+              <a:rPr lang="cs-CZ" dirty="0"/>
+              <a:t> je ˇ</a:t>
+            </a:r>
+            <a:r>
+              <a:rPr lang="cs-CZ" dirty="0" err="1"/>
+              <a:t>casov´a</a:t>
+            </a:r>
+            <a:r>
+              <a:rPr lang="cs-CZ" dirty="0"/>
+              <a:t> </a:t>
+            </a:r>
+            <a:r>
+              <a:rPr lang="cs-CZ" dirty="0" err="1"/>
+              <a:t>n´aroˇcnost</a:t>
+            </a:r>
+            <a:r>
+              <a:rPr lang="cs-CZ" dirty="0"/>
+              <a:t>. </a:t>
+            </a:r>
+          </a:p>
+          <a:p>
+            <a:r>
+              <a:rPr lang="cs-CZ" dirty="0" err="1"/>
+              <a:t>Automatizovan´e</a:t>
+            </a:r>
+            <a:r>
+              <a:rPr lang="cs-CZ" dirty="0"/>
+              <a:t> testy – </a:t>
+            </a:r>
+            <a:r>
+              <a:rPr lang="cs-CZ" dirty="0" err="1"/>
+              <a:t>n´astroje</a:t>
+            </a:r>
+            <a:r>
+              <a:rPr lang="cs-CZ" dirty="0"/>
+              <a:t> pro </a:t>
+            </a:r>
+            <a:r>
+              <a:rPr lang="cs-CZ" dirty="0" err="1"/>
+              <a:t>automatick´e</a:t>
+            </a:r>
+            <a:r>
+              <a:rPr lang="cs-CZ" dirty="0"/>
+              <a:t> </a:t>
+            </a:r>
+            <a:r>
+              <a:rPr lang="cs-CZ" dirty="0" err="1"/>
+              <a:t>testov´an´ı</a:t>
+            </a:r>
+            <a:r>
+              <a:rPr lang="cs-CZ" dirty="0"/>
+              <a:t> </a:t>
+            </a:r>
+            <a:r>
+              <a:rPr lang="cs-CZ" dirty="0" err="1"/>
+              <a:t>vytv´aˇrej´ı</a:t>
+            </a:r>
+            <a:r>
+              <a:rPr lang="cs-CZ" dirty="0"/>
+              <a:t> </a:t>
+            </a:r>
+            <a:r>
+              <a:rPr lang="cs-CZ" dirty="0" err="1"/>
+              <a:t>profesion´alov´e</a:t>
+            </a:r>
+            <a:r>
+              <a:rPr lang="cs-CZ" dirty="0"/>
+              <a:t> v oboru a testerovi se </a:t>
+            </a:r>
+            <a:r>
+              <a:rPr lang="cs-CZ" dirty="0" err="1"/>
+              <a:t>staˇc´ı</a:t>
+            </a:r>
+            <a:r>
+              <a:rPr lang="cs-CZ" dirty="0"/>
+              <a:t> </a:t>
+            </a:r>
+            <a:r>
+              <a:rPr lang="cs-CZ" dirty="0" err="1"/>
+              <a:t>nauˇcit</a:t>
+            </a:r>
+            <a:r>
+              <a:rPr lang="cs-CZ" dirty="0"/>
+              <a:t> s </a:t>
+            </a:r>
+            <a:r>
+              <a:rPr lang="cs-CZ" dirty="0" err="1"/>
+              <a:t>n´astrojem</a:t>
+            </a:r>
+            <a:r>
+              <a:rPr lang="cs-CZ" dirty="0"/>
+              <a:t> pracovat a </a:t>
+            </a:r>
+            <a:r>
+              <a:rPr lang="cs-CZ" dirty="0" err="1"/>
+              <a:t>porozumˇet</a:t>
+            </a:r>
+            <a:r>
+              <a:rPr lang="cs-CZ" dirty="0"/>
+              <a:t> interpretaci </a:t>
+            </a:r>
+            <a:r>
+              <a:rPr lang="cs-CZ" dirty="0" err="1"/>
+              <a:t>v´y</a:t>
+            </a:r>
+            <a:r>
+              <a:rPr lang="cs-CZ" dirty="0"/>
+              <a:t>- </a:t>
+            </a:r>
+            <a:r>
+              <a:rPr lang="cs-CZ" dirty="0" err="1"/>
+              <a:t>sledk˚u</a:t>
+            </a:r>
+            <a:r>
+              <a:rPr lang="cs-CZ" dirty="0"/>
+              <a:t>. </a:t>
+            </a:r>
+            <a:r>
+              <a:rPr lang="cs-CZ" dirty="0" err="1"/>
+              <a:t>V´yhodou</a:t>
+            </a:r>
+            <a:r>
+              <a:rPr lang="cs-CZ" dirty="0"/>
+              <a:t> je rychlost aplikace testu, </a:t>
+            </a:r>
+            <a:r>
+              <a:rPr lang="cs-CZ" dirty="0" err="1"/>
+              <a:t>nev´yhodou</a:t>
+            </a:r>
+            <a:r>
+              <a:rPr lang="cs-CZ" dirty="0"/>
+              <a:t> </a:t>
+            </a:r>
+            <a:r>
+              <a:rPr lang="cs-CZ" dirty="0" err="1"/>
+              <a:t>m˚uˇze</a:t>
+            </a:r>
+            <a:r>
+              <a:rPr lang="cs-CZ" dirty="0"/>
+              <a:t> </a:t>
+            </a:r>
+            <a:r>
+              <a:rPr lang="cs-CZ" dirty="0" err="1"/>
+              <a:t>b´yt</a:t>
+            </a:r>
+            <a:r>
+              <a:rPr lang="cs-CZ" dirty="0"/>
+              <a:t> </a:t>
+            </a:r>
+            <a:r>
+              <a:rPr lang="cs-CZ" dirty="0" err="1"/>
+              <a:t>nemoˇznost</a:t>
+            </a:r>
+            <a:r>
+              <a:rPr lang="cs-CZ" dirty="0"/>
+              <a:t> otestovat </a:t>
+            </a:r>
+            <a:r>
+              <a:rPr lang="cs-CZ" dirty="0" err="1"/>
+              <a:t>nˇekter´e</a:t>
+            </a:r>
+            <a:r>
+              <a:rPr lang="cs-CZ" dirty="0"/>
+              <a:t> typy </a:t>
+            </a:r>
+            <a:r>
+              <a:rPr lang="cs-CZ" dirty="0" err="1"/>
+              <a:t>zraniteln´ych</a:t>
+            </a:r>
+            <a:r>
+              <a:rPr lang="cs-CZ" dirty="0"/>
+              <a:t> </a:t>
+            </a:r>
+            <a:r>
+              <a:rPr lang="cs-CZ" dirty="0" err="1"/>
+              <a:t>m´ıst</a:t>
+            </a:r>
+            <a:r>
+              <a:rPr lang="cs-CZ" dirty="0"/>
+              <a:t>.</a:t>
+            </a:r>
+          </a:p>
+          <a:p>
+            <a:r>
+              <a:rPr lang="cs-CZ" dirty="0" err="1"/>
+              <a:t>Semiautomatizovan´e</a:t>
+            </a:r>
+            <a:r>
+              <a:rPr lang="cs-CZ" dirty="0"/>
+              <a:t> testy – kombinace </a:t>
+            </a:r>
+            <a:r>
+              <a:rPr lang="cs-CZ" dirty="0" err="1"/>
+              <a:t>automatick´ych</a:t>
+            </a:r>
+            <a:r>
+              <a:rPr lang="cs-CZ" dirty="0"/>
+              <a:t> a </a:t>
+            </a:r>
+            <a:r>
+              <a:rPr lang="cs-CZ" dirty="0" err="1"/>
+              <a:t>manu´aln´ıch</a:t>
+            </a:r>
+            <a:r>
+              <a:rPr lang="cs-CZ" dirty="0"/>
+              <a:t> </a:t>
+            </a:r>
+            <a:r>
+              <a:rPr lang="cs-CZ" dirty="0" err="1"/>
+              <a:t>test˚u</a:t>
+            </a:r>
+            <a:r>
+              <a:rPr lang="cs-CZ" dirty="0"/>
+              <a:t>, </a:t>
+            </a:r>
+            <a:r>
+              <a:rPr lang="cs-CZ" dirty="0" err="1"/>
+              <a:t>snaˇz´ıc´ı</a:t>
+            </a:r>
+            <a:r>
+              <a:rPr lang="cs-CZ" dirty="0"/>
+              <a:t> se </a:t>
+            </a:r>
+            <a:r>
+              <a:rPr lang="cs-CZ" dirty="0" err="1"/>
+              <a:t>vyuˇz´ıt</a:t>
+            </a:r>
+            <a:r>
+              <a:rPr lang="cs-CZ" dirty="0"/>
+              <a:t> </a:t>
+            </a:r>
+            <a:r>
+              <a:rPr lang="cs-CZ" dirty="0" err="1"/>
+              <a:t>v´yhody</a:t>
+            </a:r>
+            <a:r>
+              <a:rPr lang="cs-CZ" dirty="0"/>
+              <a:t> obou </a:t>
+            </a:r>
+            <a:r>
+              <a:rPr lang="cs-CZ" dirty="0" err="1"/>
+              <a:t>zp˚usob˚u</a:t>
+            </a:r>
+            <a:r>
+              <a:rPr lang="cs-CZ" dirty="0"/>
+              <a:t>. </a:t>
+            </a:r>
+          </a:p>
+        </p:txBody>
+      </p:sp>
+      <p:sp>
+        <p:nvSpPr>
+          <p:cNvPr id="4" name="Zástupný symbol pro číslo snímku 3"/>
+          <p:cNvSpPr>
+            <a:spLocks noGrp="1"/>
+          </p:cNvSpPr>
+          <p:nvPr>
+            <p:ph type="sldNum" sz="quarter" idx="10"/>
+          </p:nvPr>
+        </p:nvSpPr>
+        <p:spPr/>
+        <p:txBody>
+          <a:bodyPr/>
+          <a:lstStyle/>
+          <a:p>
+            <a:fld id="{5053EB7A-B245-4358-907C-6AA75BBFDF1A}" type="slidenum">
+              <a:rPr lang="cs-CZ" smtClean="0"/>
+              <a:t>6</a:t>
+            </a:fld>
+            <a:endParaRPr lang="cs-CZ"/>
+          </a:p>
+        </p:txBody>
+      </p:sp>
+    </p:spTree>
+    <p:extLst>
+      <p:ext uri="{BB962C8B-B14F-4D97-AF65-F5344CB8AC3E}">
+        <p14:creationId xmlns:p14="http://schemas.microsoft.com/office/powerpoint/2010/main" val="3012713408"/>
+      </p:ext>
+    </p:extLst>
+  </p:cSld>
+  <p:clrMapOvr>
+    <a:masterClrMapping/>
+  </p:clrMapOvr>
+</p:notes>
+</file>
+
+<file path=ppt/notesSlides/notesSlide4.xml><?xml version="1.0" encoding="utf-8"?>
+<p:notes xmlns:a="http://schemas.openxmlformats.org/drawingml/2006/main" xmlns:r="http://schemas.openxmlformats.org/officeDocument/2006/relationships" xmlns:p="http://schemas.openxmlformats.org/presentationml/2006/main">
+  <p:cSld>
+    <p:spTree>
+      <p:nvGrpSpPr>
+        <p:cNvPr id="1" name=""/>
+        <p:cNvGrpSpPr/>
+        <p:nvPr/>
+      </p:nvGrpSpPr>
+      <p:grpSpPr>
+        <a:xfrm>
+          <a:off x="0" y="0"/>
+          <a:ext cx="0" cy="0"/>
+          <a:chOff x="0" y="0"/>
+          <a:chExt cx="0" cy="0"/>
+        </a:xfrm>
+      </p:grpSpPr>
+      <p:sp>
+        <p:nvSpPr>
+          <p:cNvPr id="2" name="Zástupný symbol pro obrázek snímku 1"/>
+          <p:cNvSpPr>
+            <a:spLocks noGrp="1" noRot="1" noChangeAspect="1"/>
+          </p:cNvSpPr>
+          <p:nvPr>
+            <p:ph type="sldImg"/>
+          </p:nvPr>
+        </p:nvSpPr>
+        <p:spPr/>
+      </p:sp>
+      <p:sp>
+        <p:nvSpPr>
+          <p:cNvPr id="3" name="Zástupný symbol pro poznámky 2"/>
+          <p:cNvSpPr>
+            <a:spLocks noGrp="1"/>
+          </p:cNvSpPr>
+          <p:nvPr>
+            <p:ph type="body" idx="1"/>
+          </p:nvPr>
+        </p:nvSpPr>
+        <p:spPr/>
+        <p:txBody>
+          <a:bodyPr/>
+          <a:lstStyle/>
+          <a:p>
+            <a:r>
+              <a:rPr lang="cs-CZ" dirty="0"/>
+              <a:t>Plánování – V této fázi je potřeba si dohodnout všechny organizační záležitosti např. přípravu a podepsání </a:t>
+            </a:r>
+            <a:r>
+              <a:rPr lang="cs-CZ" dirty="0" err="1"/>
+              <a:t>bezoečností</a:t>
+            </a:r>
+            <a:r>
+              <a:rPr lang="cs-CZ" dirty="0"/>
+              <a:t> smlouvy ( když něco poseru tak za to nenesu zodpovědnost), sestavení týmu a vytvoření časového plánu.  Určují se cíle na které se zaměříme . Cíle můžou být třeba webové </a:t>
+            </a:r>
+            <a:r>
+              <a:rPr lang="cs-CZ" dirty="0" err="1"/>
+              <a:t>apliace</a:t>
+            </a:r>
+            <a:r>
+              <a:rPr lang="cs-CZ" dirty="0"/>
+              <a:t> , bezdrátové sítě , databáze </a:t>
+            </a:r>
+            <a:r>
+              <a:rPr lang="cs-CZ" dirty="0" err="1"/>
+              <a:t>atd</a:t>
+            </a:r>
+            <a:r>
+              <a:rPr lang="cs-CZ" dirty="0"/>
+              <a:t>….</a:t>
+            </a:r>
+          </a:p>
+        </p:txBody>
+      </p:sp>
+      <p:sp>
+        <p:nvSpPr>
+          <p:cNvPr id="4" name="Zástupný symbol pro číslo snímku 3"/>
+          <p:cNvSpPr>
+            <a:spLocks noGrp="1"/>
+          </p:cNvSpPr>
+          <p:nvPr>
+            <p:ph type="sldNum" sz="quarter" idx="10"/>
+          </p:nvPr>
+        </p:nvSpPr>
+        <p:spPr/>
+        <p:txBody>
+          <a:bodyPr/>
+          <a:lstStyle/>
+          <a:p>
+            <a:fld id="{5053EB7A-B245-4358-907C-6AA75BBFDF1A}" type="slidenum">
+              <a:rPr lang="cs-CZ" smtClean="0"/>
+              <a:t>7</a:t>
+            </a:fld>
+            <a:endParaRPr lang="cs-CZ"/>
+          </a:p>
+        </p:txBody>
+      </p:sp>
+    </p:spTree>
+    <p:extLst>
+      <p:ext uri="{BB962C8B-B14F-4D97-AF65-F5344CB8AC3E}">
+        <p14:creationId xmlns:p14="http://schemas.microsoft.com/office/powerpoint/2010/main" val="1480272201"/>
+      </p:ext>
+    </p:extLst>
+  </p:cSld>
+  <p:clrMapOvr>
+    <a:masterClrMapping/>
+  </p:clrMapOvr>
+</p:notes>
+</file>
+
+<file path=ppt/notesSlides/notesSlide5.xml><?xml version="1.0" encoding="utf-8"?>
+<p:notes xmlns:a="http://schemas.openxmlformats.org/drawingml/2006/main" xmlns:r="http://schemas.openxmlformats.org/officeDocument/2006/relationships" xmlns:p="http://schemas.openxmlformats.org/presentationml/2006/main">
+  <p:cSld>
+    <p:spTree>
+      <p:nvGrpSpPr>
+        <p:cNvPr id="1" name=""/>
+        <p:cNvGrpSpPr/>
+        <p:nvPr/>
+      </p:nvGrpSpPr>
+      <p:grpSpPr>
+        <a:xfrm>
+          <a:off x="0" y="0"/>
+          <a:ext cx="0" cy="0"/>
+          <a:chOff x="0" y="0"/>
+          <a:chExt cx="0" cy="0"/>
+        </a:xfrm>
+      </p:grpSpPr>
+      <p:sp>
+        <p:nvSpPr>
+          <p:cNvPr id="2" name="Zástupný symbol pro obrázek snímku 1"/>
+          <p:cNvSpPr>
+            <a:spLocks noGrp="1" noRot="1" noChangeAspect="1"/>
+          </p:cNvSpPr>
+          <p:nvPr>
+            <p:ph type="sldImg"/>
+          </p:nvPr>
+        </p:nvSpPr>
+        <p:spPr/>
+      </p:sp>
+      <p:sp>
+        <p:nvSpPr>
+          <p:cNvPr id="3" name="Zástupný symbol pro poznámky 2"/>
+          <p:cNvSpPr>
+            <a:spLocks noGrp="1"/>
+          </p:cNvSpPr>
+          <p:nvPr>
+            <p:ph type="body" idx="1"/>
+          </p:nvPr>
+        </p:nvSpPr>
+        <p:spPr/>
+        <p:txBody>
+          <a:bodyPr/>
+          <a:lstStyle/>
+          <a:p>
+            <a:r>
+              <a:rPr lang="cs-CZ" dirty="0"/>
+              <a:t>V této </a:t>
+            </a:r>
+            <a:r>
+              <a:rPr lang="cs-CZ" dirty="0" err="1"/>
+              <a:t>fázy</a:t>
+            </a:r>
+            <a:r>
+              <a:rPr lang="cs-CZ" dirty="0"/>
+              <a:t> se snažíme získat co nejvíce informací  o cílové síti. Nejčastěji se jedná o základní informace jak rozsahy IP adres, </a:t>
+            </a:r>
+            <a:r>
+              <a:rPr lang="cs-CZ" dirty="0" err="1"/>
+              <a:t>kontakntí</a:t>
+            </a:r>
+            <a:r>
+              <a:rPr lang="cs-CZ" dirty="0"/>
+              <a:t> osoby , otevřené porty, síťové služby a jejich verze , operační systém síťových prvků atd..</a:t>
+            </a:r>
+          </a:p>
+        </p:txBody>
+      </p:sp>
+      <p:sp>
+        <p:nvSpPr>
+          <p:cNvPr id="4" name="Zástupný symbol pro číslo snímku 3"/>
+          <p:cNvSpPr>
+            <a:spLocks noGrp="1"/>
+          </p:cNvSpPr>
+          <p:nvPr>
+            <p:ph type="sldNum" sz="quarter" idx="10"/>
+          </p:nvPr>
+        </p:nvSpPr>
+        <p:spPr/>
+        <p:txBody>
+          <a:bodyPr/>
+          <a:lstStyle/>
+          <a:p>
+            <a:fld id="{5053EB7A-B245-4358-907C-6AA75BBFDF1A}" type="slidenum">
+              <a:rPr lang="cs-CZ" smtClean="0"/>
+              <a:t>8</a:t>
+            </a:fld>
+            <a:endParaRPr lang="cs-CZ"/>
+          </a:p>
+        </p:txBody>
+      </p:sp>
+    </p:spTree>
+    <p:extLst>
+      <p:ext uri="{BB962C8B-B14F-4D97-AF65-F5344CB8AC3E}">
+        <p14:creationId xmlns:p14="http://schemas.microsoft.com/office/powerpoint/2010/main" val="3817494366"/>
+      </p:ext>
+    </p:extLst>
+  </p:cSld>
+  <p:clrMapOvr>
+    <a:masterClrMapping/>
+  </p:clrMapOvr>
+</p:notes>
+</file>
+
+<file path=ppt/notesSlides/notesSlide6.xml><?xml version="1.0" encoding="utf-8"?>
+<p:notes xmlns:a="http://schemas.openxmlformats.org/drawingml/2006/main" xmlns:r="http://schemas.openxmlformats.org/officeDocument/2006/relationships" xmlns:p="http://schemas.openxmlformats.org/presentationml/2006/main">
+  <p:cSld>
+    <p:spTree>
+      <p:nvGrpSpPr>
+        <p:cNvPr id="1" name=""/>
+        <p:cNvGrpSpPr/>
+        <p:nvPr/>
+      </p:nvGrpSpPr>
+      <p:grpSpPr>
+        <a:xfrm>
+          <a:off x="0" y="0"/>
+          <a:ext cx="0" cy="0"/>
+          <a:chOff x="0" y="0"/>
+          <a:chExt cx="0" cy="0"/>
+        </a:xfrm>
+      </p:grpSpPr>
+      <p:sp>
+        <p:nvSpPr>
+          <p:cNvPr id="2" name="Zástupný symbol pro obrázek snímku 1"/>
+          <p:cNvSpPr>
+            <a:spLocks noGrp="1" noRot="1" noChangeAspect="1"/>
+          </p:cNvSpPr>
+          <p:nvPr>
+            <p:ph type="sldImg"/>
+          </p:nvPr>
+        </p:nvSpPr>
+        <p:spPr/>
+      </p:sp>
+      <p:sp>
+        <p:nvSpPr>
+          <p:cNvPr id="3" name="Zástupný symbol pro poznámky 2"/>
+          <p:cNvSpPr>
+            <a:spLocks noGrp="1"/>
+          </p:cNvSpPr>
+          <p:nvPr>
+            <p:ph type="body" idx="1"/>
+          </p:nvPr>
+        </p:nvSpPr>
+        <p:spPr/>
+        <p:txBody>
+          <a:bodyPr/>
+          <a:lstStyle/>
+          <a:p>
+            <a:r>
+              <a:rPr lang="cs-CZ" dirty="0"/>
+              <a:t>Za </a:t>
+            </a:r>
+            <a:r>
+              <a:rPr lang="cs-CZ" dirty="0" err="1"/>
+              <a:t>otevˇren´ymi</a:t>
+            </a:r>
+            <a:r>
+              <a:rPr lang="cs-CZ" dirty="0"/>
+              <a:t> porty se </a:t>
+            </a:r>
+            <a:r>
+              <a:rPr lang="cs-CZ" dirty="0" err="1"/>
+              <a:t>skr´yvaj´ı</a:t>
+            </a:r>
+            <a:r>
+              <a:rPr lang="cs-CZ" dirty="0"/>
+              <a:t> </a:t>
+            </a:r>
+            <a:r>
+              <a:rPr lang="cs-CZ" dirty="0" err="1"/>
+              <a:t>nˇejak´e</a:t>
+            </a:r>
+            <a:r>
+              <a:rPr lang="cs-CZ" dirty="0"/>
+              <a:t> </a:t>
+            </a:r>
+            <a:r>
+              <a:rPr lang="cs-CZ" dirty="0" err="1"/>
+              <a:t>s´ıˇtov´e</a:t>
+            </a:r>
+            <a:r>
+              <a:rPr lang="cs-CZ" dirty="0"/>
+              <a:t> </a:t>
+            </a:r>
+            <a:r>
+              <a:rPr lang="cs-CZ" dirty="0" err="1"/>
+              <a:t>sluˇzby</a:t>
+            </a:r>
+            <a:r>
+              <a:rPr lang="cs-CZ" dirty="0"/>
+              <a:t> a </a:t>
+            </a:r>
+            <a:r>
+              <a:rPr lang="cs-CZ" dirty="0" err="1"/>
+              <a:t>operaˇcn´ı</a:t>
+            </a:r>
+            <a:r>
+              <a:rPr lang="cs-CZ" dirty="0"/>
+              <a:t> </a:t>
+            </a:r>
+            <a:r>
+              <a:rPr lang="cs-CZ" dirty="0" err="1"/>
+              <a:t>syst´emy</a:t>
+            </a:r>
+            <a:r>
+              <a:rPr lang="cs-CZ" dirty="0"/>
+              <a:t>, na </a:t>
+            </a:r>
+            <a:r>
+              <a:rPr lang="cs-CZ" dirty="0" err="1"/>
+              <a:t>kter´ych</a:t>
+            </a:r>
+            <a:r>
+              <a:rPr lang="cs-CZ" dirty="0"/>
+              <a:t> </a:t>
+            </a:r>
+            <a:r>
+              <a:rPr lang="cs-CZ" dirty="0" err="1"/>
+              <a:t>bˇeˇz´ı</a:t>
+            </a:r>
+            <a:r>
+              <a:rPr lang="cs-CZ" dirty="0"/>
+              <a:t>, a ty mohou </a:t>
+            </a:r>
+            <a:r>
+              <a:rPr lang="cs-CZ" dirty="0" err="1"/>
+              <a:t>pˇredstavovat</a:t>
+            </a:r>
+            <a:r>
+              <a:rPr lang="cs-CZ" dirty="0"/>
+              <a:t> riziko. </a:t>
+            </a:r>
+            <a:r>
+              <a:rPr lang="cs-CZ" dirty="0" err="1"/>
+              <a:t>Pˇri</a:t>
+            </a:r>
+            <a:r>
+              <a:rPr lang="cs-CZ" dirty="0"/>
+              <a:t> </a:t>
+            </a:r>
+            <a:r>
+              <a:rPr lang="cs-CZ" dirty="0" err="1"/>
+              <a:t>hled´an´ı</a:t>
+            </a:r>
+            <a:r>
+              <a:rPr lang="cs-CZ" dirty="0"/>
+              <a:t> chyb dojde k </a:t>
+            </a:r>
+            <a:r>
+              <a:rPr lang="cs-CZ" dirty="0" err="1"/>
+              <a:t>porovn´av´an´ı</a:t>
+            </a:r>
+            <a:r>
+              <a:rPr lang="cs-CZ" dirty="0"/>
+              <a:t> </a:t>
+            </a:r>
+            <a:r>
+              <a:rPr lang="cs-CZ" dirty="0" err="1"/>
+              <a:t>jednotliv´ych</a:t>
+            </a:r>
+            <a:r>
+              <a:rPr lang="cs-CZ" dirty="0"/>
+              <a:t> </a:t>
+            </a:r>
+            <a:r>
+              <a:rPr lang="cs-CZ" dirty="0" err="1"/>
+              <a:t>verz´ı</a:t>
+            </a:r>
+            <a:r>
+              <a:rPr lang="cs-CZ" dirty="0"/>
+              <a:t> </a:t>
+            </a:r>
+            <a:r>
+              <a:rPr lang="cs-CZ" dirty="0" err="1"/>
+              <a:t>s´ıˇtov´ych</a:t>
+            </a:r>
+            <a:r>
+              <a:rPr lang="cs-CZ" dirty="0"/>
+              <a:t> </a:t>
+            </a:r>
+            <a:r>
+              <a:rPr lang="cs-CZ" dirty="0" err="1"/>
+              <a:t>slu</a:t>
+            </a:r>
+            <a:r>
+              <a:rPr lang="cs-CZ" dirty="0"/>
+              <a:t>- ˇzeb a </a:t>
+            </a:r>
+            <a:r>
+              <a:rPr lang="cs-CZ" dirty="0" err="1"/>
+              <a:t>operaˇcn´ıch</a:t>
+            </a:r>
+            <a:r>
+              <a:rPr lang="cs-CZ" dirty="0"/>
+              <a:t> </a:t>
+            </a:r>
+            <a:r>
+              <a:rPr lang="cs-CZ" dirty="0" err="1"/>
+              <a:t>syst´em˚u</a:t>
+            </a:r>
+            <a:r>
+              <a:rPr lang="cs-CZ" dirty="0"/>
+              <a:t> s </a:t>
+            </a:r>
+            <a:r>
+              <a:rPr lang="cs-CZ" dirty="0" err="1"/>
+              <a:t>datab´az´ı</a:t>
+            </a:r>
+            <a:r>
+              <a:rPr lang="cs-CZ" dirty="0"/>
+              <a:t> </a:t>
+            </a:r>
+            <a:r>
+              <a:rPr lang="cs-CZ" dirty="0" err="1"/>
+              <a:t>zn´am´ych</a:t>
+            </a:r>
+            <a:r>
+              <a:rPr lang="cs-CZ" dirty="0"/>
+              <a:t> chyb. </a:t>
+            </a:r>
+          </a:p>
+          <a:p>
+            <a:r>
+              <a:rPr lang="cs-CZ" dirty="0" err="1"/>
+              <a:t>V´ysledkem</a:t>
+            </a:r>
+            <a:r>
+              <a:rPr lang="cs-CZ" dirty="0"/>
+              <a:t> je seznam stanic ˇ</a:t>
+            </a:r>
+            <a:r>
+              <a:rPr lang="cs-CZ" dirty="0" err="1"/>
+              <a:t>ci</a:t>
+            </a:r>
+            <a:r>
+              <a:rPr lang="cs-CZ" dirty="0"/>
+              <a:t> </a:t>
+            </a:r>
+            <a:r>
+              <a:rPr lang="cs-CZ" dirty="0" err="1"/>
+              <a:t>sluˇzeb</a:t>
+            </a:r>
+            <a:r>
+              <a:rPr lang="cs-CZ" dirty="0"/>
+              <a:t>, </a:t>
+            </a:r>
+            <a:r>
+              <a:rPr lang="cs-CZ" dirty="0" err="1"/>
+              <a:t>kter´e</a:t>
+            </a:r>
+            <a:r>
+              <a:rPr lang="cs-CZ" dirty="0"/>
+              <a:t> </a:t>
+            </a:r>
+            <a:r>
+              <a:rPr lang="cs-CZ" dirty="0" err="1"/>
+              <a:t>obsahuj´ı</a:t>
+            </a:r>
+            <a:r>
+              <a:rPr lang="cs-CZ" dirty="0"/>
+              <a:t> zranitelnosti nebo </a:t>
+            </a:r>
+            <a:r>
+              <a:rPr lang="cs-CZ" dirty="0" err="1"/>
+              <a:t>pˇredstavuj´ı</a:t>
+            </a:r>
+            <a:r>
+              <a:rPr lang="cs-CZ" dirty="0"/>
+              <a:t> riziko. </a:t>
+            </a:r>
+            <a:r>
+              <a:rPr lang="cs-CZ" dirty="0" err="1"/>
+              <a:t>Nejˇcastˇeji</a:t>
+            </a:r>
+            <a:r>
+              <a:rPr lang="cs-CZ" dirty="0"/>
+              <a:t> se pro tento ´</a:t>
+            </a:r>
+            <a:r>
+              <a:rPr lang="cs-CZ" dirty="0" err="1"/>
+              <a:t>uˇcel</a:t>
+            </a:r>
+            <a:r>
+              <a:rPr lang="cs-CZ" dirty="0"/>
+              <a:t> </a:t>
+            </a:r>
+            <a:r>
+              <a:rPr lang="cs-CZ" dirty="0" err="1"/>
+              <a:t>pouˇz´ıvaj´ı</a:t>
+            </a:r>
+            <a:r>
+              <a:rPr lang="cs-CZ" dirty="0"/>
+              <a:t> </a:t>
+            </a:r>
+            <a:r>
+              <a:rPr lang="cs-CZ" dirty="0" err="1"/>
+              <a:t>specializovan´e</a:t>
+            </a:r>
+            <a:r>
+              <a:rPr lang="cs-CZ" dirty="0"/>
+              <a:t> </a:t>
+            </a:r>
+            <a:r>
+              <a:rPr lang="cs-CZ" dirty="0" err="1"/>
+              <a:t>n´astroje</a:t>
+            </a:r>
+            <a:r>
+              <a:rPr lang="cs-CZ" dirty="0"/>
+              <a:t>, </a:t>
+            </a:r>
+            <a:r>
+              <a:rPr lang="cs-CZ" dirty="0" err="1"/>
+              <a:t>kter´e</a:t>
+            </a:r>
+            <a:r>
+              <a:rPr lang="cs-CZ" dirty="0"/>
+              <a:t> </a:t>
+            </a:r>
+            <a:r>
+              <a:rPr lang="cs-CZ" dirty="0" err="1"/>
+              <a:t>pracuj´ı</a:t>
+            </a:r>
+            <a:r>
+              <a:rPr lang="cs-CZ" dirty="0"/>
+              <a:t> automaticky.</a:t>
+            </a:r>
+          </a:p>
+          <a:p>
+            <a:endParaRPr lang="cs-CZ" dirty="0"/>
+          </a:p>
+        </p:txBody>
+      </p:sp>
+      <p:sp>
+        <p:nvSpPr>
+          <p:cNvPr id="4" name="Zástupný symbol pro číslo snímku 3"/>
+          <p:cNvSpPr>
+            <a:spLocks noGrp="1"/>
+          </p:cNvSpPr>
+          <p:nvPr>
+            <p:ph type="sldNum" sz="quarter" idx="10"/>
+          </p:nvPr>
+        </p:nvSpPr>
+        <p:spPr/>
+        <p:txBody>
+          <a:bodyPr/>
+          <a:lstStyle/>
+          <a:p>
+            <a:fld id="{5053EB7A-B245-4358-907C-6AA75BBFDF1A}" type="slidenum">
+              <a:rPr lang="cs-CZ" smtClean="0"/>
+              <a:t>9</a:t>
+            </a:fld>
+            <a:endParaRPr lang="cs-CZ"/>
+          </a:p>
+        </p:txBody>
+      </p:sp>
+    </p:spTree>
+    <p:extLst>
+      <p:ext uri="{BB962C8B-B14F-4D97-AF65-F5344CB8AC3E}">
+        <p14:creationId xmlns:p14="http://schemas.microsoft.com/office/powerpoint/2010/main" val="2653639386"/>
+      </p:ext>
+    </p:extLst>
+  </p:cSld>
+  <p:clrMapOvr>
+    <a:masterClrMapping/>
+  </p:clrMapOvr>
+</p:notes>
+</file>
+
+<file path=ppt/notesSlides/notesSlide7.xml><?xml version="1.0" encoding="utf-8"?>
+<p:notes xmlns:a="http://schemas.openxmlformats.org/drawingml/2006/main" xmlns:r="http://schemas.openxmlformats.org/officeDocument/2006/relationships" xmlns:p="http://schemas.openxmlformats.org/presentationml/2006/main">
+  <p:cSld>
+    <p:spTree>
+      <p:nvGrpSpPr>
+        <p:cNvPr id="1" name=""/>
+        <p:cNvGrpSpPr/>
+        <p:nvPr/>
+      </p:nvGrpSpPr>
+      <p:grpSpPr>
+        <a:xfrm>
+          <a:off x="0" y="0"/>
+          <a:ext cx="0" cy="0"/>
+          <a:chOff x="0" y="0"/>
+          <a:chExt cx="0" cy="0"/>
+        </a:xfrm>
+      </p:grpSpPr>
+      <p:sp>
+        <p:nvSpPr>
+          <p:cNvPr id="2" name="Zástupný symbol pro obrázek snímku 1"/>
+          <p:cNvSpPr>
+            <a:spLocks noGrp="1" noRot="1" noChangeAspect="1"/>
+          </p:cNvSpPr>
+          <p:nvPr>
+            <p:ph type="sldImg"/>
+          </p:nvPr>
+        </p:nvSpPr>
+        <p:spPr/>
+      </p:sp>
+      <p:sp>
+        <p:nvSpPr>
+          <p:cNvPr id="3" name="Zástupný symbol pro poznámky 2"/>
+          <p:cNvSpPr>
+            <a:spLocks noGrp="1"/>
+          </p:cNvSpPr>
+          <p:nvPr>
+            <p:ph type="body" idx="1"/>
+          </p:nvPr>
+        </p:nvSpPr>
+        <p:spPr/>
+        <p:txBody>
+          <a:bodyPr/>
+          <a:lstStyle/>
+          <a:p>
+            <a:r>
+              <a:rPr lang="cs-CZ" dirty="0"/>
+              <a:t>Tato </a:t>
+            </a:r>
+            <a:r>
+              <a:rPr lang="cs-CZ" dirty="0" err="1"/>
+              <a:t>f´aze</a:t>
+            </a:r>
+            <a:r>
+              <a:rPr lang="cs-CZ" dirty="0"/>
+              <a:t> je </a:t>
+            </a:r>
+            <a:r>
+              <a:rPr lang="cs-CZ" dirty="0" err="1"/>
+              <a:t>samotn´e</a:t>
+            </a:r>
+            <a:r>
+              <a:rPr lang="cs-CZ" dirty="0"/>
+              <a:t> </a:t>
+            </a:r>
+            <a:r>
+              <a:rPr lang="cs-CZ" dirty="0" err="1"/>
+              <a:t>zneuˇz´ıv´an´ı</a:t>
+            </a:r>
+            <a:r>
+              <a:rPr lang="cs-CZ" dirty="0"/>
+              <a:t> </a:t>
+            </a:r>
+            <a:r>
+              <a:rPr lang="cs-CZ" dirty="0" err="1"/>
+              <a:t>nalezen´ych</a:t>
+            </a:r>
+            <a:r>
+              <a:rPr lang="cs-CZ" dirty="0"/>
+              <a:t> </a:t>
+            </a:r>
+            <a:r>
+              <a:rPr lang="cs-CZ" dirty="0" err="1"/>
+              <a:t>zranitelnost´ı</a:t>
+            </a:r>
+            <a:r>
+              <a:rPr lang="cs-CZ" dirty="0"/>
+              <a:t>, tj. pokusy o </a:t>
+            </a:r>
+            <a:r>
+              <a:rPr lang="cs-CZ" dirty="0" err="1"/>
+              <a:t>prolomen´ı</a:t>
+            </a:r>
+            <a:r>
+              <a:rPr lang="cs-CZ" dirty="0"/>
+              <a:t> </a:t>
+            </a:r>
+            <a:r>
+              <a:rPr lang="cs-CZ" dirty="0" err="1"/>
+              <a:t>bezpeˇc</a:t>
+            </a:r>
+            <a:r>
+              <a:rPr lang="cs-CZ" dirty="0"/>
+              <a:t>- </a:t>
+            </a:r>
+            <a:r>
+              <a:rPr lang="cs-CZ" dirty="0" err="1"/>
+              <a:t>nostn´ıch</a:t>
+            </a:r>
+            <a:r>
+              <a:rPr lang="cs-CZ" dirty="0"/>
+              <a:t> </a:t>
+            </a:r>
+            <a:r>
+              <a:rPr lang="cs-CZ" dirty="0" err="1"/>
+              <a:t>mechanizm˚u</a:t>
+            </a:r>
+            <a:r>
+              <a:rPr lang="cs-CZ" dirty="0"/>
+              <a:t>. </a:t>
+            </a:r>
+            <a:r>
+              <a:rPr lang="cs-CZ" dirty="0" err="1"/>
+              <a:t>Exploitace</a:t>
+            </a:r>
+            <a:r>
+              <a:rPr lang="cs-CZ" dirty="0"/>
+              <a:t> je postavena na </a:t>
+            </a:r>
+            <a:r>
+              <a:rPr lang="cs-CZ" dirty="0" err="1"/>
+              <a:t>vyuˇz´ıv´an´ı</a:t>
+            </a:r>
+            <a:r>
+              <a:rPr lang="cs-CZ" dirty="0"/>
+              <a:t> </a:t>
+            </a:r>
+            <a:r>
+              <a:rPr lang="cs-CZ" dirty="0" err="1"/>
+              <a:t>nedostatk˚u</a:t>
+            </a:r>
+            <a:r>
+              <a:rPr lang="cs-CZ" dirty="0"/>
+              <a:t> a chyb v </a:t>
+            </a:r>
+            <a:r>
+              <a:rPr lang="cs-CZ" dirty="0" err="1"/>
+              <a:t>aplikac´ıch</a:t>
+            </a:r>
+            <a:r>
+              <a:rPr lang="cs-CZ" dirty="0"/>
+              <a:t> a </a:t>
+            </a:r>
+            <a:r>
+              <a:rPr lang="cs-CZ" dirty="0" err="1"/>
+              <a:t>syst´emech</a:t>
+            </a:r>
+            <a:r>
+              <a:rPr lang="cs-CZ" dirty="0"/>
+              <a:t>. Casem se </a:t>
+            </a:r>
+            <a:r>
+              <a:rPr lang="cs-CZ" dirty="0" err="1"/>
+              <a:t>m˚uˇze</a:t>
+            </a:r>
+            <a:r>
+              <a:rPr lang="cs-CZ" dirty="0"/>
+              <a:t> objevit ˇ </a:t>
+            </a:r>
+            <a:r>
+              <a:rPr lang="cs-CZ" dirty="0" err="1"/>
+              <a:t>probl´em</a:t>
+            </a:r>
+            <a:r>
+              <a:rPr lang="cs-CZ" dirty="0"/>
+              <a:t> a </a:t>
+            </a:r>
+            <a:r>
+              <a:rPr lang="cs-CZ" dirty="0" err="1"/>
+              <a:t>neprolomiteln´y</a:t>
+            </a:r>
+            <a:r>
+              <a:rPr lang="cs-CZ" dirty="0"/>
+              <a:t> mechanizmus </a:t>
+            </a:r>
+            <a:r>
+              <a:rPr lang="cs-CZ" dirty="0" err="1"/>
+              <a:t>nemus´ı</a:t>
+            </a:r>
+            <a:r>
+              <a:rPr lang="cs-CZ" dirty="0"/>
+              <a:t> </a:t>
+            </a:r>
+            <a:r>
+              <a:rPr lang="cs-CZ" dirty="0" err="1"/>
+              <a:t>b´yt</a:t>
+            </a:r>
+            <a:r>
+              <a:rPr lang="cs-CZ" dirty="0"/>
+              <a:t> </a:t>
+            </a:r>
+            <a:r>
+              <a:rPr lang="cs-CZ" dirty="0" err="1"/>
+              <a:t>neprolomiteln´y</a:t>
+            </a:r>
+            <a:r>
+              <a:rPr lang="cs-CZ" dirty="0"/>
+              <a:t> </a:t>
+            </a:r>
+            <a:r>
+              <a:rPr lang="cs-CZ" dirty="0" err="1"/>
+              <a:t>navˇzdy</a:t>
+            </a:r>
+            <a:r>
+              <a:rPr lang="cs-CZ" dirty="0"/>
+              <a:t>. Pro </a:t>
+            </a:r>
+            <a:r>
+              <a:rPr lang="cs-CZ" dirty="0" err="1"/>
+              <a:t>nejr˚uznˇejˇs´ı</a:t>
+            </a:r>
+            <a:r>
+              <a:rPr lang="cs-CZ" dirty="0"/>
+              <a:t> </a:t>
+            </a:r>
+            <a:r>
+              <a:rPr lang="cs-CZ" dirty="0" err="1"/>
+              <a:t>s´ıˇtov´e</a:t>
+            </a:r>
+            <a:r>
+              <a:rPr lang="cs-CZ" dirty="0"/>
+              <a:t> </a:t>
+            </a:r>
+            <a:r>
+              <a:rPr lang="cs-CZ" dirty="0" err="1"/>
+              <a:t>sluˇzby</a:t>
+            </a:r>
+            <a:r>
+              <a:rPr lang="cs-CZ" dirty="0"/>
+              <a:t> existuje ˇrada </a:t>
+            </a:r>
+            <a:r>
+              <a:rPr lang="cs-CZ" dirty="0" err="1"/>
+              <a:t>exploit˚u</a:t>
+            </a:r>
+            <a:r>
+              <a:rPr lang="cs-CZ" dirty="0"/>
+              <a:t>. Po ´</a:t>
+            </a:r>
+            <a:r>
+              <a:rPr lang="cs-CZ" dirty="0" err="1"/>
+              <a:t>uspˇeˇsn´e</a:t>
+            </a:r>
+            <a:r>
+              <a:rPr lang="cs-CZ" dirty="0"/>
+              <a:t> </a:t>
+            </a:r>
+            <a:r>
+              <a:rPr lang="cs-CZ" dirty="0" err="1"/>
+              <a:t>exploitaci</a:t>
+            </a:r>
+            <a:r>
+              <a:rPr lang="cs-CZ" dirty="0"/>
+              <a:t> </a:t>
+            </a:r>
+            <a:r>
+              <a:rPr lang="cs-CZ" dirty="0" err="1"/>
+              <a:t>jedn´e</a:t>
+            </a:r>
+            <a:r>
+              <a:rPr lang="cs-CZ" dirty="0"/>
+              <a:t> </a:t>
+            </a:r>
+            <a:r>
+              <a:rPr lang="cs-CZ" dirty="0" err="1"/>
+              <a:t>sluˇzby</a:t>
+            </a:r>
+            <a:r>
+              <a:rPr lang="cs-CZ" dirty="0"/>
+              <a:t> se </a:t>
+            </a:r>
+            <a:r>
+              <a:rPr lang="cs-CZ" dirty="0" err="1"/>
+              <a:t>m˚uˇze</a:t>
+            </a:r>
+            <a:r>
+              <a:rPr lang="cs-CZ" dirty="0"/>
+              <a:t> </a:t>
+            </a:r>
+            <a:r>
+              <a:rPr lang="cs-CZ" dirty="0" err="1"/>
+              <a:t>otevˇr´ıt</a:t>
+            </a:r>
+            <a:r>
+              <a:rPr lang="cs-CZ" dirty="0"/>
+              <a:t> cesta k </a:t>
+            </a:r>
+            <a:r>
+              <a:rPr lang="cs-CZ" dirty="0" err="1"/>
+              <a:t>dalˇs´ı</a:t>
+            </a:r>
+            <a:r>
+              <a:rPr lang="cs-CZ" dirty="0"/>
+              <a:t> </a:t>
+            </a:r>
+            <a:r>
+              <a:rPr lang="cs-CZ" dirty="0" err="1"/>
+              <a:t>sluˇzbˇe</a:t>
+            </a:r>
+            <a:r>
+              <a:rPr lang="cs-CZ" dirty="0"/>
+              <a:t>, </a:t>
+            </a:r>
+            <a:r>
+              <a:rPr lang="cs-CZ" dirty="0" err="1"/>
+              <a:t>kter´a</a:t>
+            </a:r>
+            <a:r>
+              <a:rPr lang="cs-CZ" dirty="0"/>
+              <a:t> byla </a:t>
+            </a:r>
+            <a:r>
+              <a:rPr lang="cs-CZ" dirty="0" err="1"/>
+              <a:t>pˇred</a:t>
+            </a:r>
+            <a:r>
+              <a:rPr lang="cs-CZ" dirty="0"/>
+              <a:t> </a:t>
+            </a:r>
+            <a:r>
+              <a:rPr lang="cs-CZ" dirty="0" err="1"/>
+              <a:t>t´ım</a:t>
+            </a:r>
+            <a:r>
+              <a:rPr lang="cs-CZ" dirty="0"/>
+              <a:t> </a:t>
+            </a:r>
+            <a:r>
+              <a:rPr lang="cs-CZ" dirty="0" err="1"/>
+              <a:t>nepˇr´ıstupn´a</a:t>
+            </a:r>
+            <a:r>
+              <a:rPr lang="cs-CZ" dirty="0"/>
+              <a:t>. Pak je </a:t>
+            </a:r>
+            <a:r>
+              <a:rPr lang="cs-CZ" dirty="0" err="1"/>
+              <a:t>tˇreba</a:t>
+            </a:r>
+            <a:r>
+              <a:rPr lang="cs-CZ" dirty="0"/>
+              <a:t> se </a:t>
+            </a:r>
+            <a:r>
+              <a:rPr lang="cs-CZ" dirty="0" err="1"/>
+              <a:t>vr´atit</a:t>
+            </a:r>
+            <a:r>
+              <a:rPr lang="cs-CZ" dirty="0"/>
+              <a:t> ke </a:t>
+            </a:r>
+            <a:r>
+              <a:rPr lang="cs-CZ" dirty="0" err="1"/>
+              <a:t>sbˇeru</a:t>
+            </a:r>
+            <a:r>
+              <a:rPr lang="cs-CZ" dirty="0"/>
+              <a:t> dat a </a:t>
+            </a:r>
+            <a:r>
+              <a:rPr lang="cs-CZ" dirty="0" err="1"/>
+              <a:t>hled´an´ı</a:t>
+            </a:r>
+            <a:r>
+              <a:rPr lang="cs-CZ" dirty="0"/>
+              <a:t> </a:t>
+            </a:r>
+            <a:r>
+              <a:rPr lang="cs-CZ" dirty="0" err="1"/>
+              <a:t>zranitelnost´ı</a:t>
+            </a:r>
+            <a:r>
+              <a:rPr lang="cs-CZ" dirty="0"/>
+              <a:t> pro </a:t>
+            </a:r>
+            <a:r>
+              <a:rPr lang="cs-CZ" dirty="0" err="1"/>
+              <a:t>nov´y</a:t>
+            </a:r>
+            <a:r>
+              <a:rPr lang="cs-CZ" dirty="0"/>
+              <a:t> </a:t>
+            </a:r>
+            <a:r>
+              <a:rPr lang="cs-CZ" dirty="0" err="1"/>
+              <a:t>c´ıl</a:t>
+            </a:r>
+            <a:endParaRPr lang="cs-CZ" dirty="0"/>
+          </a:p>
+        </p:txBody>
+      </p:sp>
+      <p:sp>
+        <p:nvSpPr>
+          <p:cNvPr id="4" name="Zástupný symbol pro číslo snímku 3"/>
+          <p:cNvSpPr>
+            <a:spLocks noGrp="1"/>
+          </p:cNvSpPr>
+          <p:nvPr>
+            <p:ph type="sldNum" sz="quarter" idx="10"/>
+          </p:nvPr>
+        </p:nvSpPr>
+        <p:spPr/>
+        <p:txBody>
+          <a:bodyPr/>
+          <a:lstStyle/>
+          <a:p>
+            <a:fld id="{5053EB7A-B245-4358-907C-6AA75BBFDF1A}" type="slidenum">
+              <a:rPr lang="cs-CZ" smtClean="0"/>
+              <a:t>10</a:t>
+            </a:fld>
+            <a:endParaRPr lang="cs-CZ"/>
+          </a:p>
+        </p:txBody>
+      </p:sp>
+    </p:spTree>
+    <p:extLst>
+      <p:ext uri="{BB962C8B-B14F-4D97-AF65-F5344CB8AC3E}">
+        <p14:creationId xmlns:p14="http://schemas.microsoft.com/office/powerpoint/2010/main" val="2038925539"/>
+      </p:ext>
+    </p:extLst>
+  </p:cSld>
+  <p:clrMapOvr>
+    <a:masterClrMapping/>
+  </p:clrMapOvr>
+</p:notes>
+</file>
+
+<file path=ppt/notesSlides/notesSlide8.xml><?xml version="1.0" encoding="utf-8"?>
+<p:notes xmlns:a="http://schemas.openxmlformats.org/drawingml/2006/main" xmlns:r="http://schemas.openxmlformats.org/officeDocument/2006/relationships" xmlns:p="http://schemas.openxmlformats.org/presentationml/2006/main">
+  <p:cSld>
+    <p:spTree>
+      <p:nvGrpSpPr>
+        <p:cNvPr id="1" name=""/>
+        <p:cNvGrpSpPr/>
+        <p:nvPr/>
+      </p:nvGrpSpPr>
+      <p:grpSpPr>
+        <a:xfrm>
+          <a:off x="0" y="0"/>
+          <a:ext cx="0" cy="0"/>
+          <a:chOff x="0" y="0"/>
+          <a:chExt cx="0" cy="0"/>
+        </a:xfrm>
+      </p:grpSpPr>
+      <p:sp>
+        <p:nvSpPr>
+          <p:cNvPr id="2" name="Zástupný symbol pro obrázek snímku 1"/>
+          <p:cNvSpPr>
+            <a:spLocks noGrp="1" noRot="1" noChangeAspect="1"/>
+          </p:cNvSpPr>
+          <p:nvPr>
+            <p:ph type="sldImg"/>
+          </p:nvPr>
+        </p:nvSpPr>
+        <p:spPr/>
+      </p:sp>
+      <p:sp>
+        <p:nvSpPr>
+          <p:cNvPr id="3" name="Zástupný symbol pro poznámky 2"/>
+          <p:cNvSpPr>
+            <a:spLocks noGrp="1"/>
+          </p:cNvSpPr>
+          <p:nvPr>
+            <p:ph type="body" idx="1"/>
+          </p:nvPr>
+        </p:nvSpPr>
+        <p:spPr/>
+        <p:txBody>
+          <a:bodyPr/>
+          <a:lstStyle/>
+          <a:p>
+            <a:r>
+              <a:rPr lang="cs-CZ" dirty="0" err="1"/>
+              <a:t>Koneˇcn´a</a:t>
+            </a:r>
+            <a:r>
+              <a:rPr lang="cs-CZ" dirty="0"/>
+              <a:t> </a:t>
+            </a:r>
+            <a:r>
+              <a:rPr lang="cs-CZ" dirty="0" err="1"/>
+              <a:t>f´aze</a:t>
+            </a:r>
+            <a:r>
+              <a:rPr lang="cs-CZ" dirty="0"/>
+              <a:t> zahrnuje </a:t>
+            </a:r>
+            <a:r>
+              <a:rPr lang="cs-CZ" dirty="0" err="1"/>
+              <a:t>shrnut´ı</a:t>
+            </a:r>
+            <a:r>
+              <a:rPr lang="cs-CZ" dirty="0"/>
+              <a:t> a </a:t>
+            </a:r>
+            <a:r>
+              <a:rPr lang="cs-CZ" dirty="0" err="1"/>
+              <a:t>pˇred´an´ı</a:t>
+            </a:r>
+            <a:r>
+              <a:rPr lang="cs-CZ" dirty="0"/>
+              <a:t> </a:t>
+            </a:r>
+            <a:r>
+              <a:rPr lang="cs-CZ" dirty="0" err="1"/>
+              <a:t>v´ysledk˚u</a:t>
+            </a:r>
+            <a:r>
+              <a:rPr lang="cs-CZ" dirty="0"/>
+              <a:t> </a:t>
+            </a:r>
+            <a:r>
+              <a:rPr lang="cs-CZ" dirty="0" err="1"/>
+              <a:t>penetraˇcn´ıch</a:t>
+            </a:r>
+            <a:r>
+              <a:rPr lang="cs-CZ" dirty="0"/>
+              <a:t> </a:t>
+            </a:r>
+            <a:r>
+              <a:rPr lang="cs-CZ" dirty="0" err="1"/>
+              <a:t>test˚u</a:t>
+            </a:r>
+            <a:r>
+              <a:rPr lang="cs-CZ" dirty="0"/>
+              <a:t>.</a:t>
+            </a:r>
+          </a:p>
+          <a:p>
+            <a:r>
+              <a:rPr lang="cs-CZ" dirty="0"/>
+              <a:t> </a:t>
+            </a:r>
+            <a:r>
+              <a:rPr lang="cs-CZ" dirty="0" err="1"/>
+              <a:t>C´ılem</a:t>
+            </a:r>
+            <a:r>
+              <a:rPr lang="cs-CZ" dirty="0"/>
+              <a:t> je prezentovat </a:t>
+            </a:r>
+            <a:r>
+              <a:rPr lang="cs-CZ" dirty="0" err="1"/>
+              <a:t>z´akazn´ıkovi</a:t>
+            </a:r>
+            <a:r>
+              <a:rPr lang="cs-CZ" dirty="0"/>
+              <a:t> </a:t>
+            </a:r>
+            <a:r>
+              <a:rPr lang="cs-CZ" dirty="0" err="1"/>
+              <a:t>kvalitn´ı</a:t>
+            </a:r>
+            <a:r>
+              <a:rPr lang="cs-CZ" dirty="0"/>
+              <a:t> </a:t>
+            </a:r>
+            <a:r>
+              <a:rPr lang="cs-CZ" dirty="0" err="1"/>
+              <a:t>z´avˇereˇcnou</a:t>
+            </a:r>
+            <a:r>
+              <a:rPr lang="cs-CZ" dirty="0"/>
+              <a:t> </a:t>
+            </a:r>
+            <a:r>
+              <a:rPr lang="cs-CZ" dirty="0" err="1"/>
+              <a:t>zpr´avu</a:t>
+            </a:r>
+            <a:r>
+              <a:rPr lang="cs-CZ" dirty="0"/>
+              <a:t>, </a:t>
+            </a:r>
+            <a:r>
+              <a:rPr lang="cs-CZ" dirty="0" err="1"/>
+              <a:t>kter´a</a:t>
+            </a:r>
+            <a:r>
+              <a:rPr lang="cs-CZ" dirty="0"/>
+              <a:t> povede ke </a:t>
+            </a:r>
+            <a:r>
+              <a:rPr lang="cs-CZ" dirty="0" err="1"/>
+              <a:t>zlepˇsen´ı</a:t>
+            </a:r>
+            <a:r>
+              <a:rPr lang="cs-CZ" dirty="0"/>
+              <a:t> </a:t>
+            </a:r>
+            <a:r>
+              <a:rPr lang="cs-CZ" dirty="0" err="1"/>
+              <a:t>bezpeˇcnosti</a:t>
+            </a:r>
+            <a:r>
+              <a:rPr lang="cs-CZ" dirty="0"/>
+              <a:t> firmy. </a:t>
+            </a:r>
+            <a:r>
+              <a:rPr lang="cs-CZ" dirty="0" err="1"/>
+              <a:t>Jedn´a</a:t>
+            </a:r>
+            <a:r>
+              <a:rPr lang="cs-CZ" dirty="0"/>
+              <a:t>- </a:t>
+            </a:r>
+            <a:r>
+              <a:rPr lang="cs-CZ" dirty="0" err="1"/>
+              <a:t>li</a:t>
+            </a:r>
+            <a:r>
+              <a:rPr lang="cs-CZ" dirty="0"/>
+              <a:t> se o </a:t>
+            </a:r>
+            <a:r>
+              <a:rPr lang="cs-CZ" dirty="0" err="1"/>
+              <a:t>testov´an´ı</a:t>
+            </a:r>
+            <a:r>
+              <a:rPr lang="cs-CZ" dirty="0"/>
+              <a:t> </a:t>
+            </a:r>
+            <a:r>
+              <a:rPr lang="cs-CZ" dirty="0" err="1"/>
+              <a:t>firemn´ı</a:t>
+            </a:r>
+            <a:r>
+              <a:rPr lang="cs-CZ" dirty="0"/>
+              <a:t> </a:t>
+            </a:r>
+            <a:r>
+              <a:rPr lang="cs-CZ" dirty="0" err="1"/>
+              <a:t>s´ıtˇe</a:t>
+            </a:r>
+            <a:r>
+              <a:rPr lang="cs-CZ" dirty="0"/>
+              <a:t>, </a:t>
+            </a:r>
+            <a:r>
+              <a:rPr lang="cs-CZ" dirty="0" err="1"/>
+              <a:t>v´ysledky</a:t>
+            </a:r>
+            <a:r>
+              <a:rPr lang="cs-CZ" dirty="0"/>
+              <a:t> by </a:t>
+            </a:r>
+            <a:r>
+              <a:rPr lang="cs-CZ" dirty="0" err="1"/>
+              <a:t>mˇely</a:t>
+            </a:r>
+            <a:r>
+              <a:rPr lang="cs-CZ" dirty="0"/>
+              <a:t> </a:t>
+            </a:r>
+            <a:r>
+              <a:rPr lang="cs-CZ" dirty="0" err="1"/>
+              <a:t>b´yt</a:t>
+            </a:r>
+            <a:r>
+              <a:rPr lang="cs-CZ" dirty="0"/>
+              <a:t> </a:t>
+            </a:r>
+            <a:r>
+              <a:rPr lang="cs-CZ" dirty="0" err="1"/>
+              <a:t>prezentov´any</a:t>
+            </a:r>
+            <a:r>
+              <a:rPr lang="cs-CZ" dirty="0"/>
+              <a:t> a </a:t>
+            </a:r>
+            <a:r>
+              <a:rPr lang="cs-CZ" dirty="0" err="1"/>
+              <a:t>prodiskutov´any</a:t>
+            </a:r>
+            <a:r>
+              <a:rPr lang="cs-CZ" dirty="0"/>
+              <a:t> s IT </a:t>
+            </a:r>
+            <a:r>
+              <a:rPr lang="cs-CZ" dirty="0" err="1"/>
+              <a:t>oddˇelen´ım</a:t>
+            </a:r>
+            <a:r>
+              <a:rPr lang="cs-CZ" dirty="0"/>
+              <a:t> a </a:t>
+            </a:r>
+            <a:r>
+              <a:rPr lang="cs-CZ" dirty="0" err="1"/>
+              <a:t>veden´ım</a:t>
+            </a:r>
+            <a:r>
+              <a:rPr lang="cs-CZ" dirty="0"/>
+              <a:t> firmy</a:t>
+            </a:r>
+          </a:p>
+        </p:txBody>
+      </p:sp>
+      <p:sp>
+        <p:nvSpPr>
+          <p:cNvPr id="4" name="Zástupný symbol pro číslo snímku 3"/>
+          <p:cNvSpPr>
+            <a:spLocks noGrp="1"/>
+          </p:cNvSpPr>
+          <p:nvPr>
+            <p:ph type="sldNum" sz="quarter" idx="10"/>
+          </p:nvPr>
+        </p:nvSpPr>
+        <p:spPr/>
+        <p:txBody>
+          <a:bodyPr/>
+          <a:lstStyle/>
+          <a:p>
+            <a:fld id="{5053EB7A-B245-4358-907C-6AA75BBFDF1A}" type="slidenum">
+              <a:rPr lang="cs-CZ" smtClean="0"/>
+              <a:t>11</a:t>
+            </a:fld>
+            <a:endParaRPr lang="cs-CZ"/>
+          </a:p>
+        </p:txBody>
+      </p:sp>
+    </p:spTree>
+    <p:extLst>
+      <p:ext uri="{BB962C8B-B14F-4D97-AF65-F5344CB8AC3E}">
+        <p14:creationId xmlns:p14="http://schemas.microsoft.com/office/powerpoint/2010/main" val="3898791394"/>
+      </p:ext>
+    </p:extLst>
+  </p:cSld>
+  <p:clrMapOvr>
+    <a:masterClrMapping/>
+  </p:clrMapOvr>
+</p:notes>
+</file>
+
 <file path=ppt/slideLayouts/slideLayout1.xml><?xml version="1.0" encoding="utf-8"?>
 <p:sldLayout xmlns:a="http://schemas.openxmlformats.org/drawingml/2006/main" xmlns:r="http://schemas.openxmlformats.org/officeDocument/2006/relationships" xmlns:p="http://schemas.openxmlformats.org/presentationml/2006/main" showMasterSp="0" type="title" preserve="1">
   <p:cSld name="Úvodní snímek">
@@ -183,7 +3066,7 @@
           <a:noFill/>
           <a:extLst>
             <a:ext uri="{909E8E84-426E-40dd-AFC4-6F175D3DCCD1}">
-              <a14:hiddenFill xmlns="" xmlns:a14="http://schemas.microsoft.com/office/drawing/2010/main">
+              <a14:hiddenFill xmlns:a14="http://schemas.microsoft.com/office/drawing/2010/main" xmlns="">
                 <a:solidFill>
                   <a:srgbClr val="FFFFFF"/>
                 </a:solidFill>
@@ -243,7 +3126,7 @@
             </a:ln>
             <a:extLst>
               <a:ext uri="{91240B29-F687-4f45-9708-019B960494DF}">
-                <a14:hiddenLine xmlns="" xmlns:a14="http://schemas.microsoft.com/office/drawing/2010/main" w="9525">
+                <a14:hiddenLine xmlns:a14="http://schemas.microsoft.com/office/drawing/2010/main" xmlns="" w="9525">
                   <a:solidFill>
                     <a:srgbClr val="000000"/>
                   </a:solidFill>
@@ -333,7 +3216,7 @@
             </a:ln>
             <a:extLst>
               <a:ext uri="{91240B29-F687-4f45-9708-019B960494DF}">
-                <a14:hiddenLine xmlns="" xmlns:a14="http://schemas.microsoft.com/office/drawing/2010/main" w="9525">
+                <a14:hiddenLine xmlns:a14="http://schemas.microsoft.com/office/drawing/2010/main" xmlns="" w="9525">
                   <a:solidFill>
                     <a:srgbClr val="000000"/>
                   </a:solidFill>
@@ -423,7 +3306,7 @@
             </a:ln>
             <a:extLst>
               <a:ext uri="{91240B29-F687-4f45-9708-019B960494DF}">
-                <a14:hiddenLine xmlns="" xmlns:a14="http://schemas.microsoft.com/office/drawing/2010/main" w="9525">
+                <a14:hiddenLine xmlns:a14="http://schemas.microsoft.com/office/drawing/2010/main" xmlns="" w="9525">
                   <a:solidFill>
                     <a:srgbClr val="000000"/>
                   </a:solidFill>
@@ -457,7 +3340,7 @@
             </a:ln>
             <a:extLst>
               <a:ext uri="{91240B29-F687-4f45-9708-019B960494DF}">
-                <a14:hiddenLine xmlns="" xmlns:a14="http://schemas.microsoft.com/office/drawing/2010/main" w="9525">
+                <a14:hiddenLine xmlns:a14="http://schemas.microsoft.com/office/drawing/2010/main" xmlns="" w="9525">
                   <a:solidFill>
                     <a:srgbClr val="000000"/>
                   </a:solidFill>
@@ -547,7 +3430,7 @@
             </a:ln>
             <a:extLst>
               <a:ext uri="{91240B29-F687-4f45-9708-019B960494DF}">
-                <a14:hiddenLine xmlns="" xmlns:a14="http://schemas.microsoft.com/office/drawing/2010/main" w="9525">
+                <a14:hiddenLine xmlns:a14="http://schemas.microsoft.com/office/drawing/2010/main" xmlns="" w="9525">
                   <a:solidFill>
                     <a:srgbClr val="000000"/>
                   </a:solidFill>
@@ -609,7 +3492,7 @@
             </a:ln>
             <a:extLst>
               <a:ext uri="{91240B29-F687-4f45-9708-019B960494DF}">
-                <a14:hiddenLine xmlns="" xmlns:a14="http://schemas.microsoft.com/office/drawing/2010/main" w="9525">
+                <a14:hiddenLine xmlns:a14="http://schemas.microsoft.com/office/drawing/2010/main" xmlns="" w="9525">
                   <a:solidFill>
                     <a:srgbClr val="000000"/>
                   </a:solidFill>
@@ -671,7 +3554,7 @@
             </a:ln>
             <a:extLst>
               <a:ext uri="{91240B29-F687-4f45-9708-019B960494DF}">
-                <a14:hiddenLine xmlns="" xmlns:a14="http://schemas.microsoft.com/office/drawing/2010/main" w="9525">
+                <a14:hiddenLine xmlns:a14="http://schemas.microsoft.com/office/drawing/2010/main" xmlns="" w="9525">
                   <a:solidFill>
                     <a:srgbClr val="000000"/>
                   </a:solidFill>
@@ -761,7 +3644,7 @@
             </a:ln>
             <a:extLst>
               <a:ext uri="{91240B29-F687-4f45-9708-019B960494DF}">
-                <a14:hiddenLine xmlns="" xmlns:a14="http://schemas.microsoft.com/office/drawing/2010/main" w="9525">
+                <a14:hiddenLine xmlns:a14="http://schemas.microsoft.com/office/drawing/2010/main" xmlns="" w="9525">
                   <a:solidFill>
                     <a:srgbClr val="000000"/>
                   </a:solidFill>
@@ -823,7 +3706,7 @@
             </a:ln>
             <a:extLst>
               <a:ext uri="{91240B29-F687-4f45-9708-019B960494DF}">
-                <a14:hiddenLine xmlns="" xmlns:a14="http://schemas.microsoft.com/office/drawing/2010/main" w="9525">
+                <a14:hiddenLine xmlns:a14="http://schemas.microsoft.com/office/drawing/2010/main" xmlns="" w="9525">
                   <a:solidFill>
                     <a:srgbClr val="000000"/>
                   </a:solidFill>
@@ -885,7 +3768,7 @@
             </a:ln>
             <a:extLst>
               <a:ext uri="{91240B29-F687-4f45-9708-019B960494DF}">
-                <a14:hiddenLine xmlns="" xmlns:a14="http://schemas.microsoft.com/office/drawing/2010/main" w="9525">
+                <a14:hiddenLine xmlns:a14="http://schemas.microsoft.com/office/drawing/2010/main" xmlns="" w="9525">
                   <a:solidFill>
                     <a:srgbClr val="000000"/>
                   </a:solidFill>
@@ -975,7 +3858,7 @@
             </a:ln>
             <a:extLst>
               <a:ext uri="{91240B29-F687-4f45-9708-019B960494DF}">
-                <a14:hiddenLine xmlns="" xmlns:a14="http://schemas.microsoft.com/office/drawing/2010/main" w="9525">
+                <a14:hiddenLine xmlns:a14="http://schemas.microsoft.com/office/drawing/2010/main" xmlns="" w="9525">
                   <a:solidFill>
                     <a:srgbClr val="000000"/>
                   </a:solidFill>
@@ -1065,7 +3948,7 @@
             </a:ln>
             <a:extLst>
               <a:ext uri="{91240B29-F687-4f45-9708-019B960494DF}">
-                <a14:hiddenLine xmlns="" xmlns:a14="http://schemas.microsoft.com/office/drawing/2010/main" w="9525">
+                <a14:hiddenLine xmlns:a14="http://schemas.microsoft.com/office/drawing/2010/main" xmlns="" w="9525">
                   <a:solidFill>
                     <a:srgbClr val="000000"/>
                   </a:solidFill>
@@ -1127,7 +4010,7 @@
             </a:ln>
             <a:extLst>
               <a:ext uri="{91240B29-F687-4f45-9708-019B960494DF}">
-                <a14:hiddenLine xmlns="" xmlns:a14="http://schemas.microsoft.com/office/drawing/2010/main" w="9525">
+                <a14:hiddenLine xmlns:a14="http://schemas.microsoft.com/office/drawing/2010/main" xmlns="" w="9525">
                   <a:solidFill>
                     <a:srgbClr val="000000"/>
                   </a:solidFill>
@@ -1237,7 +4120,7 @@
             </a:ln>
             <a:extLst>
               <a:ext uri="{91240B29-F687-4f45-9708-019B960494DF}">
-                <a14:hiddenLine xmlns="" xmlns:a14="http://schemas.microsoft.com/office/drawing/2010/main" w="9525">
+                <a14:hiddenLine xmlns:a14="http://schemas.microsoft.com/office/drawing/2010/main" xmlns="" w="9525">
                   <a:solidFill>
                     <a:srgbClr val="000000"/>
                   </a:solidFill>
@@ -1299,7 +4182,7 @@
             </a:ln>
             <a:extLst>
               <a:ext uri="{91240B29-F687-4f45-9708-019B960494DF}">
-                <a14:hiddenLine xmlns="" xmlns:a14="http://schemas.microsoft.com/office/drawing/2010/main" w="9525">
+                <a14:hiddenLine xmlns:a14="http://schemas.microsoft.com/office/drawing/2010/main" xmlns="" w="9525">
                   <a:solidFill>
                     <a:srgbClr val="000000"/>
                   </a:solidFill>
@@ -1389,7 +4272,7 @@
             </a:ln>
             <a:extLst>
               <a:ext uri="{91240B29-F687-4f45-9708-019B960494DF}">
-                <a14:hiddenLine xmlns="" xmlns:a14="http://schemas.microsoft.com/office/drawing/2010/main" w="9525">
+                <a14:hiddenLine xmlns:a14="http://schemas.microsoft.com/office/drawing/2010/main" xmlns="" w="9525">
                   <a:solidFill>
                     <a:srgbClr val="000000"/>
                   </a:solidFill>
@@ -1479,7 +4362,7 @@
             </a:ln>
             <a:extLst>
               <a:ext uri="{91240B29-F687-4f45-9708-019B960494DF}">
-                <a14:hiddenLine xmlns="" xmlns:a14="http://schemas.microsoft.com/office/drawing/2010/main" w="9525">
+                <a14:hiddenLine xmlns:a14="http://schemas.microsoft.com/office/drawing/2010/main" xmlns="" w="9525">
                   <a:solidFill>
                     <a:srgbClr val="000000"/>
                   </a:solidFill>
@@ -1541,7 +4424,7 @@
             </a:ln>
             <a:extLst>
               <a:ext uri="{91240B29-F687-4f45-9708-019B960494DF}">
-                <a14:hiddenLine xmlns="" xmlns:a14="http://schemas.microsoft.com/office/drawing/2010/main" w="9525">
+                <a14:hiddenLine xmlns:a14="http://schemas.microsoft.com/office/drawing/2010/main" xmlns="" w="9525">
                   <a:solidFill>
                     <a:srgbClr val="000000"/>
                   </a:solidFill>
@@ -1631,7 +4514,7 @@
             </a:ln>
             <a:extLst>
               <a:ext uri="{91240B29-F687-4f45-9708-019B960494DF}">
-                <a14:hiddenLine xmlns="" xmlns:a14="http://schemas.microsoft.com/office/drawing/2010/main" w="9525">
+                <a14:hiddenLine xmlns:a14="http://schemas.microsoft.com/office/drawing/2010/main" xmlns="" w="9525">
                   <a:solidFill>
                     <a:srgbClr val="000000"/>
                   </a:solidFill>
@@ -1721,7 +4604,7 @@
             </a:ln>
             <a:extLst>
               <a:ext uri="{91240B29-F687-4f45-9708-019B960494DF}">
-                <a14:hiddenLine xmlns="" xmlns:a14="http://schemas.microsoft.com/office/drawing/2010/main" w="9525">
+                <a14:hiddenLine xmlns:a14="http://schemas.microsoft.com/office/drawing/2010/main" xmlns="" w="9525">
                   <a:solidFill>
                     <a:srgbClr val="000000"/>
                   </a:solidFill>
@@ -1777,7 +4660,7 @@
             </a:ln>
             <a:extLst>
               <a:ext uri="{91240B29-F687-4f45-9708-019B960494DF}">
-                <a14:hiddenLine xmlns="" xmlns:a14="http://schemas.microsoft.com/office/drawing/2010/main" w="9525">
+                <a14:hiddenLine xmlns:a14="http://schemas.microsoft.com/office/drawing/2010/main" xmlns="" w="9525">
                   <a:solidFill>
                     <a:srgbClr val="000000"/>
                   </a:solidFill>
@@ -1867,7 +4750,7 @@
             </a:ln>
             <a:extLst>
               <a:ext uri="{91240B29-F687-4f45-9708-019B960494DF}">
-                <a14:hiddenLine xmlns="" xmlns:a14="http://schemas.microsoft.com/office/drawing/2010/main" w="9525">
+                <a14:hiddenLine xmlns:a14="http://schemas.microsoft.com/office/drawing/2010/main" xmlns="" w="9525">
                   <a:solidFill>
                     <a:srgbClr val="000000"/>
                   </a:solidFill>
@@ -1923,7 +4806,7 @@
             </a:ln>
             <a:extLst>
               <a:ext uri="{91240B29-F687-4f45-9708-019B960494DF}">
-                <a14:hiddenLine xmlns="" xmlns:a14="http://schemas.microsoft.com/office/drawing/2010/main" w="9525">
+                <a14:hiddenLine xmlns:a14="http://schemas.microsoft.com/office/drawing/2010/main" xmlns="" w="9525">
                   <a:solidFill>
                     <a:srgbClr val="000000"/>
                   </a:solidFill>
@@ -2013,7 +4896,7 @@
             </a:ln>
             <a:extLst>
               <a:ext uri="{91240B29-F687-4f45-9708-019B960494DF}">
-                <a14:hiddenLine xmlns="" xmlns:a14="http://schemas.microsoft.com/office/drawing/2010/main" w="9525">
+                <a14:hiddenLine xmlns:a14="http://schemas.microsoft.com/office/drawing/2010/main" xmlns="" w="9525">
                   <a:solidFill>
                     <a:srgbClr val="000000"/>
                   </a:solidFill>
@@ -2081,7 +4964,7 @@
             </a:ln>
             <a:extLst>
               <a:ext uri="{91240B29-F687-4f45-9708-019B960494DF}">
-                <a14:hiddenLine xmlns="" xmlns:a14="http://schemas.microsoft.com/office/drawing/2010/main" w="9525">
+                <a14:hiddenLine xmlns:a14="http://schemas.microsoft.com/office/drawing/2010/main" xmlns="" w="9525">
                   <a:solidFill>
                     <a:srgbClr val="000000"/>
                   </a:solidFill>
@@ -2171,7 +5054,7 @@
             </a:ln>
             <a:extLst>
               <a:ext uri="{91240B29-F687-4f45-9708-019B960494DF}">
-                <a14:hiddenLine xmlns="" xmlns:a14="http://schemas.microsoft.com/office/drawing/2010/main" w="9525">
+                <a14:hiddenLine xmlns:a14="http://schemas.microsoft.com/office/drawing/2010/main" xmlns="" w="9525">
                   <a:solidFill>
                     <a:srgbClr val="000000"/>
                   </a:solidFill>
@@ -2239,7 +5122,7 @@
             </a:ln>
             <a:extLst>
               <a:ext uri="{91240B29-F687-4f45-9708-019B960494DF}">
-                <a14:hiddenLine xmlns="" xmlns:a14="http://schemas.microsoft.com/office/drawing/2010/main" w="9525">
+                <a14:hiddenLine xmlns:a14="http://schemas.microsoft.com/office/drawing/2010/main" xmlns="" w="9525">
                   <a:solidFill>
                     <a:srgbClr val="000000"/>
                   </a:solidFill>
@@ -2329,7 +5212,7 @@
             </a:ln>
             <a:extLst>
               <a:ext uri="{91240B29-F687-4f45-9708-019B960494DF}">
-                <a14:hiddenLine xmlns="" xmlns:a14="http://schemas.microsoft.com/office/drawing/2010/main" w="9525">
+                <a14:hiddenLine xmlns:a14="http://schemas.microsoft.com/office/drawing/2010/main" xmlns="" w="9525">
                   <a:solidFill>
                     <a:srgbClr val="000000"/>
                   </a:solidFill>
@@ -2363,7 +5246,7 @@
             </a:ln>
             <a:extLst>
               <a:ext uri="{91240B29-F687-4f45-9708-019B960494DF}">
-                <a14:hiddenLine xmlns="" xmlns:a14="http://schemas.microsoft.com/office/drawing/2010/main" w="9525">
+                <a14:hiddenLine xmlns:a14="http://schemas.microsoft.com/office/drawing/2010/main" xmlns="" w="9525">
                   <a:solidFill>
                     <a:srgbClr val="000000"/>
                   </a:solidFill>
@@ -2453,7 +5336,7 @@
             </a:ln>
             <a:extLst>
               <a:ext uri="{91240B29-F687-4f45-9708-019B960494DF}">
-                <a14:hiddenLine xmlns="" xmlns:a14="http://schemas.microsoft.com/office/drawing/2010/main" w="9525">
+                <a14:hiddenLine xmlns:a14="http://schemas.microsoft.com/office/drawing/2010/main" xmlns="" w="9525">
                   <a:solidFill>
                     <a:srgbClr val="000000"/>
                   </a:solidFill>
@@ -2515,7 +5398,7 @@
             </a:ln>
             <a:extLst>
               <a:ext uri="{91240B29-F687-4f45-9708-019B960494DF}">
-                <a14:hiddenLine xmlns="" xmlns:a14="http://schemas.microsoft.com/office/drawing/2010/main" w="9525">
+                <a14:hiddenLine xmlns:a14="http://schemas.microsoft.com/office/drawing/2010/main" xmlns="" w="9525">
                   <a:solidFill>
                     <a:srgbClr val="000000"/>
                   </a:solidFill>
@@ -2577,7 +5460,7 @@
             </a:ln>
             <a:extLst>
               <a:ext uri="{91240B29-F687-4f45-9708-019B960494DF}">
-                <a14:hiddenLine xmlns="" xmlns:a14="http://schemas.microsoft.com/office/drawing/2010/main" w="9525">
+                <a14:hiddenLine xmlns:a14="http://schemas.microsoft.com/office/drawing/2010/main" xmlns="" w="9525">
                   <a:solidFill>
                     <a:srgbClr val="000000"/>
                   </a:solidFill>
@@ -2667,7 +5550,7 @@
             </a:ln>
             <a:extLst>
               <a:ext uri="{91240B29-F687-4f45-9708-019B960494DF}">
-                <a14:hiddenLine xmlns="" xmlns:a14="http://schemas.microsoft.com/office/drawing/2010/main" w="9525">
+                <a14:hiddenLine xmlns:a14="http://schemas.microsoft.com/office/drawing/2010/main" xmlns="" w="9525">
                   <a:solidFill>
                     <a:srgbClr val="000000"/>
                   </a:solidFill>
@@ -2735,7 +5618,7 @@
             </a:ln>
             <a:extLst>
               <a:ext uri="{91240B29-F687-4f45-9708-019B960494DF}">
-                <a14:hiddenLine xmlns="" xmlns:a14="http://schemas.microsoft.com/office/drawing/2010/main" w="9525">
+                <a14:hiddenLine xmlns:a14="http://schemas.microsoft.com/office/drawing/2010/main" xmlns="" w="9525">
                   <a:solidFill>
                     <a:srgbClr val="000000"/>
                   </a:solidFill>
@@ -2797,7 +5680,7 @@
             </a:ln>
             <a:extLst>
               <a:ext uri="{91240B29-F687-4f45-9708-019B960494DF}">
-                <a14:hiddenLine xmlns="" xmlns:a14="http://schemas.microsoft.com/office/drawing/2010/main" w="9525">
+                <a14:hiddenLine xmlns:a14="http://schemas.microsoft.com/office/drawing/2010/main" xmlns="" w="9525">
                   <a:solidFill>
                     <a:srgbClr val="000000"/>
                   </a:solidFill>
@@ -2887,7 +5770,7 @@
             </a:ln>
             <a:extLst>
               <a:ext uri="{91240B29-F687-4f45-9708-019B960494DF}">
-                <a14:hiddenLine xmlns="" xmlns:a14="http://schemas.microsoft.com/office/drawing/2010/main" w="9525">
+                <a14:hiddenLine xmlns:a14="http://schemas.microsoft.com/office/drawing/2010/main" xmlns="" w="9525">
                   <a:solidFill>
                     <a:srgbClr val="000000"/>
                   </a:solidFill>
@@ -2949,7 +5832,7 @@
             </a:ln>
             <a:extLst>
               <a:ext uri="{91240B29-F687-4f45-9708-019B960494DF}">
-                <a14:hiddenLine xmlns="" xmlns:a14="http://schemas.microsoft.com/office/drawing/2010/main" w="9525">
+                <a14:hiddenLine xmlns:a14="http://schemas.microsoft.com/office/drawing/2010/main" xmlns="" w="9525">
                   <a:solidFill>
                     <a:srgbClr val="000000"/>
                   </a:solidFill>
@@ -3039,7 +5922,7 @@
             </a:ln>
             <a:extLst>
               <a:ext uri="{91240B29-F687-4f45-9708-019B960494DF}">
-                <a14:hiddenLine xmlns="" xmlns:a14="http://schemas.microsoft.com/office/drawing/2010/main" w="9525">
+                <a14:hiddenLine xmlns:a14="http://schemas.microsoft.com/office/drawing/2010/main" xmlns="" w="9525">
                   <a:solidFill>
                     <a:srgbClr val="000000"/>
                   </a:solidFill>
@@ -3101,7 +5984,7 @@
             </a:ln>
             <a:extLst>
               <a:ext uri="{91240B29-F687-4f45-9708-019B960494DF}">
-                <a14:hiddenLine xmlns="" xmlns:a14="http://schemas.microsoft.com/office/drawing/2010/main" w="9525">
+                <a14:hiddenLine xmlns:a14="http://schemas.microsoft.com/office/drawing/2010/main" xmlns="" w="9525">
                   <a:solidFill>
                     <a:srgbClr val="000000"/>
                   </a:solidFill>
@@ -3191,7 +6074,7 @@
             </a:ln>
             <a:extLst>
               <a:ext uri="{91240B29-F687-4f45-9708-019B960494DF}">
-                <a14:hiddenLine xmlns="" xmlns:a14="http://schemas.microsoft.com/office/drawing/2010/main" w="9525">
+                <a14:hiddenLine xmlns:a14="http://schemas.microsoft.com/office/drawing/2010/main" xmlns="" w="9525">
                   <a:solidFill>
                     <a:srgbClr val="000000"/>
                   </a:solidFill>
@@ -3225,7 +6108,7 @@
             </a:ln>
             <a:extLst>
               <a:ext uri="{91240B29-F687-4f45-9708-019B960494DF}">
-                <a14:hiddenLine xmlns="" xmlns:a14="http://schemas.microsoft.com/office/drawing/2010/main" w="9525">
+                <a14:hiddenLine xmlns:a14="http://schemas.microsoft.com/office/drawing/2010/main" xmlns="" w="9525">
                   <a:solidFill>
                     <a:srgbClr val="000000"/>
                   </a:solidFill>
@@ -3290,7 +6173,7 @@
             </a:ln>
             <a:extLst>
               <a:ext uri="{91240B29-F687-4f45-9708-019B960494DF}">
-                <a14:hiddenLine xmlns="" xmlns:a14="http://schemas.microsoft.com/office/drawing/2010/main" w="9525">
+                <a14:hiddenLine xmlns:a14="http://schemas.microsoft.com/office/drawing/2010/main" xmlns="" w="9525">
                   <a:solidFill>
                     <a:srgbClr val="000000"/>
                   </a:solidFill>
@@ -3380,7 +6263,7 @@
             </a:ln>
             <a:extLst>
               <a:ext uri="{91240B29-F687-4f45-9708-019B960494DF}">
-                <a14:hiddenLine xmlns="" xmlns:a14="http://schemas.microsoft.com/office/drawing/2010/main" w="9525">
+                <a14:hiddenLine xmlns:a14="http://schemas.microsoft.com/office/drawing/2010/main" xmlns="" w="9525">
                   <a:solidFill>
                     <a:srgbClr val="000000"/>
                   </a:solidFill>
@@ -3442,7 +6325,7 @@
             </a:ln>
             <a:extLst>
               <a:ext uri="{91240B29-F687-4f45-9708-019B960494DF}">
-                <a14:hiddenLine xmlns="" xmlns:a14="http://schemas.microsoft.com/office/drawing/2010/main" w="9525">
+                <a14:hiddenLine xmlns:a14="http://schemas.microsoft.com/office/drawing/2010/main" xmlns="" w="9525">
                   <a:solidFill>
                     <a:srgbClr val="000000"/>
                   </a:solidFill>
@@ -3532,7 +6415,7 @@
             </a:ln>
             <a:extLst>
               <a:ext uri="{91240B29-F687-4f45-9708-019B960494DF}">
-                <a14:hiddenLine xmlns="" xmlns:a14="http://schemas.microsoft.com/office/drawing/2010/main" w="9525">
+                <a14:hiddenLine xmlns:a14="http://schemas.microsoft.com/office/drawing/2010/main" xmlns="" w="9525">
                   <a:solidFill>
                     <a:srgbClr val="000000"/>
                   </a:solidFill>
@@ -3622,7 +6505,7 @@
             </a:ln>
             <a:extLst>
               <a:ext uri="{91240B29-F687-4f45-9708-019B960494DF}">
-                <a14:hiddenLine xmlns="" xmlns:a14="http://schemas.microsoft.com/office/drawing/2010/main" w="9525">
+                <a14:hiddenLine xmlns:a14="http://schemas.microsoft.com/office/drawing/2010/main" xmlns="" w="9525">
                   <a:solidFill>
                     <a:srgbClr val="000000"/>
                   </a:solidFill>
@@ -3687,7 +6570,7 @@
             </a:ln>
             <a:extLst>
               <a:ext uri="{91240B29-F687-4f45-9708-019B960494DF}">
-                <a14:hiddenLine xmlns="" xmlns:a14="http://schemas.microsoft.com/office/drawing/2010/main" w="9525">
+                <a14:hiddenLine xmlns:a14="http://schemas.microsoft.com/office/drawing/2010/main" xmlns="" w="9525">
                   <a:solidFill>
                     <a:srgbClr val="000000"/>
                   </a:solidFill>
@@ -3749,7 +6632,7 @@
             </a:ln>
             <a:extLst>
               <a:ext uri="{91240B29-F687-4f45-9708-019B960494DF}">
-                <a14:hiddenLine xmlns="" xmlns:a14="http://schemas.microsoft.com/office/drawing/2010/main" w="9525">
+                <a14:hiddenLine xmlns:a14="http://schemas.microsoft.com/office/drawing/2010/main" xmlns="" w="9525">
                   <a:solidFill>
                     <a:srgbClr val="000000"/>
                   </a:solidFill>
@@ -3839,7 +6722,7 @@
             </a:ln>
             <a:extLst>
               <a:ext uri="{91240B29-F687-4f45-9708-019B960494DF}">
-                <a14:hiddenLine xmlns="" xmlns:a14="http://schemas.microsoft.com/office/drawing/2010/main" w="9525">
+                <a14:hiddenLine xmlns:a14="http://schemas.microsoft.com/office/drawing/2010/main" xmlns="" w="9525">
                   <a:solidFill>
                     <a:srgbClr val="000000"/>
                   </a:solidFill>
@@ -3929,7 +6812,7 @@
             </a:ln>
             <a:extLst>
               <a:ext uri="{91240B29-F687-4f45-9708-019B960494DF}">
-                <a14:hiddenLine xmlns="" xmlns:a14="http://schemas.microsoft.com/office/drawing/2010/main" w="9525">
+                <a14:hiddenLine xmlns:a14="http://schemas.microsoft.com/office/drawing/2010/main" xmlns="" w="9525">
                   <a:solidFill>
                     <a:srgbClr val="000000"/>
                   </a:solidFill>
@@ -3991,7 +6874,7 @@
             </a:ln>
             <a:extLst>
               <a:ext uri="{91240B29-F687-4f45-9708-019B960494DF}">
-                <a14:hiddenLine xmlns="" xmlns:a14="http://schemas.microsoft.com/office/drawing/2010/main" w="9525">
+                <a14:hiddenLine xmlns:a14="http://schemas.microsoft.com/office/drawing/2010/main" xmlns="" w="9525">
                   <a:solidFill>
                     <a:srgbClr val="000000"/>
                   </a:solidFill>
@@ -4111,7 +6994,7 @@
             </a:ln>
             <a:extLst>
               <a:ext uri="{91240B29-F687-4f45-9708-019B960494DF}">
-                <a14:hiddenLine xmlns="" xmlns:a14="http://schemas.microsoft.com/office/drawing/2010/main" w="9525">
+                <a14:hiddenLine xmlns:a14="http://schemas.microsoft.com/office/drawing/2010/main" xmlns="" w="9525">
                   <a:solidFill>
                     <a:srgbClr val="000000"/>
                   </a:solidFill>
@@ -4179,7 +7062,7 @@
             </a:ln>
             <a:extLst>
               <a:ext uri="{91240B29-F687-4f45-9708-019B960494DF}">
-                <a14:hiddenLine xmlns="" xmlns:a14="http://schemas.microsoft.com/office/drawing/2010/main" w="9525">
+                <a14:hiddenLine xmlns:a14="http://schemas.microsoft.com/office/drawing/2010/main" xmlns="" w="9525">
                   <a:solidFill>
                     <a:srgbClr val="000000"/>
                   </a:solidFill>
@@ -4269,7 +7152,7 @@
             </a:ln>
             <a:extLst>
               <a:ext uri="{91240B29-F687-4f45-9708-019B960494DF}">
-                <a14:hiddenLine xmlns="" xmlns:a14="http://schemas.microsoft.com/office/drawing/2010/main" w="9525">
+                <a14:hiddenLine xmlns:a14="http://schemas.microsoft.com/office/drawing/2010/main" xmlns="" w="9525">
                   <a:solidFill>
                     <a:srgbClr val="000000"/>
                   </a:solidFill>
@@ -4409,7 +7292,7 @@
           <a:p>
             <a:fld id="{48A87A34-81AB-432B-8DAE-1953F412C126}" type="datetimeFigureOut">
               <a:rPr lang="en-US" dirty="0"/>
-              <a:t>12/12/2017</a:t>
+              <a:t>1/12/2018</a:t>
             </a:fld>
             <a:endParaRPr lang="en-US" dirty="0"/>
           </a:p>
@@ -4671,7 +7554,7 @@
           <a:p>
             <a:fld id="{48A87A34-81AB-432B-8DAE-1953F412C126}" type="datetimeFigureOut">
               <a:rPr lang="en-US" dirty="0"/>
-              <a:t>12/12/2017</a:t>
+              <a:t>1/12/2018</a:t>
             </a:fld>
             <a:endParaRPr lang="en-US" dirty="0"/>
           </a:p>
@@ -4862,7 +7745,7 @@
           <a:p>
             <a:fld id="{48A87A34-81AB-432B-8DAE-1953F412C126}" type="datetimeFigureOut">
               <a:rPr lang="en-US" dirty="0"/>
-              <a:t>12/12/2017</a:t>
+              <a:t>1/12/2018</a:t>
             </a:fld>
             <a:endParaRPr lang="en-US" dirty="0"/>
           </a:p>
@@ -5120,7 +8003,7 @@
           <a:p>
             <a:fld id="{48A87A34-81AB-432B-8DAE-1953F412C126}" type="datetimeFigureOut">
               <a:rPr lang="en-US" dirty="0"/>
-              <a:t>12/12/2017</a:t>
+              <a:t>1/12/2018</a:t>
             </a:fld>
             <a:endParaRPr lang="en-US" dirty="0"/>
           </a:p>
@@ -5549,7 +8432,7 @@
           <a:p>
             <a:fld id="{48A87A34-81AB-432B-8DAE-1953F412C126}" type="datetimeFigureOut">
               <a:rPr lang="en-US" dirty="0"/>
-              <a:t>12/12/2017</a:t>
+              <a:t>1/12/2018</a:t>
             </a:fld>
             <a:endParaRPr lang="en-US" dirty="0"/>
           </a:p>
@@ -6090,7 +8973,7 @@
           <a:p>
             <a:fld id="{48A87A34-81AB-432B-8DAE-1953F412C126}" type="datetimeFigureOut">
               <a:rPr lang="en-US" dirty="0"/>
-              <a:t>12/12/2017</a:t>
+              <a:t>1/12/2018</a:t>
             </a:fld>
             <a:endParaRPr lang="en-US" dirty="0"/>
           </a:p>
@@ -6805,7 +9688,7 @@
           <a:p>
             <a:fld id="{48A87A34-81AB-432B-8DAE-1953F412C126}" type="datetimeFigureOut">
               <a:rPr lang="en-US" dirty="0"/>
-              <a:t>12/12/2017</a:t>
+              <a:t>1/12/2018</a:t>
             </a:fld>
             <a:endParaRPr lang="en-US" dirty="0"/>
           </a:p>
@@ -6970,7 +9853,7 @@
           <a:p>
             <a:fld id="{48A87A34-81AB-432B-8DAE-1953F412C126}" type="datetimeFigureOut">
               <a:rPr lang="en-US" dirty="0"/>
-              <a:t>12/12/2017</a:t>
+              <a:t>1/12/2018</a:t>
             </a:fld>
             <a:endParaRPr lang="en-US" dirty="0"/>
           </a:p>
@@ -7145,7 +10028,7 @@
           <a:p>
             <a:fld id="{48A87A34-81AB-432B-8DAE-1953F412C126}" type="datetimeFigureOut">
               <a:rPr lang="en-US" dirty="0"/>
-              <a:t>12/12/2017</a:t>
+              <a:t>1/12/2018</a:t>
             </a:fld>
             <a:endParaRPr lang="en-US" dirty="0"/>
           </a:p>
@@ -7310,7 +10193,7 @@
           <a:p>
             <a:fld id="{48A87A34-81AB-432B-8DAE-1953F412C126}" type="datetimeFigureOut">
               <a:rPr lang="en-US" dirty="0"/>
-              <a:t>12/12/2017</a:t>
+              <a:t>1/12/2018</a:t>
             </a:fld>
             <a:endParaRPr lang="en-US" dirty="0"/>
           </a:p>
@@ -7555,7 +10438,7 @@
           <a:p>
             <a:fld id="{48A87A34-81AB-432B-8DAE-1953F412C126}" type="datetimeFigureOut">
               <a:rPr lang="en-US" dirty="0"/>
-              <a:t>12/12/2017</a:t>
+              <a:t>1/12/2018</a:t>
             </a:fld>
             <a:endParaRPr lang="en-US" dirty="0"/>
           </a:p>
@@ -7782,7 +10665,7 @@
           <a:p>
             <a:fld id="{48A87A34-81AB-432B-8DAE-1953F412C126}" type="datetimeFigureOut">
               <a:rPr lang="en-US" dirty="0"/>
-              <a:t>12/12/2017</a:t>
+              <a:t>1/12/2018</a:t>
             </a:fld>
             <a:endParaRPr lang="en-US" dirty="0"/>
           </a:p>
@@ -8158,7 +11041,7 @@
           <a:p>
             <a:fld id="{48A87A34-81AB-432B-8DAE-1953F412C126}" type="datetimeFigureOut">
               <a:rPr lang="en-US" dirty="0"/>
-              <a:t>12/12/2017</a:t>
+              <a:t>1/12/2018</a:t>
             </a:fld>
             <a:endParaRPr lang="en-US" dirty="0"/>
           </a:p>
@@ -8271,7 +11154,7 @@
           <a:p>
             <a:fld id="{48A87A34-81AB-432B-8DAE-1953F412C126}" type="datetimeFigureOut">
               <a:rPr lang="en-US" dirty="0"/>
-              <a:t>12/12/2017</a:t>
+              <a:t>1/12/2018</a:t>
             </a:fld>
             <a:endParaRPr lang="en-US" dirty="0"/>
           </a:p>
@@ -8361,7 +11244,7 @@
           <a:p>
             <a:fld id="{48A87A34-81AB-432B-8DAE-1953F412C126}" type="datetimeFigureOut">
               <a:rPr lang="en-US" dirty="0"/>
-              <a:t>12/12/2017</a:t>
+              <a:t>1/12/2018</a:t>
             </a:fld>
             <a:endParaRPr lang="en-US" dirty="0"/>
           </a:p>
@@ -8605,7 +11488,7 @@
           <a:p>
             <a:fld id="{48A87A34-81AB-432B-8DAE-1953F412C126}" type="datetimeFigureOut">
               <a:rPr lang="en-US" dirty="0"/>
-              <a:t>12/12/2017</a:t>
+              <a:t>1/12/2018</a:t>
             </a:fld>
             <a:endParaRPr lang="en-US" dirty="0"/>
           </a:p>
@@ -8880,7 +11763,7 @@
           <a:p>
             <a:fld id="{48A87A34-81AB-432B-8DAE-1953F412C126}" type="datetimeFigureOut">
               <a:rPr lang="en-US" dirty="0"/>
-              <a:t>12/12/2017</a:t>
+              <a:t>1/12/2018</a:t>
             </a:fld>
             <a:endParaRPr lang="en-US" dirty="0"/>
           </a:p>
@@ -8998,7 +11881,7 @@
           <a:noFill/>
           <a:extLst>
             <a:ext uri="{909E8E84-426E-40dd-AFC4-6F175D3DCCD1}">
-              <a14:hiddenFill xmlns="" xmlns:a14="http://schemas.microsoft.com/office/drawing/2010/main">
+              <a14:hiddenFill xmlns:a14="http://schemas.microsoft.com/office/drawing/2010/main" xmlns="">
                 <a:solidFill>
                   <a:srgbClr val="FFFFFF"/>
                 </a:solidFill>
@@ -9072,7 +11955,7 @@
               </a:ln>
               <a:extLst>
                 <a:ext uri="{91240B29-F687-4f45-9708-019B960494DF}">
-                  <a14:hiddenLine xmlns="" xmlns:a14="http://schemas.microsoft.com/office/drawing/2010/main" w="9525">
+                  <a14:hiddenLine xmlns:a14="http://schemas.microsoft.com/office/drawing/2010/main" xmlns="" w="9525">
                     <a:solidFill>
                       <a:srgbClr val="000000"/>
                     </a:solidFill>
@@ -9162,7 +12045,7 @@
               </a:ln>
               <a:extLst>
                 <a:ext uri="{91240B29-F687-4f45-9708-019B960494DF}">
-                  <a14:hiddenLine xmlns="" xmlns:a14="http://schemas.microsoft.com/office/drawing/2010/main" w="9525">
+                  <a14:hiddenLine xmlns:a14="http://schemas.microsoft.com/office/drawing/2010/main" xmlns="" w="9525">
                     <a:solidFill>
                       <a:srgbClr val="000000"/>
                     </a:solidFill>
@@ -9252,7 +12135,7 @@
               </a:ln>
               <a:extLst>
                 <a:ext uri="{91240B29-F687-4f45-9708-019B960494DF}">
-                  <a14:hiddenLine xmlns="" xmlns:a14="http://schemas.microsoft.com/office/drawing/2010/main" w="9525">
+                  <a14:hiddenLine xmlns:a14="http://schemas.microsoft.com/office/drawing/2010/main" xmlns="" w="9525">
                     <a:solidFill>
                       <a:srgbClr val="000000"/>
                     </a:solidFill>
@@ -9314,7 +12197,7 @@
               </a:ln>
               <a:extLst>
                 <a:ext uri="{91240B29-F687-4f45-9708-019B960494DF}">
-                  <a14:hiddenLine xmlns="" xmlns:a14="http://schemas.microsoft.com/office/drawing/2010/main" w="9525">
+                  <a14:hiddenLine xmlns:a14="http://schemas.microsoft.com/office/drawing/2010/main" xmlns="" w="9525">
                     <a:solidFill>
                       <a:srgbClr val="000000"/>
                     </a:solidFill>
@@ -9404,7 +12287,7 @@
               </a:ln>
               <a:extLst>
                 <a:ext uri="{91240B29-F687-4f45-9708-019B960494DF}">
-                  <a14:hiddenLine xmlns="" xmlns:a14="http://schemas.microsoft.com/office/drawing/2010/main" w="9525">
+                  <a14:hiddenLine xmlns:a14="http://schemas.microsoft.com/office/drawing/2010/main" xmlns="" w="9525">
                     <a:solidFill>
                       <a:srgbClr val="000000"/>
                     </a:solidFill>
@@ -9466,7 +12349,7 @@
               </a:ln>
               <a:extLst>
                 <a:ext uri="{91240B29-F687-4f45-9708-019B960494DF}">
-                  <a14:hiddenLine xmlns="" xmlns:a14="http://schemas.microsoft.com/office/drawing/2010/main" w="9525">
+                  <a14:hiddenLine xmlns:a14="http://schemas.microsoft.com/office/drawing/2010/main" xmlns="" w="9525">
                     <a:solidFill>
                       <a:srgbClr val="000000"/>
                     </a:solidFill>
@@ -9528,7 +12411,7 @@
               </a:ln>
               <a:extLst>
                 <a:ext uri="{91240B29-F687-4f45-9708-019B960494DF}">
-                  <a14:hiddenLine xmlns="" xmlns:a14="http://schemas.microsoft.com/office/drawing/2010/main" w="9525">
+                  <a14:hiddenLine xmlns:a14="http://schemas.microsoft.com/office/drawing/2010/main" xmlns="" w="9525">
                     <a:solidFill>
                       <a:srgbClr val="000000"/>
                     </a:solidFill>
@@ -9618,7 +12501,7 @@
               </a:ln>
               <a:extLst>
                 <a:ext uri="{91240B29-F687-4f45-9708-019B960494DF}">
-                  <a14:hiddenLine xmlns="" xmlns:a14="http://schemas.microsoft.com/office/drawing/2010/main" w="9525">
+                  <a14:hiddenLine xmlns:a14="http://schemas.microsoft.com/office/drawing/2010/main" xmlns="" w="9525">
                     <a:solidFill>
                       <a:srgbClr val="000000"/>
                     </a:solidFill>
@@ -9708,7 +12591,7 @@
               </a:ln>
               <a:extLst>
                 <a:ext uri="{91240B29-F687-4f45-9708-019B960494DF}">
-                  <a14:hiddenLine xmlns="" xmlns:a14="http://schemas.microsoft.com/office/drawing/2010/main" w="9525">
+                  <a14:hiddenLine xmlns:a14="http://schemas.microsoft.com/office/drawing/2010/main" xmlns="" w="9525">
                     <a:solidFill>
                       <a:srgbClr val="000000"/>
                     </a:solidFill>
@@ -9770,7 +12653,7 @@
               </a:ln>
               <a:extLst>
                 <a:ext uri="{91240B29-F687-4f45-9708-019B960494DF}">
-                  <a14:hiddenLine xmlns="" xmlns:a14="http://schemas.microsoft.com/office/drawing/2010/main" w="9525">
+                  <a14:hiddenLine xmlns:a14="http://schemas.microsoft.com/office/drawing/2010/main" xmlns="" w="9525">
                     <a:solidFill>
                       <a:srgbClr val="000000"/>
                     </a:solidFill>
@@ -9880,7 +12763,7 @@
               </a:ln>
               <a:extLst>
                 <a:ext uri="{91240B29-F687-4f45-9708-019B960494DF}">
-                  <a14:hiddenLine xmlns="" xmlns:a14="http://schemas.microsoft.com/office/drawing/2010/main" w="9525">
+                  <a14:hiddenLine xmlns:a14="http://schemas.microsoft.com/office/drawing/2010/main" xmlns="" w="9525">
                     <a:solidFill>
                       <a:srgbClr val="000000"/>
                     </a:solidFill>
@@ -9964,7 +12847,7 @@
               </a:ln>
               <a:extLst>
                 <a:ext uri="{91240B29-F687-4f45-9708-019B960494DF}">
-                  <a14:hiddenLine xmlns="" xmlns:a14="http://schemas.microsoft.com/office/drawing/2010/main" w="9525">
+                  <a14:hiddenLine xmlns:a14="http://schemas.microsoft.com/office/drawing/2010/main" xmlns="" w="9525">
                     <a:solidFill>
                       <a:srgbClr val="000000"/>
                     </a:solidFill>
@@ -10026,7 +12909,7 @@
               </a:ln>
               <a:extLst>
                 <a:ext uri="{91240B29-F687-4f45-9708-019B960494DF}">
-                  <a14:hiddenLine xmlns="" xmlns:a14="http://schemas.microsoft.com/office/drawing/2010/main" w="9525">
+                  <a14:hiddenLine xmlns:a14="http://schemas.microsoft.com/office/drawing/2010/main" xmlns="" w="9525">
                     <a:solidFill>
                       <a:srgbClr val="000000"/>
                     </a:solidFill>
@@ -10088,7 +12971,7 @@
               </a:ln>
               <a:extLst>
                 <a:ext uri="{91240B29-F687-4f45-9708-019B960494DF}">
-                  <a14:hiddenLine xmlns="" xmlns:a14="http://schemas.microsoft.com/office/drawing/2010/main" w="9525">
+                  <a14:hiddenLine xmlns:a14="http://schemas.microsoft.com/office/drawing/2010/main" xmlns="" w="9525">
                     <a:solidFill>
                       <a:srgbClr val="000000"/>
                     </a:solidFill>
@@ -10178,7 +13061,7 @@
               </a:ln>
               <a:extLst>
                 <a:ext uri="{91240B29-F687-4f45-9708-019B960494DF}">
-                  <a14:hiddenLine xmlns="" xmlns:a14="http://schemas.microsoft.com/office/drawing/2010/main" w="9525">
+                  <a14:hiddenLine xmlns:a14="http://schemas.microsoft.com/office/drawing/2010/main" xmlns="" w="9525">
                     <a:solidFill>
                       <a:srgbClr val="000000"/>
                     </a:solidFill>
@@ -10212,7 +13095,7 @@
               </a:ln>
               <a:extLst>
                 <a:ext uri="{91240B29-F687-4f45-9708-019B960494DF}">
-                  <a14:hiddenLine xmlns="" xmlns:a14="http://schemas.microsoft.com/office/drawing/2010/main" w="9525">
+                  <a14:hiddenLine xmlns:a14="http://schemas.microsoft.com/office/drawing/2010/main" xmlns="" w="9525">
                     <a:solidFill>
                       <a:srgbClr val="000000"/>
                     </a:solidFill>
@@ -10277,7 +13160,7 @@
               </a:ln>
               <a:extLst>
                 <a:ext uri="{91240B29-F687-4f45-9708-019B960494DF}">
-                  <a14:hiddenLine xmlns="" xmlns:a14="http://schemas.microsoft.com/office/drawing/2010/main" w="9525">
+                  <a14:hiddenLine xmlns:a14="http://schemas.microsoft.com/office/drawing/2010/main" xmlns="" w="9525">
                     <a:solidFill>
                       <a:srgbClr val="000000"/>
                     </a:solidFill>
@@ -10367,7 +13250,7 @@
               </a:ln>
               <a:extLst>
                 <a:ext uri="{91240B29-F687-4f45-9708-019B960494DF}">
-                  <a14:hiddenLine xmlns="" xmlns:a14="http://schemas.microsoft.com/office/drawing/2010/main" w="9525">
+                  <a14:hiddenLine xmlns:a14="http://schemas.microsoft.com/office/drawing/2010/main" xmlns="" w="9525">
                     <a:solidFill>
                       <a:srgbClr val="000000"/>
                     </a:solidFill>
@@ -10429,7 +13312,7 @@
               </a:ln>
               <a:extLst>
                 <a:ext uri="{91240B29-F687-4f45-9708-019B960494DF}">
-                  <a14:hiddenLine xmlns="" xmlns:a14="http://schemas.microsoft.com/office/drawing/2010/main" w="9525">
+                  <a14:hiddenLine xmlns:a14="http://schemas.microsoft.com/office/drawing/2010/main" xmlns="" w="9525">
                     <a:solidFill>
                       <a:srgbClr val="000000"/>
                     </a:solidFill>
@@ -10519,7 +13402,7 @@
               </a:ln>
               <a:extLst>
                 <a:ext uri="{91240B29-F687-4f45-9708-019B960494DF}">
-                  <a14:hiddenLine xmlns="" xmlns:a14="http://schemas.microsoft.com/office/drawing/2010/main" w="9525">
+                  <a14:hiddenLine xmlns:a14="http://schemas.microsoft.com/office/drawing/2010/main" xmlns="" w="9525">
                     <a:solidFill>
                       <a:srgbClr val="000000"/>
                     </a:solidFill>
@@ -10584,7 +13467,7 @@
               </a:ln>
               <a:extLst>
                 <a:ext uri="{91240B29-F687-4f45-9708-019B960494DF}">
-                  <a14:hiddenLine xmlns="" xmlns:a14="http://schemas.microsoft.com/office/drawing/2010/main" w="9525">
+                  <a14:hiddenLine xmlns:a14="http://schemas.microsoft.com/office/drawing/2010/main" xmlns="" w="9525">
                     <a:solidFill>
                       <a:srgbClr val="000000"/>
                     </a:solidFill>
@@ -10646,7 +13529,7 @@
               </a:ln>
               <a:extLst>
                 <a:ext uri="{91240B29-F687-4f45-9708-019B960494DF}">
-                  <a14:hiddenLine xmlns="" xmlns:a14="http://schemas.microsoft.com/office/drawing/2010/main" w="9525">
+                  <a14:hiddenLine xmlns:a14="http://schemas.microsoft.com/office/drawing/2010/main" xmlns="" w="9525">
                     <a:solidFill>
                       <a:srgbClr val="000000"/>
                     </a:solidFill>
@@ -10736,7 +13619,7 @@
               </a:ln>
               <a:extLst>
                 <a:ext uri="{91240B29-F687-4f45-9708-019B960494DF}">
-                  <a14:hiddenLine xmlns="" xmlns:a14="http://schemas.microsoft.com/office/drawing/2010/main" w="9525">
+                  <a14:hiddenLine xmlns:a14="http://schemas.microsoft.com/office/drawing/2010/main" xmlns="" w="9525">
                     <a:solidFill>
                       <a:srgbClr val="000000"/>
                     </a:solidFill>
@@ -10826,7 +13709,7 @@
               </a:ln>
               <a:extLst>
                 <a:ext uri="{91240B29-F687-4f45-9708-019B960494DF}">
-                  <a14:hiddenLine xmlns="" xmlns:a14="http://schemas.microsoft.com/office/drawing/2010/main" w="9525">
+                  <a14:hiddenLine xmlns:a14="http://schemas.microsoft.com/office/drawing/2010/main" xmlns="" w="9525">
                     <a:solidFill>
                       <a:srgbClr val="000000"/>
                     </a:solidFill>
@@ -10891,7 +13774,7 @@
               </a:ln>
               <a:extLst>
                 <a:ext uri="{91240B29-F687-4f45-9708-019B960494DF}">
-                  <a14:hiddenLine xmlns="" xmlns:a14="http://schemas.microsoft.com/office/drawing/2010/main" w="9525">
+                  <a14:hiddenLine xmlns:a14="http://schemas.microsoft.com/office/drawing/2010/main" xmlns="" w="9525">
                     <a:solidFill>
                       <a:srgbClr val="000000"/>
                     </a:solidFill>
@@ -11011,7 +13894,7 @@
               </a:ln>
               <a:extLst>
                 <a:ext uri="{91240B29-F687-4f45-9708-019B960494DF}">
-                  <a14:hiddenLine xmlns="" xmlns:a14="http://schemas.microsoft.com/office/drawing/2010/main" w="9525">
+                  <a14:hiddenLine xmlns:a14="http://schemas.microsoft.com/office/drawing/2010/main" xmlns="" w="9525">
                     <a:solidFill>
                       <a:srgbClr val="000000"/>
                     </a:solidFill>
@@ -11109,7 +13992,7 @@
               </a:ln>
               <a:extLst>
                 <a:ext uri="{91240B29-F687-4f45-9708-019B960494DF}">
-                  <a14:hiddenLine xmlns="" xmlns:a14="http://schemas.microsoft.com/office/drawing/2010/main" w="9525">
+                  <a14:hiddenLine xmlns:a14="http://schemas.microsoft.com/office/drawing/2010/main" xmlns="" w="9525">
                     <a:solidFill>
                       <a:srgbClr val="000000"/>
                     </a:solidFill>
@@ -11224,7 +14107,7 @@
               </a:ln>
               <a:extLst>
                 <a:ext uri="{91240B29-F687-4f45-9708-019B960494DF}">
-                  <a14:hiddenLine xmlns="" xmlns:a14="http://schemas.microsoft.com/office/drawing/2010/main" w="9525">
+                  <a14:hiddenLine xmlns:a14="http://schemas.microsoft.com/office/drawing/2010/main" xmlns="" w="9525">
                     <a:solidFill>
                       <a:srgbClr val="000000"/>
                     </a:solidFill>
@@ -11314,7 +14197,7 @@
               </a:ln>
               <a:extLst>
                 <a:ext uri="{91240B29-F687-4f45-9708-019B960494DF}">
-                  <a14:hiddenLine xmlns="" xmlns:a14="http://schemas.microsoft.com/office/drawing/2010/main" w="9525">
+                  <a14:hiddenLine xmlns:a14="http://schemas.microsoft.com/office/drawing/2010/main" xmlns="" w="9525">
                     <a:solidFill>
                       <a:srgbClr val="000000"/>
                     </a:solidFill>
@@ -11379,7 +14262,7 @@
               </a:ln>
               <a:extLst>
                 <a:ext uri="{91240B29-F687-4f45-9708-019B960494DF}">
-                  <a14:hiddenLine xmlns="" xmlns:a14="http://schemas.microsoft.com/office/drawing/2010/main" w="9525">
+                  <a14:hiddenLine xmlns:a14="http://schemas.microsoft.com/office/drawing/2010/main" xmlns="" w="9525">
                     <a:solidFill>
                       <a:srgbClr val="000000"/>
                     </a:solidFill>
@@ -11469,7 +14352,7 @@
               </a:ln>
               <a:extLst>
                 <a:ext uri="{91240B29-F687-4f45-9708-019B960494DF}">
-                  <a14:hiddenLine xmlns="" xmlns:a14="http://schemas.microsoft.com/office/drawing/2010/main" w="9525">
+                  <a14:hiddenLine xmlns:a14="http://schemas.microsoft.com/office/drawing/2010/main" xmlns="" w="9525">
                     <a:solidFill>
                       <a:srgbClr val="000000"/>
                     </a:solidFill>
@@ -11537,7 +14420,7 @@
               </a:ln>
               <a:extLst>
                 <a:ext uri="{91240B29-F687-4f45-9708-019B960494DF}">
-                  <a14:hiddenLine xmlns="" xmlns:a14="http://schemas.microsoft.com/office/drawing/2010/main" w="9525">
+                  <a14:hiddenLine xmlns:a14="http://schemas.microsoft.com/office/drawing/2010/main" xmlns="" w="9525">
                     <a:solidFill>
                       <a:srgbClr val="000000"/>
                     </a:solidFill>
@@ -11627,7 +14510,7 @@
               </a:ln>
               <a:extLst>
                 <a:ext uri="{91240B29-F687-4f45-9708-019B960494DF}">
-                  <a14:hiddenLine xmlns="" xmlns:a14="http://schemas.microsoft.com/office/drawing/2010/main" w="9525">
+                  <a14:hiddenLine xmlns:a14="http://schemas.microsoft.com/office/drawing/2010/main" xmlns="" w="9525">
                     <a:solidFill>
                       <a:srgbClr val="000000"/>
                     </a:solidFill>
@@ -11695,7 +14578,7 @@
               </a:ln>
               <a:extLst>
                 <a:ext uri="{91240B29-F687-4f45-9708-019B960494DF}">
-                  <a14:hiddenLine xmlns="" xmlns:a14="http://schemas.microsoft.com/office/drawing/2010/main" w="9525">
+                  <a14:hiddenLine xmlns:a14="http://schemas.microsoft.com/office/drawing/2010/main" xmlns="" w="9525">
                     <a:solidFill>
                       <a:srgbClr val="000000"/>
                     </a:solidFill>
@@ -11785,7 +14668,7 @@
               </a:ln>
               <a:extLst>
                 <a:ext uri="{91240B29-F687-4f45-9708-019B960494DF}">
-                  <a14:hiddenLine xmlns="" xmlns:a14="http://schemas.microsoft.com/office/drawing/2010/main" w="9525">
+                  <a14:hiddenLine xmlns:a14="http://schemas.microsoft.com/office/drawing/2010/main" xmlns="" w="9525">
                     <a:solidFill>
                       <a:srgbClr val="000000"/>
                     </a:solidFill>
@@ -11819,7 +14702,7 @@
               </a:ln>
               <a:extLst>
                 <a:ext uri="{91240B29-F687-4f45-9708-019B960494DF}">
-                  <a14:hiddenLine xmlns="" xmlns:a14="http://schemas.microsoft.com/office/drawing/2010/main" w="9525">
+                  <a14:hiddenLine xmlns:a14="http://schemas.microsoft.com/office/drawing/2010/main" xmlns="" w="9525">
                     <a:solidFill>
                       <a:srgbClr val="000000"/>
                     </a:solidFill>
@@ -11960,7 +14843,7 @@
             <a:fld id="{48A87A34-81AB-432B-8DAE-1953F412C126}" type="datetimeFigureOut">
               <a:rPr lang="en-US" dirty="0"/>
               <a:pPr/>
-              <a:t>12/12/2017</a:t>
+              <a:t>1/12/2018</a:t>
             </a:fld>
             <a:endParaRPr lang="en-US" dirty="0"/>
           </a:p>
@@ -12506,7 +15389,7 @@
           <p:cNvPr id="2" name="Nadpis 1">
             <a:extLst>
               <a:ext uri="{FF2B5EF4-FFF2-40B4-BE49-F238E27FC236}">
-                <a16:creationId xmlns:a16="http://schemas.microsoft.com/office/drawing/2014/main" id="{003D0CAA-358E-43AA-8784-148B7221311A}"/>
+                <a16:creationId xmlns:a16="http://schemas.microsoft.com/office/drawing/2014/main" id="{3A1B6E78-10B3-406A-A34B-63760286F88C}"/>
               </a:ext>
             </a:extLst>
           </p:cNvPr>
@@ -12524,8 +15407,13 @@
           <a:p>
             <a:r>
               <a:rPr lang="cs-CZ" dirty="0"/>
-              <a:t>Nástroje specializované na zneužívání zranitelností</a:t>
-            </a:r>
+              <a:t>Metodologie </a:t>
+            </a:r>
+            <a:r>
+              <a:rPr lang="cs-CZ" dirty="0" err="1"/>
+              <a:t>TESTOVání</a:t>
+            </a:r>
+            <a:endParaRPr lang="cs-CZ" dirty="0"/>
           </a:p>
         </p:txBody>
       </p:sp>
@@ -12534,7 +15422,7 @@
           <p:cNvPr id="3" name="Zástupný symbol pro obsah 2">
             <a:extLst>
               <a:ext uri="{FF2B5EF4-FFF2-40B4-BE49-F238E27FC236}">
-                <a16:creationId xmlns:a16="http://schemas.microsoft.com/office/drawing/2014/main" id="{02BBA61B-4C84-42A3-822C-2EA0C5009BD4}"/>
+                <a16:creationId xmlns:a16="http://schemas.microsoft.com/office/drawing/2014/main" id="{5EDCFECD-5E2F-4747-A5DC-37048083A21C}"/>
               </a:ext>
             </a:extLst>
           </p:cNvPr>
@@ -12551,23 +15439,11 @@
           <a:lstStyle/>
           <a:p>
             <a:r>
-              <a:rPr lang="en-US" dirty="0"/>
-              <a:t>Metasploit (http://www.metasploit.com)</a:t>
-            </a:r>
-            <a:endParaRPr lang="cs-CZ" dirty="0"/>
-          </a:p>
-          <a:p>
-            <a:r>
-              <a:rPr lang="en-US" dirty="0"/>
-              <a:t>Core Impact Pro (http://www.coresecurity.com/)</a:t>
-            </a:r>
-            <a:endParaRPr lang="cs-CZ" dirty="0"/>
-          </a:p>
-          <a:p>
-            <a:r>
-              <a:rPr lang="en-US" dirty="0"/>
-              <a:t>Immunity CANVAS (http://www.immunityinc.com/)</a:t>
-            </a:r>
+              <a:rPr lang="cs-CZ" dirty="0"/>
+              <a:t>4. fáze  - zneužití chyb</a:t>
+            </a:r>
+          </a:p>
+          <a:p>
             <a:endParaRPr lang="cs-CZ" dirty="0"/>
           </a:p>
         </p:txBody>
@@ -12575,7 +15451,7 @@
     </p:spTree>
     <p:extLst>
       <p:ext uri="{BB962C8B-B14F-4D97-AF65-F5344CB8AC3E}">
-        <p14:creationId xmlns:p14="http://schemas.microsoft.com/office/powerpoint/2010/main" val="2631289902"/>
+        <p14:creationId xmlns:p14="http://schemas.microsoft.com/office/powerpoint/2010/main" val="1699241591"/>
       </p:ext>
     </p:extLst>
   </p:cSld>
@@ -12607,7 +15483,7 @@
           <p:cNvPr id="2" name="Nadpis 1">
             <a:extLst>
               <a:ext uri="{FF2B5EF4-FFF2-40B4-BE49-F238E27FC236}">
-                <a16:creationId xmlns:a16="http://schemas.microsoft.com/office/drawing/2014/main" id="{E5218399-5E6B-4F4D-A4B8-7A0E2A2B6D3D}"/>
+                <a16:creationId xmlns:a16="http://schemas.microsoft.com/office/drawing/2014/main" id="{3A1B6E78-10B3-406A-A34B-63760286F88C}"/>
               </a:ext>
             </a:extLst>
           </p:cNvPr>
@@ -12625,8 +15501,13 @@
           <a:p>
             <a:r>
               <a:rPr lang="cs-CZ" dirty="0"/>
-              <a:t>Nástroje specializované na testování webových aplikací</a:t>
-            </a:r>
+              <a:t>Metodologie </a:t>
+            </a:r>
+            <a:r>
+              <a:rPr lang="cs-CZ" dirty="0" err="1"/>
+              <a:t>TESTOVání</a:t>
+            </a:r>
+            <a:endParaRPr lang="cs-CZ" dirty="0"/>
           </a:p>
         </p:txBody>
       </p:sp>
@@ -12635,7 +15516,7 @@
           <p:cNvPr id="3" name="Zástupný symbol pro obsah 2">
             <a:extLst>
               <a:ext uri="{FF2B5EF4-FFF2-40B4-BE49-F238E27FC236}">
-                <a16:creationId xmlns:a16="http://schemas.microsoft.com/office/drawing/2014/main" id="{55BC670D-761E-42C7-AE3F-EC5A04B6BA94}"/>
+                <a16:creationId xmlns:a16="http://schemas.microsoft.com/office/drawing/2014/main" id="{5EDCFECD-5E2F-4747-A5DC-37048083A21C}"/>
               </a:ext>
             </a:extLst>
           </p:cNvPr>
@@ -12653,43 +15534,7 @@
           <a:p>
             <a:r>
               <a:rPr lang="cs-CZ" dirty="0"/>
-              <a:t>OWASP WTE (https://www.owasp.org) </a:t>
-            </a:r>
-          </a:p>
-          <a:p>
-            <a:r>
-              <a:rPr lang="cs-CZ" dirty="0" err="1"/>
-              <a:t>Acunetix</a:t>
-            </a:r>
-            <a:r>
-              <a:rPr lang="cs-CZ" dirty="0"/>
-              <a:t> (</a:t>
-            </a:r>
-            <a:r>
-              <a:rPr lang="cs-CZ" dirty="0">
-                <a:hlinkClick r:id="rId2"/>
-              </a:rPr>
-              <a:t>www.acunetix.com</a:t>
-            </a:r>
-            <a:r>
-              <a:rPr lang="cs-CZ" dirty="0"/>
-              <a:t>)</a:t>
-            </a:r>
-          </a:p>
-          <a:p>
-            <a:r>
-              <a:rPr lang="cs-CZ" dirty="0" err="1"/>
-              <a:t>Samurai</a:t>
-            </a:r>
-            <a:r>
-              <a:rPr lang="cs-CZ" dirty="0"/>
-              <a:t> web testing framework (http://samurai.inguardians.com)</a:t>
-            </a:r>
-          </a:p>
-          <a:p>
-            <a:r>
-              <a:rPr lang="cs-CZ" dirty="0"/>
-              <a:t>w3af (http://w3af.org).</a:t>
+              <a:t>4. fáze  - konečná fáze</a:t>
             </a:r>
           </a:p>
         </p:txBody>
@@ -12697,7 +15542,7 @@
     </p:spTree>
     <p:extLst>
       <p:ext uri="{BB962C8B-B14F-4D97-AF65-F5344CB8AC3E}">
-        <p14:creationId xmlns:p14="http://schemas.microsoft.com/office/powerpoint/2010/main" val="634672255"/>
+        <p14:creationId xmlns:p14="http://schemas.microsoft.com/office/powerpoint/2010/main" val="2416238899"/>
       </p:ext>
     </p:extLst>
   </p:cSld>
@@ -12708,1109 +15553,6 @@
 </file>
 
 <file path=ppt/slides/slide12.xml><?xml version="1.0" encoding="utf-8"?>
-<p:sld xmlns:a="http://schemas.openxmlformats.org/drawingml/2006/main" xmlns:r="http://schemas.openxmlformats.org/officeDocument/2006/relationships" xmlns:p="http://schemas.openxmlformats.org/presentationml/2006/main">
-  <p:cSld>
-    <p:spTree>
-      <p:nvGrpSpPr>
-        <p:cNvPr id="1" name=""/>
-        <p:cNvGrpSpPr/>
-        <p:nvPr/>
-      </p:nvGrpSpPr>
-      <p:grpSpPr>
-        <a:xfrm>
-          <a:off x="0" y="0"/>
-          <a:ext cx="0" cy="0"/>
-          <a:chOff x="0" y="0"/>
-          <a:chExt cx="0" cy="0"/>
-        </a:xfrm>
-      </p:grpSpPr>
-      <p:sp>
-        <p:nvSpPr>
-          <p:cNvPr id="2" name="Nadpis 1">
-            <a:extLst>
-              <a:ext uri="{FF2B5EF4-FFF2-40B4-BE49-F238E27FC236}">
-                <a16:creationId xmlns:a16="http://schemas.microsoft.com/office/drawing/2014/main" id="{E13DDB5D-F5C0-4E72-8229-94381DD3FC96}"/>
-              </a:ext>
-            </a:extLst>
-          </p:cNvPr>
-          <p:cNvSpPr>
-            <a:spLocks noGrp="1"/>
-          </p:cNvSpPr>
-          <p:nvPr>
-            <p:ph type="title"/>
-          </p:nvPr>
-        </p:nvSpPr>
-        <p:spPr/>
-        <p:txBody>
-          <a:bodyPr/>
-          <a:lstStyle/>
-          <a:p>
-            <a:r>
-              <a:rPr lang="cs-CZ" dirty="0"/>
-              <a:t>další</a:t>
-            </a:r>
-          </a:p>
-        </p:txBody>
-      </p:sp>
-      <p:sp>
-        <p:nvSpPr>
-          <p:cNvPr id="3" name="Zástupný symbol pro obsah 2">
-            <a:extLst>
-              <a:ext uri="{FF2B5EF4-FFF2-40B4-BE49-F238E27FC236}">
-                <a16:creationId xmlns:a16="http://schemas.microsoft.com/office/drawing/2014/main" id="{0B01413E-1A41-4F35-BF42-77E35BEB7123}"/>
-              </a:ext>
-            </a:extLst>
-          </p:cNvPr>
-          <p:cNvSpPr>
-            <a:spLocks noGrp="1"/>
-          </p:cNvSpPr>
-          <p:nvPr>
-            <p:ph idx="1"/>
-          </p:nvPr>
-        </p:nvSpPr>
-        <p:spPr/>
-        <p:txBody>
-          <a:bodyPr/>
-          <a:lstStyle/>
-          <a:p>
-            <a:r>
-              <a:rPr lang="cs-CZ" dirty="0"/>
-              <a:t>OSWA-</a:t>
-            </a:r>
-            <a:r>
-              <a:rPr lang="cs-CZ" dirty="0" err="1"/>
-              <a:t>Assistant</a:t>
-            </a:r>
-            <a:endParaRPr lang="cs-CZ" dirty="0"/>
-          </a:p>
-          <a:p>
-            <a:r>
-              <a:rPr lang="cs-CZ" dirty="0" err="1"/>
-              <a:t>CISOfy</a:t>
-            </a:r>
-            <a:r>
-              <a:rPr lang="cs-CZ" dirty="0"/>
-              <a:t> </a:t>
-            </a:r>
-            <a:r>
-              <a:rPr lang="cs-CZ" dirty="0" err="1"/>
-              <a:t>Lynis</a:t>
-            </a:r>
-            <a:endParaRPr lang="cs-CZ" dirty="0"/>
-          </a:p>
-          <a:p>
-            <a:r>
-              <a:rPr lang="en-US" dirty="0"/>
-              <a:t>Microsoft Baseline Security Analyzer </a:t>
-            </a:r>
-            <a:endParaRPr lang="cs-CZ" dirty="0"/>
-          </a:p>
-        </p:txBody>
-      </p:sp>
-      <p:pic>
-        <p:nvPicPr>
-          <p:cNvPr id="4" name="Obrázek 3">
-            <a:extLst>
-              <a:ext uri="{FF2B5EF4-FFF2-40B4-BE49-F238E27FC236}">
-                <a16:creationId xmlns:a16="http://schemas.microsoft.com/office/drawing/2014/main" id="{B0159ABC-1DEE-441B-8A1D-6E0C1A2880CF}"/>
-              </a:ext>
-            </a:extLst>
-          </p:cNvPr>
-          <p:cNvPicPr>
-            <a:picLocks noChangeAspect="1"/>
-          </p:cNvPicPr>
-          <p:nvPr/>
-        </p:nvPicPr>
-        <p:blipFill>
-          <a:blip r:embed="rId2"/>
-          <a:stretch>
-            <a:fillRect/>
-          </a:stretch>
-        </p:blipFill>
-        <p:spPr>
-          <a:xfrm>
-            <a:off x="1480813" y="0"/>
-            <a:ext cx="9230373" cy="6858000"/>
-          </a:xfrm>
-          <a:prstGeom prst="rect">
-            <a:avLst/>
-          </a:prstGeom>
-        </p:spPr>
-      </p:pic>
-    </p:spTree>
-    <p:extLst>
-      <p:ext uri="{BB962C8B-B14F-4D97-AF65-F5344CB8AC3E}">
-        <p14:creationId xmlns:p14="http://schemas.microsoft.com/office/powerpoint/2010/main" val="2017416620"/>
-      </p:ext>
-    </p:extLst>
-  </p:cSld>
-  <p:clrMapOvr>
-    <a:masterClrMapping/>
-  </p:clrMapOvr>
-</p:sld>
-</file>
-
-<file path=ppt/slides/slide13.xml><?xml version="1.0" encoding="utf-8"?>
-<p:sld xmlns:a="http://schemas.openxmlformats.org/drawingml/2006/main" xmlns:r="http://schemas.openxmlformats.org/officeDocument/2006/relationships" xmlns:p="http://schemas.openxmlformats.org/presentationml/2006/main">
-  <p:cSld>
-    <p:spTree>
-      <p:nvGrpSpPr>
-        <p:cNvPr id="1" name=""/>
-        <p:cNvGrpSpPr/>
-        <p:nvPr/>
-      </p:nvGrpSpPr>
-      <p:grpSpPr>
-        <a:xfrm>
-          <a:off x="0" y="0"/>
-          <a:ext cx="0" cy="0"/>
-          <a:chOff x="0" y="0"/>
-          <a:chExt cx="0" cy="0"/>
-        </a:xfrm>
-      </p:grpSpPr>
-      <p:sp>
-        <p:nvSpPr>
-          <p:cNvPr id="2" name="Nadpis 1">
-            <a:extLst>
-              <a:ext uri="{FF2B5EF4-FFF2-40B4-BE49-F238E27FC236}">
-                <a16:creationId xmlns:a16="http://schemas.microsoft.com/office/drawing/2014/main" id="{B4AE40F8-716E-4D74-9650-B77BE30EA92E}"/>
-              </a:ext>
-            </a:extLst>
-          </p:cNvPr>
-          <p:cNvSpPr>
-            <a:spLocks noGrp="1"/>
-          </p:cNvSpPr>
-          <p:nvPr>
-            <p:ph type="title"/>
-          </p:nvPr>
-        </p:nvSpPr>
-        <p:spPr/>
-        <p:txBody>
-          <a:bodyPr/>
-          <a:lstStyle/>
-          <a:p>
-            <a:r>
-              <a:rPr lang="cs-CZ" dirty="0"/>
-              <a:t>NESSUS</a:t>
-            </a:r>
-          </a:p>
-        </p:txBody>
-      </p:sp>
-      <p:graphicFrame>
-        <p:nvGraphicFramePr>
-          <p:cNvPr id="4" name="Zástupný symbol pro obsah 3">
-            <a:extLst>
-              <a:ext uri="{FF2B5EF4-FFF2-40B4-BE49-F238E27FC236}">
-                <a16:creationId xmlns:a16="http://schemas.microsoft.com/office/drawing/2014/main" id="{1CBEDCA3-92D2-4F4F-BBD6-8D2C8F017BAD}"/>
-              </a:ext>
-            </a:extLst>
-          </p:cNvPr>
-          <p:cNvGraphicFramePr>
-            <a:graphicFrameLocks noGrp="1"/>
-          </p:cNvGraphicFramePr>
-          <p:nvPr>
-            <p:ph idx="1"/>
-            <p:extLst>
-              <p:ext uri="{D42A27DB-BD31-4B8C-83A1-F6EECF244321}">
-                <p14:modId xmlns:p14="http://schemas.microsoft.com/office/powerpoint/2010/main" val="507221431"/>
-              </p:ext>
-            </p:extLst>
-          </p:nvPr>
-        </p:nvGraphicFramePr>
-        <p:xfrm>
-          <a:off x="1141413" y="2249488"/>
-          <a:ext cx="9906000" cy="2966720"/>
-        </p:xfrm>
-        <a:graphic>
-          <a:graphicData uri="http://schemas.openxmlformats.org/drawingml/2006/table">
-            <a:tbl>
-              <a:tblPr firstRow="1" bandRow="1">
-                <a:tableStyleId>{7DF18680-E054-41AD-8BC1-D1AEF772440D}</a:tableStyleId>
-              </a:tblPr>
-              <a:tblGrid>
-                <a:gridCol w="4953000">
-                  <a:extLst>
-                    <a:ext uri="{9D8B030D-6E8A-4147-A177-3AD203B41FA5}">
-                      <a16:colId xmlns:a16="http://schemas.microsoft.com/office/drawing/2014/main" val="900524107"/>
-                    </a:ext>
-                  </a:extLst>
-                </a:gridCol>
-                <a:gridCol w="4953000">
-                  <a:extLst>
-                    <a:ext uri="{9D8B030D-6E8A-4147-A177-3AD203B41FA5}">
-                      <a16:colId xmlns:a16="http://schemas.microsoft.com/office/drawing/2014/main" val="213752738"/>
-                    </a:ext>
-                  </a:extLst>
-                </a:gridCol>
-              </a:tblGrid>
-              <a:tr h="370840">
-                <a:tc>
-                  <a:txBody>
-                    <a:bodyPr/>
-                    <a:lstStyle/>
-                    <a:p>
-                      <a:endParaRPr lang="cs-CZ" dirty="0"/>
-                    </a:p>
-                  </a:txBody>
-                  <a:tcPr/>
-                </a:tc>
-                <a:tc>
-                  <a:txBody>
-                    <a:bodyPr/>
-                    <a:lstStyle/>
-                    <a:p>
-                      <a:endParaRPr lang="cs-CZ"/>
-                    </a:p>
-                  </a:txBody>
-                  <a:tcPr/>
-                </a:tc>
-                <a:extLst>
-                  <a:ext uri="{0D108BD9-81ED-4DB2-BD59-A6C34878D82A}">
-                    <a16:rowId xmlns:a16="http://schemas.microsoft.com/office/drawing/2014/main" val="1052754626"/>
-                  </a:ext>
-                </a:extLst>
-              </a:tr>
-              <a:tr h="370840">
-                <a:tc>
-                  <a:txBody>
-                    <a:bodyPr/>
-                    <a:lstStyle/>
-                    <a:p>
-                      <a:endParaRPr lang="cs-CZ"/>
-                    </a:p>
-                  </a:txBody>
-                  <a:tcPr/>
-                </a:tc>
-                <a:tc>
-                  <a:txBody>
-                    <a:bodyPr/>
-                    <a:lstStyle/>
-                    <a:p>
-                      <a:endParaRPr lang="cs-CZ"/>
-                    </a:p>
-                  </a:txBody>
-                  <a:tcPr/>
-                </a:tc>
-                <a:extLst>
-                  <a:ext uri="{0D108BD9-81ED-4DB2-BD59-A6C34878D82A}">
-                    <a16:rowId xmlns:a16="http://schemas.microsoft.com/office/drawing/2014/main" val="2030871502"/>
-                  </a:ext>
-                </a:extLst>
-              </a:tr>
-              <a:tr h="370840">
-                <a:tc>
-                  <a:txBody>
-                    <a:bodyPr/>
-                    <a:lstStyle/>
-                    <a:p>
-                      <a:endParaRPr lang="cs-CZ"/>
-                    </a:p>
-                  </a:txBody>
-                  <a:tcPr/>
-                </a:tc>
-                <a:tc>
-                  <a:txBody>
-                    <a:bodyPr/>
-                    <a:lstStyle/>
-                    <a:p>
-                      <a:endParaRPr lang="cs-CZ"/>
-                    </a:p>
-                  </a:txBody>
-                  <a:tcPr/>
-                </a:tc>
-                <a:extLst>
-                  <a:ext uri="{0D108BD9-81ED-4DB2-BD59-A6C34878D82A}">
-                    <a16:rowId xmlns:a16="http://schemas.microsoft.com/office/drawing/2014/main" val="4195614754"/>
-                  </a:ext>
-                </a:extLst>
-              </a:tr>
-              <a:tr h="370840">
-                <a:tc>
-                  <a:txBody>
-                    <a:bodyPr/>
-                    <a:lstStyle/>
-                    <a:p>
-                      <a:endParaRPr lang="cs-CZ"/>
-                    </a:p>
-                  </a:txBody>
-                  <a:tcPr/>
-                </a:tc>
-                <a:tc>
-                  <a:txBody>
-                    <a:bodyPr/>
-                    <a:lstStyle/>
-                    <a:p>
-                      <a:endParaRPr lang="cs-CZ"/>
-                    </a:p>
-                  </a:txBody>
-                  <a:tcPr/>
-                </a:tc>
-                <a:extLst>
-                  <a:ext uri="{0D108BD9-81ED-4DB2-BD59-A6C34878D82A}">
-                    <a16:rowId xmlns:a16="http://schemas.microsoft.com/office/drawing/2014/main" val="2120893075"/>
-                  </a:ext>
-                </a:extLst>
-              </a:tr>
-              <a:tr h="370840">
-                <a:tc>
-                  <a:txBody>
-                    <a:bodyPr/>
-                    <a:lstStyle/>
-                    <a:p>
-                      <a:endParaRPr lang="cs-CZ"/>
-                    </a:p>
-                  </a:txBody>
-                  <a:tcPr/>
-                </a:tc>
-                <a:tc>
-                  <a:txBody>
-                    <a:bodyPr/>
-                    <a:lstStyle/>
-                    <a:p>
-                      <a:endParaRPr lang="cs-CZ"/>
-                    </a:p>
-                  </a:txBody>
-                  <a:tcPr/>
-                </a:tc>
-                <a:extLst>
-                  <a:ext uri="{0D108BD9-81ED-4DB2-BD59-A6C34878D82A}">
-                    <a16:rowId xmlns:a16="http://schemas.microsoft.com/office/drawing/2014/main" val="3677540393"/>
-                  </a:ext>
-                </a:extLst>
-              </a:tr>
-              <a:tr h="370840">
-                <a:tc>
-                  <a:txBody>
-                    <a:bodyPr/>
-                    <a:lstStyle/>
-                    <a:p>
-                      <a:endParaRPr lang="cs-CZ"/>
-                    </a:p>
-                  </a:txBody>
-                  <a:tcPr/>
-                </a:tc>
-                <a:tc>
-                  <a:txBody>
-                    <a:bodyPr/>
-                    <a:lstStyle/>
-                    <a:p>
-                      <a:endParaRPr lang="cs-CZ"/>
-                    </a:p>
-                  </a:txBody>
-                  <a:tcPr/>
-                </a:tc>
-                <a:extLst>
-                  <a:ext uri="{0D108BD9-81ED-4DB2-BD59-A6C34878D82A}">
-                    <a16:rowId xmlns:a16="http://schemas.microsoft.com/office/drawing/2014/main" val="1590669453"/>
-                  </a:ext>
-                </a:extLst>
-              </a:tr>
-              <a:tr h="370840">
-                <a:tc>
-                  <a:txBody>
-                    <a:bodyPr/>
-                    <a:lstStyle/>
-                    <a:p>
-                      <a:endParaRPr lang="cs-CZ"/>
-                    </a:p>
-                  </a:txBody>
-                  <a:tcPr/>
-                </a:tc>
-                <a:tc>
-                  <a:txBody>
-                    <a:bodyPr/>
-                    <a:lstStyle/>
-                    <a:p>
-                      <a:endParaRPr lang="cs-CZ"/>
-                    </a:p>
-                  </a:txBody>
-                  <a:tcPr/>
-                </a:tc>
-                <a:extLst>
-                  <a:ext uri="{0D108BD9-81ED-4DB2-BD59-A6C34878D82A}">
-                    <a16:rowId xmlns:a16="http://schemas.microsoft.com/office/drawing/2014/main" val="3094101634"/>
-                  </a:ext>
-                </a:extLst>
-              </a:tr>
-              <a:tr h="370840">
-                <a:tc>
-                  <a:txBody>
-                    <a:bodyPr/>
-                    <a:lstStyle/>
-                    <a:p>
-                      <a:endParaRPr lang="cs-CZ"/>
-                    </a:p>
-                  </a:txBody>
-                  <a:tcPr/>
-                </a:tc>
-                <a:tc>
-                  <a:txBody>
-                    <a:bodyPr/>
-                    <a:lstStyle/>
-                    <a:p>
-                      <a:endParaRPr lang="cs-CZ"/>
-                    </a:p>
-                  </a:txBody>
-                  <a:tcPr/>
-                </a:tc>
-                <a:extLst>
-                  <a:ext uri="{0D108BD9-81ED-4DB2-BD59-A6C34878D82A}">
-                    <a16:rowId xmlns:a16="http://schemas.microsoft.com/office/drawing/2014/main" val="1494467795"/>
-                  </a:ext>
-                </a:extLst>
-              </a:tr>
-            </a:tbl>
-          </a:graphicData>
-        </a:graphic>
-      </p:graphicFrame>
-    </p:spTree>
-    <p:extLst>
-      <p:ext uri="{BB962C8B-B14F-4D97-AF65-F5344CB8AC3E}">
-        <p14:creationId xmlns:p14="http://schemas.microsoft.com/office/powerpoint/2010/main" val="1540232710"/>
-      </p:ext>
-    </p:extLst>
-  </p:cSld>
-  <p:clrMapOvr>
-    <a:masterClrMapping/>
-  </p:clrMapOvr>
-</p:sld>
-</file>
-
-<file path=ppt/slides/slide14.xml><?xml version="1.0" encoding="utf-8"?>
-<p:sld xmlns:a="http://schemas.openxmlformats.org/drawingml/2006/main" xmlns:r="http://schemas.openxmlformats.org/officeDocument/2006/relationships" xmlns:p="http://schemas.openxmlformats.org/presentationml/2006/main">
-  <p:cSld>
-    <p:spTree>
-      <p:nvGrpSpPr>
-        <p:cNvPr id="1" name=""/>
-        <p:cNvGrpSpPr/>
-        <p:nvPr/>
-      </p:nvGrpSpPr>
-      <p:grpSpPr>
-        <a:xfrm>
-          <a:off x="0" y="0"/>
-          <a:ext cx="0" cy="0"/>
-          <a:chOff x="0" y="0"/>
-          <a:chExt cx="0" cy="0"/>
-        </a:xfrm>
-      </p:grpSpPr>
-      <p:sp>
-        <p:nvSpPr>
-          <p:cNvPr id="2" name="Nadpis 1"/>
-          <p:cNvSpPr>
-            <a:spLocks noGrp="1"/>
-          </p:cNvSpPr>
-          <p:nvPr>
-            <p:ph type="title"/>
-          </p:nvPr>
-        </p:nvSpPr>
-        <p:spPr/>
-        <p:txBody>
-          <a:bodyPr/>
-          <a:lstStyle/>
-          <a:p>
-            <a:endParaRPr lang="cs-CZ"/>
-          </a:p>
-        </p:txBody>
-      </p:sp>
-      <p:pic>
-        <p:nvPicPr>
-          <p:cNvPr id="4" name="b7jW9X9UqiY"/>
-          <p:cNvPicPr>
-            <a:picLocks noGrp="1" noRot="1" noChangeAspect="1"/>
-          </p:cNvPicPr>
-          <p:nvPr>
-            <p:ph idx="1"/>
-            <a:videoFile r:link="rId1"/>
-          </p:nvPr>
-        </p:nvPicPr>
-        <p:blipFill>
-          <a:blip r:embed="rId3"/>
-          <a:stretch>
-            <a:fillRect/>
-          </a:stretch>
-        </p:blipFill>
-        <p:spPr>
-          <a:xfrm>
-            <a:off x="994401" y="423949"/>
-            <a:ext cx="10402348" cy="5851321"/>
-          </a:xfrm>
-          <a:prstGeom prst="rect">
-            <a:avLst/>
-          </a:prstGeom>
-        </p:spPr>
-      </p:pic>
-    </p:spTree>
-    <p:extLst>
-      <p:ext uri="{BB962C8B-B14F-4D97-AF65-F5344CB8AC3E}">
-        <p14:creationId xmlns:p14="http://schemas.microsoft.com/office/powerpoint/2010/main" val="307673526"/>
-      </p:ext>
-    </p:extLst>
-  </p:cSld>
-  <p:clrMapOvr>
-    <a:masterClrMapping/>
-  </p:clrMapOvr>
-</p:sld>
-</file>
-
-<file path=ppt/slides/slide15.xml><?xml version="1.0" encoding="utf-8"?>
-<p:sld xmlns:a="http://schemas.openxmlformats.org/drawingml/2006/main" xmlns:r="http://schemas.openxmlformats.org/officeDocument/2006/relationships" xmlns:p="http://schemas.openxmlformats.org/presentationml/2006/main">
-  <p:cSld>
-    <p:spTree>
-      <p:nvGrpSpPr>
-        <p:cNvPr id="1" name=""/>
-        <p:cNvGrpSpPr/>
-        <p:nvPr/>
-      </p:nvGrpSpPr>
-      <p:grpSpPr>
-        <a:xfrm>
-          <a:off x="0" y="0"/>
-          <a:ext cx="0" cy="0"/>
-          <a:chOff x="0" y="0"/>
-          <a:chExt cx="0" cy="0"/>
-        </a:xfrm>
-      </p:grpSpPr>
-      <p:sp>
-        <p:nvSpPr>
-          <p:cNvPr id="2" name="Nadpis 1"/>
-          <p:cNvSpPr>
-            <a:spLocks noGrp="1"/>
-          </p:cNvSpPr>
-          <p:nvPr>
-            <p:ph type="title"/>
-          </p:nvPr>
-        </p:nvSpPr>
-        <p:spPr/>
-        <p:txBody>
-          <a:bodyPr/>
-          <a:lstStyle/>
-          <a:p>
-            <a:endParaRPr lang="cs-CZ"/>
-          </a:p>
-        </p:txBody>
-      </p:sp>
-      <p:sp>
-        <p:nvSpPr>
-          <p:cNvPr id="3" name="Zástupný symbol pro obsah 2"/>
-          <p:cNvSpPr>
-            <a:spLocks noGrp="1"/>
-          </p:cNvSpPr>
-          <p:nvPr>
-            <p:ph idx="1"/>
-          </p:nvPr>
-        </p:nvSpPr>
-        <p:spPr/>
-        <p:txBody>
-          <a:bodyPr/>
-          <a:lstStyle/>
-          <a:p>
-            <a:endParaRPr lang="cs-CZ"/>
-          </a:p>
-        </p:txBody>
-      </p:sp>
-    </p:spTree>
-    <p:extLst>
-      <p:ext uri="{BB962C8B-B14F-4D97-AF65-F5344CB8AC3E}">
-        <p14:creationId xmlns:p14="http://schemas.microsoft.com/office/powerpoint/2010/main" val="1223164714"/>
-      </p:ext>
-    </p:extLst>
-  </p:cSld>
-  <p:clrMapOvr>
-    <a:masterClrMapping/>
-  </p:clrMapOvr>
-</p:sld>
-</file>
-
-<file path=ppt/slides/slide2.xml><?xml version="1.0" encoding="utf-8"?>
-<p:sld xmlns:a="http://schemas.openxmlformats.org/drawingml/2006/main" xmlns:r="http://schemas.openxmlformats.org/officeDocument/2006/relationships" xmlns:p="http://schemas.openxmlformats.org/presentationml/2006/main">
-  <p:cSld>
-    <p:spTree>
-      <p:nvGrpSpPr>
-        <p:cNvPr id="1" name=""/>
-        <p:cNvGrpSpPr/>
-        <p:nvPr/>
-      </p:nvGrpSpPr>
-      <p:grpSpPr>
-        <a:xfrm>
-          <a:off x="0" y="0"/>
-          <a:ext cx="0" cy="0"/>
-          <a:chOff x="0" y="0"/>
-          <a:chExt cx="0" cy="0"/>
-        </a:xfrm>
-      </p:grpSpPr>
-      <p:sp>
-        <p:nvSpPr>
-          <p:cNvPr id="3" name="Zástupný symbol pro obsah 2">
-            <a:extLst>
-              <a:ext uri="{FF2B5EF4-FFF2-40B4-BE49-F238E27FC236}">
-                <a16:creationId xmlns:a16="http://schemas.microsoft.com/office/drawing/2014/main" id="{13927C3F-51A0-416D-A51A-D02445C80240}"/>
-              </a:ext>
-            </a:extLst>
-          </p:cNvPr>
-          <p:cNvSpPr>
-            <a:spLocks noGrp="1"/>
-          </p:cNvSpPr>
-          <p:nvPr>
-            <p:ph idx="1"/>
-          </p:nvPr>
-        </p:nvSpPr>
-        <p:spPr>
-          <a:xfrm>
-            <a:off x="1141412" y="1954635"/>
-            <a:ext cx="9905999" cy="2189526"/>
-          </a:xfrm>
-        </p:spPr>
-        <p:txBody>
-          <a:bodyPr/>
-          <a:lstStyle/>
-          <a:p>
-            <a:r>
-              <a:rPr lang="cs-CZ" dirty="0"/>
-              <a:t>nedostupnost služby</a:t>
-            </a:r>
-          </a:p>
-          <a:p>
-            <a:r>
-              <a:rPr lang="cs-CZ" dirty="0"/>
-              <a:t>neoprávněný přístup útočníka k systému</a:t>
-            </a:r>
-          </a:p>
-          <a:p>
-            <a:r>
-              <a:rPr lang="cs-CZ" dirty="0"/>
-              <a:t>získání důvěrných informací</a:t>
-            </a:r>
-          </a:p>
-        </p:txBody>
-      </p:sp>
-    </p:spTree>
-    <p:extLst>
-      <p:ext uri="{BB962C8B-B14F-4D97-AF65-F5344CB8AC3E}">
-        <p14:creationId xmlns:p14="http://schemas.microsoft.com/office/powerpoint/2010/main" val="1160709770"/>
-      </p:ext>
-    </p:extLst>
-  </p:cSld>
-  <p:clrMapOvr>
-    <a:masterClrMapping/>
-  </p:clrMapOvr>
-</p:sld>
-</file>
-
-<file path=ppt/slides/slide3.xml><?xml version="1.0" encoding="utf-8"?>
-<p:sld xmlns:a="http://schemas.openxmlformats.org/drawingml/2006/main" xmlns:r="http://schemas.openxmlformats.org/officeDocument/2006/relationships" xmlns:p="http://schemas.openxmlformats.org/presentationml/2006/main">
-  <p:cSld>
-    <p:spTree>
-      <p:nvGrpSpPr>
-        <p:cNvPr id="1" name=""/>
-        <p:cNvGrpSpPr/>
-        <p:nvPr/>
-      </p:nvGrpSpPr>
-      <p:grpSpPr>
-        <a:xfrm>
-          <a:off x="0" y="0"/>
-          <a:ext cx="0" cy="0"/>
-          <a:chOff x="0" y="0"/>
-          <a:chExt cx="0" cy="0"/>
-        </a:xfrm>
-      </p:grpSpPr>
-      <p:sp>
-        <p:nvSpPr>
-          <p:cNvPr id="2" name="Nadpis 1">
-            <a:extLst>
-              <a:ext uri="{FF2B5EF4-FFF2-40B4-BE49-F238E27FC236}">
-                <a16:creationId xmlns:a16="http://schemas.microsoft.com/office/drawing/2014/main" id="{39B2ACE2-A02C-490F-9A27-462243241B1D}"/>
-              </a:ext>
-            </a:extLst>
-          </p:cNvPr>
-          <p:cNvSpPr>
-            <a:spLocks noGrp="1"/>
-          </p:cNvSpPr>
-          <p:nvPr>
-            <p:ph type="title"/>
-          </p:nvPr>
-        </p:nvSpPr>
-        <p:spPr/>
-        <p:txBody>
-          <a:bodyPr/>
-          <a:lstStyle/>
-          <a:p>
-            <a:r>
-              <a:rPr lang="cs-CZ" dirty="0"/>
-              <a:t>Hledání slabých míst</a:t>
-            </a:r>
-          </a:p>
-        </p:txBody>
-      </p:sp>
-      <p:sp>
-        <p:nvSpPr>
-          <p:cNvPr id="3" name="Zástupný symbol pro obsah 2">
-            <a:extLst>
-              <a:ext uri="{FF2B5EF4-FFF2-40B4-BE49-F238E27FC236}">
-                <a16:creationId xmlns:a16="http://schemas.microsoft.com/office/drawing/2014/main" id="{38FC00F1-C496-49C3-9AC6-8B2DBDEE34DA}"/>
-              </a:ext>
-            </a:extLst>
-          </p:cNvPr>
-          <p:cNvSpPr>
-            <a:spLocks noGrp="1"/>
-          </p:cNvSpPr>
-          <p:nvPr>
-            <p:ph idx="1"/>
-          </p:nvPr>
-        </p:nvSpPr>
-        <p:spPr/>
-        <p:txBody>
-          <a:bodyPr/>
-          <a:lstStyle/>
-          <a:p>
-            <a:r>
-              <a:rPr lang="cs-CZ" dirty="0"/>
-              <a:t>procházení otevřených portů a služeb v celém bloku IP adres</a:t>
-            </a:r>
-          </a:p>
-          <a:p>
-            <a:r>
-              <a:rPr lang="cs-CZ" dirty="0"/>
-              <a:t>zjištění typu operačního systému a aplikací, jejich verze, nainstalované záplaty</a:t>
-            </a:r>
-          </a:p>
-          <a:p>
-            <a:r>
-              <a:rPr lang="cs-CZ" dirty="0"/>
-              <a:t>zjištění nastavení, zabezpečení, autentizace aplikací nebo služeb</a:t>
-            </a:r>
-          </a:p>
-          <a:p>
-            <a:r>
-              <a:rPr lang="cs-CZ" dirty="0"/>
-              <a:t>hádání hesel hrubou silou</a:t>
-            </a:r>
-          </a:p>
-        </p:txBody>
-      </p:sp>
-    </p:spTree>
-    <p:extLst>
-      <p:ext uri="{BB962C8B-B14F-4D97-AF65-F5344CB8AC3E}">
-        <p14:creationId xmlns:p14="http://schemas.microsoft.com/office/powerpoint/2010/main" val="514744148"/>
-      </p:ext>
-    </p:extLst>
-  </p:cSld>
-  <p:clrMapOvr>
-    <a:masterClrMapping/>
-  </p:clrMapOvr>
-</p:sld>
-</file>
-
-<file path=ppt/slides/slide4.xml><?xml version="1.0" encoding="utf-8"?>
-<p:sld xmlns:a="http://schemas.openxmlformats.org/drawingml/2006/main" xmlns:r="http://schemas.openxmlformats.org/officeDocument/2006/relationships" xmlns:p="http://schemas.openxmlformats.org/presentationml/2006/main">
-  <p:cSld>
-    <p:spTree>
-      <p:nvGrpSpPr>
-        <p:cNvPr id="1" name=""/>
-        <p:cNvGrpSpPr/>
-        <p:nvPr/>
-      </p:nvGrpSpPr>
-      <p:grpSpPr>
-        <a:xfrm>
-          <a:off x="0" y="0"/>
-          <a:ext cx="0" cy="0"/>
-          <a:chOff x="0" y="0"/>
-          <a:chExt cx="0" cy="0"/>
-        </a:xfrm>
-      </p:grpSpPr>
-      <p:sp>
-        <p:nvSpPr>
-          <p:cNvPr id="2" name="Nadpis 1">
-            <a:extLst>
-              <a:ext uri="{FF2B5EF4-FFF2-40B4-BE49-F238E27FC236}">
-                <a16:creationId xmlns:a16="http://schemas.microsoft.com/office/drawing/2014/main" id="{BCD65CE6-4F49-4C2B-8662-17CDB4BFA314}"/>
-              </a:ext>
-            </a:extLst>
-          </p:cNvPr>
-          <p:cNvSpPr>
-            <a:spLocks noGrp="1"/>
-          </p:cNvSpPr>
-          <p:nvPr>
-            <p:ph type="title"/>
-          </p:nvPr>
-        </p:nvSpPr>
-        <p:spPr/>
-        <p:txBody>
-          <a:bodyPr/>
-          <a:lstStyle/>
-          <a:p>
-            <a:r>
-              <a:rPr lang="cs-CZ" dirty="0"/>
-              <a:t>Druhy testů</a:t>
-            </a:r>
-          </a:p>
-        </p:txBody>
-      </p:sp>
-      <p:sp>
-        <p:nvSpPr>
-          <p:cNvPr id="3" name="Zástupný symbol pro obsah 2">
-            <a:extLst>
-              <a:ext uri="{FF2B5EF4-FFF2-40B4-BE49-F238E27FC236}">
-                <a16:creationId xmlns:a16="http://schemas.microsoft.com/office/drawing/2014/main" id="{C678077D-6892-4D79-8977-E72CF47EA4FE}"/>
-              </a:ext>
-            </a:extLst>
-          </p:cNvPr>
-          <p:cNvSpPr>
-            <a:spLocks noGrp="1"/>
-          </p:cNvSpPr>
-          <p:nvPr>
-            <p:ph idx="1"/>
-          </p:nvPr>
-        </p:nvSpPr>
-        <p:spPr/>
-        <p:txBody>
-          <a:bodyPr/>
-          <a:lstStyle/>
-          <a:p>
-            <a:r>
-              <a:rPr lang="cs-CZ" dirty="0"/>
-              <a:t>Externí testy</a:t>
-            </a:r>
-          </a:p>
-          <a:p>
-            <a:r>
-              <a:rPr lang="cs-CZ" dirty="0"/>
-              <a:t>Interní testy</a:t>
-            </a:r>
-          </a:p>
-        </p:txBody>
-      </p:sp>
-    </p:spTree>
-    <p:extLst>
-      <p:ext uri="{BB962C8B-B14F-4D97-AF65-F5344CB8AC3E}">
-        <p14:creationId xmlns:p14="http://schemas.microsoft.com/office/powerpoint/2010/main" val="807523176"/>
-      </p:ext>
-    </p:extLst>
-  </p:cSld>
-  <p:clrMapOvr>
-    <a:masterClrMapping/>
-  </p:clrMapOvr>
-</p:sld>
-</file>
-
-<file path=ppt/slides/slide5.xml><?xml version="1.0" encoding="utf-8"?>
-<p:sld xmlns:a="http://schemas.openxmlformats.org/drawingml/2006/main" xmlns:r="http://schemas.openxmlformats.org/officeDocument/2006/relationships" xmlns:p="http://schemas.openxmlformats.org/presentationml/2006/main">
-  <p:cSld>
-    <p:spTree>
-      <p:nvGrpSpPr>
-        <p:cNvPr id="1" name=""/>
-        <p:cNvGrpSpPr/>
-        <p:nvPr/>
-      </p:nvGrpSpPr>
-      <p:grpSpPr>
-        <a:xfrm>
-          <a:off x="0" y="0"/>
-          <a:ext cx="0" cy="0"/>
-          <a:chOff x="0" y="0"/>
-          <a:chExt cx="0" cy="0"/>
-        </a:xfrm>
-      </p:grpSpPr>
-      <p:sp>
-        <p:nvSpPr>
-          <p:cNvPr id="2" name="Nadpis 1">
-            <a:extLst>
-              <a:ext uri="{FF2B5EF4-FFF2-40B4-BE49-F238E27FC236}">
-                <a16:creationId xmlns:a16="http://schemas.microsoft.com/office/drawing/2014/main" id="{9F9518DC-1E86-4830-AC11-B4A4F819B290}"/>
-              </a:ext>
-            </a:extLst>
-          </p:cNvPr>
-          <p:cNvSpPr>
-            <a:spLocks noGrp="1"/>
-          </p:cNvSpPr>
-          <p:nvPr>
-            <p:ph type="title"/>
-          </p:nvPr>
-        </p:nvSpPr>
-        <p:spPr/>
-        <p:txBody>
-          <a:bodyPr/>
-          <a:lstStyle/>
-          <a:p>
-            <a:endParaRPr lang="cs-CZ"/>
-          </a:p>
-        </p:txBody>
-      </p:sp>
-      <p:sp>
-        <p:nvSpPr>
-          <p:cNvPr id="3" name="Zástupný symbol pro obsah 2">
-            <a:extLst>
-              <a:ext uri="{FF2B5EF4-FFF2-40B4-BE49-F238E27FC236}">
-                <a16:creationId xmlns:a16="http://schemas.microsoft.com/office/drawing/2014/main" id="{7C9A600F-3278-461C-A72E-6CC39D8A1B50}"/>
-              </a:ext>
-            </a:extLst>
-          </p:cNvPr>
-          <p:cNvSpPr>
-            <a:spLocks noGrp="1"/>
-          </p:cNvSpPr>
-          <p:nvPr>
-            <p:ph idx="1"/>
-          </p:nvPr>
-        </p:nvSpPr>
-        <p:spPr/>
-        <p:txBody>
-          <a:bodyPr/>
-          <a:lstStyle/>
-          <a:p>
-            <a:pPr marL="0" indent="0">
-              <a:buNone/>
-            </a:pPr>
-            <a:r>
-              <a:rPr lang="cs-CZ" dirty="0"/>
-              <a:t>Podle úrovně znalostí o systému</a:t>
-            </a:r>
-          </a:p>
-          <a:p>
-            <a:r>
-              <a:rPr lang="cs-CZ" dirty="0"/>
-              <a:t>Black-box testy</a:t>
-            </a:r>
-          </a:p>
-          <a:p>
-            <a:r>
-              <a:rPr lang="cs-CZ" dirty="0" err="1"/>
-              <a:t>White</a:t>
-            </a:r>
-            <a:r>
-              <a:rPr lang="cs-CZ" dirty="0"/>
-              <a:t>-box testy</a:t>
-            </a:r>
-          </a:p>
-          <a:p>
-            <a:r>
-              <a:rPr lang="cs-CZ" dirty="0" err="1"/>
-              <a:t>Grey</a:t>
-            </a:r>
-            <a:r>
-              <a:rPr lang="cs-CZ" dirty="0"/>
-              <a:t>-box testy </a:t>
-            </a:r>
-          </a:p>
-        </p:txBody>
-      </p:sp>
-    </p:spTree>
-    <p:extLst>
-      <p:ext uri="{BB962C8B-B14F-4D97-AF65-F5344CB8AC3E}">
-        <p14:creationId xmlns:p14="http://schemas.microsoft.com/office/powerpoint/2010/main" val="3915082026"/>
-      </p:ext>
-    </p:extLst>
-  </p:cSld>
-  <p:clrMapOvr>
-    <a:masterClrMapping/>
-  </p:clrMapOvr>
-</p:sld>
-</file>
-
-<file path=ppt/slides/slide6.xml><?xml version="1.0" encoding="utf-8"?>
-<p:sld xmlns:a="http://schemas.openxmlformats.org/drawingml/2006/main" xmlns:r="http://schemas.openxmlformats.org/officeDocument/2006/relationships" xmlns:p="http://schemas.openxmlformats.org/presentationml/2006/main">
-  <p:cSld>
-    <p:spTree>
-      <p:nvGrpSpPr>
-        <p:cNvPr id="1" name=""/>
-        <p:cNvGrpSpPr/>
-        <p:nvPr/>
-      </p:nvGrpSpPr>
-      <p:grpSpPr>
-        <a:xfrm>
-          <a:off x="0" y="0"/>
-          <a:ext cx="0" cy="0"/>
-          <a:chOff x="0" y="0"/>
-          <a:chExt cx="0" cy="0"/>
-        </a:xfrm>
-      </p:grpSpPr>
-      <p:sp>
-        <p:nvSpPr>
-          <p:cNvPr id="2" name="Nadpis 1">
-            <a:extLst>
-              <a:ext uri="{FF2B5EF4-FFF2-40B4-BE49-F238E27FC236}">
-                <a16:creationId xmlns:a16="http://schemas.microsoft.com/office/drawing/2014/main" id="{B77BF348-26DF-4F6A-A896-53F8A2C5735C}"/>
-              </a:ext>
-            </a:extLst>
-          </p:cNvPr>
-          <p:cNvSpPr>
-            <a:spLocks noGrp="1"/>
-          </p:cNvSpPr>
-          <p:nvPr>
-            <p:ph type="title"/>
-          </p:nvPr>
-        </p:nvSpPr>
-        <p:spPr/>
-        <p:txBody>
-          <a:bodyPr/>
-          <a:lstStyle/>
-          <a:p>
-            <a:endParaRPr lang="cs-CZ"/>
-          </a:p>
-        </p:txBody>
-      </p:sp>
-      <p:sp>
-        <p:nvSpPr>
-          <p:cNvPr id="3" name="Zástupný symbol pro obsah 2">
-            <a:extLst>
-              <a:ext uri="{FF2B5EF4-FFF2-40B4-BE49-F238E27FC236}">
-                <a16:creationId xmlns:a16="http://schemas.microsoft.com/office/drawing/2014/main" id="{8341356F-2B49-4181-8A84-97FB7365CFAA}"/>
-              </a:ext>
-            </a:extLst>
-          </p:cNvPr>
-          <p:cNvSpPr>
-            <a:spLocks noGrp="1"/>
-          </p:cNvSpPr>
-          <p:nvPr>
-            <p:ph idx="1"/>
-          </p:nvPr>
-        </p:nvSpPr>
-        <p:spPr/>
-        <p:txBody>
-          <a:bodyPr/>
-          <a:lstStyle/>
-          <a:p>
-            <a:pPr marL="0" indent="0">
-              <a:buNone/>
-            </a:pPr>
-            <a:r>
-              <a:rPr lang="cs-CZ" b="1" dirty="0"/>
-              <a:t>Podle způsobu provedení</a:t>
-            </a:r>
-          </a:p>
-          <a:p>
-            <a:r>
-              <a:rPr lang="cs-CZ" dirty="0"/>
-              <a:t>Manuální testy</a:t>
-            </a:r>
-          </a:p>
-          <a:p>
-            <a:r>
-              <a:rPr lang="cs-CZ" dirty="0"/>
-              <a:t>Automatizované testy</a:t>
-            </a:r>
-          </a:p>
-          <a:p>
-            <a:r>
-              <a:rPr lang="cs-CZ" dirty="0" err="1"/>
-              <a:t>Semiautomatizované</a:t>
-            </a:r>
-            <a:r>
-              <a:rPr lang="cs-CZ" dirty="0"/>
-              <a:t> testy</a:t>
-            </a:r>
-          </a:p>
-        </p:txBody>
-      </p:sp>
-    </p:spTree>
-    <p:extLst>
-      <p:ext uri="{BB962C8B-B14F-4D97-AF65-F5344CB8AC3E}">
-        <p14:creationId xmlns:p14="http://schemas.microsoft.com/office/powerpoint/2010/main" val="2647271206"/>
-      </p:ext>
-    </p:extLst>
-  </p:cSld>
-  <p:clrMapOvr>
-    <a:masterClrMapping/>
-  </p:clrMapOvr>
-</p:sld>
-</file>
-
-<file path=ppt/slides/slide7.xml><?xml version="1.0" encoding="utf-8"?>
 <p:sld xmlns:a="http://schemas.openxmlformats.org/drawingml/2006/main" xmlns:r="http://schemas.openxmlformats.org/officeDocument/2006/relationships" xmlns:p="http://schemas.openxmlformats.org/presentationml/2006/main">
   <p:cSld>
     <p:spTree>
@@ -14014,7 +15756,7 @@
 </p:sld>
 </file>
 
-<file path=ppt/slides/slide8.xml><?xml version="1.0" encoding="utf-8"?>
+<file path=ppt/slides/slide13.xml><?xml version="1.0" encoding="utf-8"?>
 <p:sld xmlns:a="http://schemas.openxmlformats.org/drawingml/2006/main" xmlns:r="http://schemas.openxmlformats.org/officeDocument/2006/relationships" xmlns:p="http://schemas.openxmlformats.org/presentationml/2006/main">
   <p:cSld>
     <p:spTree>
@@ -14261,7 +16003,7 @@
 </p:sld>
 </file>
 
-<file path=ppt/slides/slide9.xml><?xml version="1.0" encoding="utf-8"?>
+<file path=ppt/slides/slide14.xml><?xml version="1.0" encoding="utf-8"?>
 <p:sld xmlns:a="http://schemas.openxmlformats.org/drawingml/2006/main" xmlns:r="http://schemas.openxmlformats.org/officeDocument/2006/relationships" xmlns:p="http://schemas.openxmlformats.org/presentationml/2006/main">
   <p:cSld>
     <p:spTree>
@@ -14425,6 +16167,1393 @@
     <p:extLst>
       <p:ext uri="{BB962C8B-B14F-4D97-AF65-F5344CB8AC3E}">
         <p14:creationId xmlns:p14="http://schemas.microsoft.com/office/powerpoint/2010/main" val="470683707"/>
+      </p:ext>
+    </p:extLst>
+  </p:cSld>
+  <p:clrMapOvr>
+    <a:masterClrMapping/>
+  </p:clrMapOvr>
+</p:sld>
+</file>
+
+<file path=ppt/slides/slide15.xml><?xml version="1.0" encoding="utf-8"?>
+<p:sld xmlns:a="http://schemas.openxmlformats.org/drawingml/2006/main" xmlns:r="http://schemas.openxmlformats.org/officeDocument/2006/relationships" xmlns:p="http://schemas.openxmlformats.org/presentationml/2006/main">
+  <p:cSld>
+    <p:spTree>
+      <p:nvGrpSpPr>
+        <p:cNvPr id="1" name=""/>
+        <p:cNvGrpSpPr/>
+        <p:nvPr/>
+      </p:nvGrpSpPr>
+      <p:grpSpPr>
+        <a:xfrm>
+          <a:off x="0" y="0"/>
+          <a:ext cx="0" cy="0"/>
+          <a:chOff x="0" y="0"/>
+          <a:chExt cx="0" cy="0"/>
+        </a:xfrm>
+      </p:grpSpPr>
+      <p:sp>
+        <p:nvSpPr>
+          <p:cNvPr id="2" name="Nadpis 1">
+            <a:extLst>
+              <a:ext uri="{FF2B5EF4-FFF2-40B4-BE49-F238E27FC236}">
+                <a16:creationId xmlns:a16="http://schemas.microsoft.com/office/drawing/2014/main" id="{003D0CAA-358E-43AA-8784-148B7221311A}"/>
+              </a:ext>
+            </a:extLst>
+          </p:cNvPr>
+          <p:cNvSpPr>
+            <a:spLocks noGrp="1"/>
+          </p:cNvSpPr>
+          <p:nvPr>
+            <p:ph type="title"/>
+          </p:nvPr>
+        </p:nvSpPr>
+        <p:spPr/>
+        <p:txBody>
+          <a:bodyPr/>
+          <a:lstStyle/>
+          <a:p>
+            <a:r>
+              <a:rPr lang="cs-CZ" dirty="0"/>
+              <a:t>Nástroje specializované na zneužívání zranitelností</a:t>
+            </a:r>
+          </a:p>
+        </p:txBody>
+      </p:sp>
+      <p:sp>
+        <p:nvSpPr>
+          <p:cNvPr id="3" name="Zástupný symbol pro obsah 2">
+            <a:extLst>
+              <a:ext uri="{FF2B5EF4-FFF2-40B4-BE49-F238E27FC236}">
+                <a16:creationId xmlns:a16="http://schemas.microsoft.com/office/drawing/2014/main" id="{02BBA61B-4C84-42A3-822C-2EA0C5009BD4}"/>
+              </a:ext>
+            </a:extLst>
+          </p:cNvPr>
+          <p:cNvSpPr>
+            <a:spLocks noGrp="1"/>
+          </p:cNvSpPr>
+          <p:nvPr>
+            <p:ph idx="1"/>
+          </p:nvPr>
+        </p:nvSpPr>
+        <p:spPr/>
+        <p:txBody>
+          <a:bodyPr/>
+          <a:lstStyle/>
+          <a:p>
+            <a:r>
+              <a:rPr lang="en-US" dirty="0"/>
+              <a:t>Metasploit (http://www.metasploit.com)</a:t>
+            </a:r>
+            <a:endParaRPr lang="cs-CZ" dirty="0"/>
+          </a:p>
+          <a:p>
+            <a:r>
+              <a:rPr lang="en-US" dirty="0"/>
+              <a:t>Core Impact Pro (http://www.coresecurity.com/)</a:t>
+            </a:r>
+            <a:endParaRPr lang="cs-CZ" dirty="0"/>
+          </a:p>
+          <a:p>
+            <a:r>
+              <a:rPr lang="en-US" dirty="0"/>
+              <a:t>Immunity CANVAS (http://www.immunityinc.com/)</a:t>
+            </a:r>
+            <a:endParaRPr lang="cs-CZ" dirty="0"/>
+          </a:p>
+        </p:txBody>
+      </p:sp>
+    </p:spTree>
+    <p:extLst>
+      <p:ext uri="{BB962C8B-B14F-4D97-AF65-F5344CB8AC3E}">
+        <p14:creationId xmlns:p14="http://schemas.microsoft.com/office/powerpoint/2010/main" val="2631289902"/>
+      </p:ext>
+    </p:extLst>
+  </p:cSld>
+  <p:clrMapOvr>
+    <a:masterClrMapping/>
+  </p:clrMapOvr>
+</p:sld>
+</file>
+
+<file path=ppt/slides/slide16.xml><?xml version="1.0" encoding="utf-8"?>
+<p:sld xmlns:a="http://schemas.openxmlformats.org/drawingml/2006/main" xmlns:r="http://schemas.openxmlformats.org/officeDocument/2006/relationships" xmlns:p="http://schemas.openxmlformats.org/presentationml/2006/main">
+  <p:cSld>
+    <p:spTree>
+      <p:nvGrpSpPr>
+        <p:cNvPr id="1" name=""/>
+        <p:cNvGrpSpPr/>
+        <p:nvPr/>
+      </p:nvGrpSpPr>
+      <p:grpSpPr>
+        <a:xfrm>
+          <a:off x="0" y="0"/>
+          <a:ext cx="0" cy="0"/>
+          <a:chOff x="0" y="0"/>
+          <a:chExt cx="0" cy="0"/>
+        </a:xfrm>
+      </p:grpSpPr>
+      <p:sp>
+        <p:nvSpPr>
+          <p:cNvPr id="2" name="Nadpis 1">
+            <a:extLst>
+              <a:ext uri="{FF2B5EF4-FFF2-40B4-BE49-F238E27FC236}">
+                <a16:creationId xmlns:a16="http://schemas.microsoft.com/office/drawing/2014/main" id="{E5218399-5E6B-4F4D-A4B8-7A0E2A2B6D3D}"/>
+              </a:ext>
+            </a:extLst>
+          </p:cNvPr>
+          <p:cNvSpPr>
+            <a:spLocks noGrp="1"/>
+          </p:cNvSpPr>
+          <p:nvPr>
+            <p:ph type="title"/>
+          </p:nvPr>
+        </p:nvSpPr>
+        <p:spPr/>
+        <p:txBody>
+          <a:bodyPr/>
+          <a:lstStyle/>
+          <a:p>
+            <a:r>
+              <a:rPr lang="cs-CZ" dirty="0"/>
+              <a:t>Nástroje specializované na testování webových aplikací</a:t>
+            </a:r>
+          </a:p>
+        </p:txBody>
+      </p:sp>
+      <p:sp>
+        <p:nvSpPr>
+          <p:cNvPr id="3" name="Zástupný symbol pro obsah 2">
+            <a:extLst>
+              <a:ext uri="{FF2B5EF4-FFF2-40B4-BE49-F238E27FC236}">
+                <a16:creationId xmlns:a16="http://schemas.microsoft.com/office/drawing/2014/main" id="{55BC670D-761E-42C7-AE3F-EC5A04B6BA94}"/>
+              </a:ext>
+            </a:extLst>
+          </p:cNvPr>
+          <p:cNvSpPr>
+            <a:spLocks noGrp="1"/>
+          </p:cNvSpPr>
+          <p:nvPr>
+            <p:ph idx="1"/>
+          </p:nvPr>
+        </p:nvSpPr>
+        <p:spPr/>
+        <p:txBody>
+          <a:bodyPr/>
+          <a:lstStyle/>
+          <a:p>
+            <a:r>
+              <a:rPr lang="cs-CZ" dirty="0"/>
+              <a:t>OWASP WTE (https://www.owasp.org) </a:t>
+            </a:r>
+          </a:p>
+          <a:p>
+            <a:r>
+              <a:rPr lang="cs-CZ" dirty="0" err="1"/>
+              <a:t>Acunetix</a:t>
+            </a:r>
+            <a:r>
+              <a:rPr lang="cs-CZ" dirty="0"/>
+              <a:t> (</a:t>
+            </a:r>
+            <a:r>
+              <a:rPr lang="cs-CZ" dirty="0">
+                <a:hlinkClick r:id="rId2"/>
+              </a:rPr>
+              <a:t>www.acunetix.com</a:t>
+            </a:r>
+            <a:r>
+              <a:rPr lang="cs-CZ" dirty="0"/>
+              <a:t>)</a:t>
+            </a:r>
+          </a:p>
+          <a:p>
+            <a:r>
+              <a:rPr lang="cs-CZ" dirty="0" err="1"/>
+              <a:t>Samurai</a:t>
+            </a:r>
+            <a:r>
+              <a:rPr lang="cs-CZ" dirty="0"/>
+              <a:t> web testing framework (http://samurai.inguardians.com)</a:t>
+            </a:r>
+          </a:p>
+          <a:p>
+            <a:r>
+              <a:rPr lang="cs-CZ" dirty="0"/>
+              <a:t>w3af (http://w3af.org).</a:t>
+            </a:r>
+          </a:p>
+        </p:txBody>
+      </p:sp>
+    </p:spTree>
+    <p:extLst>
+      <p:ext uri="{BB962C8B-B14F-4D97-AF65-F5344CB8AC3E}">
+        <p14:creationId xmlns:p14="http://schemas.microsoft.com/office/powerpoint/2010/main" val="634672255"/>
+      </p:ext>
+    </p:extLst>
+  </p:cSld>
+  <p:clrMapOvr>
+    <a:masterClrMapping/>
+  </p:clrMapOvr>
+</p:sld>
+</file>
+
+<file path=ppt/slides/slide17.xml><?xml version="1.0" encoding="utf-8"?>
+<p:sld xmlns:a="http://schemas.openxmlformats.org/drawingml/2006/main" xmlns:r="http://schemas.openxmlformats.org/officeDocument/2006/relationships" xmlns:p="http://schemas.openxmlformats.org/presentationml/2006/main">
+  <p:cSld>
+    <p:spTree>
+      <p:nvGrpSpPr>
+        <p:cNvPr id="1" name=""/>
+        <p:cNvGrpSpPr/>
+        <p:nvPr/>
+      </p:nvGrpSpPr>
+      <p:grpSpPr>
+        <a:xfrm>
+          <a:off x="0" y="0"/>
+          <a:ext cx="0" cy="0"/>
+          <a:chOff x="0" y="0"/>
+          <a:chExt cx="0" cy="0"/>
+        </a:xfrm>
+      </p:grpSpPr>
+      <p:sp>
+        <p:nvSpPr>
+          <p:cNvPr id="2" name="Nadpis 1">
+            <a:extLst>
+              <a:ext uri="{FF2B5EF4-FFF2-40B4-BE49-F238E27FC236}">
+                <a16:creationId xmlns:a16="http://schemas.microsoft.com/office/drawing/2014/main" id="{E13DDB5D-F5C0-4E72-8229-94381DD3FC96}"/>
+              </a:ext>
+            </a:extLst>
+          </p:cNvPr>
+          <p:cNvSpPr>
+            <a:spLocks noGrp="1"/>
+          </p:cNvSpPr>
+          <p:nvPr>
+            <p:ph type="title"/>
+          </p:nvPr>
+        </p:nvSpPr>
+        <p:spPr/>
+        <p:txBody>
+          <a:bodyPr/>
+          <a:lstStyle/>
+          <a:p>
+            <a:r>
+              <a:rPr lang="cs-CZ" dirty="0"/>
+              <a:t>další</a:t>
+            </a:r>
+          </a:p>
+        </p:txBody>
+      </p:sp>
+      <p:sp>
+        <p:nvSpPr>
+          <p:cNvPr id="3" name="Zástupný symbol pro obsah 2">
+            <a:extLst>
+              <a:ext uri="{FF2B5EF4-FFF2-40B4-BE49-F238E27FC236}">
+                <a16:creationId xmlns:a16="http://schemas.microsoft.com/office/drawing/2014/main" id="{0B01413E-1A41-4F35-BF42-77E35BEB7123}"/>
+              </a:ext>
+            </a:extLst>
+          </p:cNvPr>
+          <p:cNvSpPr>
+            <a:spLocks noGrp="1"/>
+          </p:cNvSpPr>
+          <p:nvPr>
+            <p:ph idx="1"/>
+          </p:nvPr>
+        </p:nvSpPr>
+        <p:spPr/>
+        <p:txBody>
+          <a:bodyPr/>
+          <a:lstStyle/>
+          <a:p>
+            <a:r>
+              <a:rPr lang="cs-CZ" dirty="0"/>
+              <a:t>OSWA-</a:t>
+            </a:r>
+            <a:r>
+              <a:rPr lang="cs-CZ" dirty="0" err="1"/>
+              <a:t>Assistant</a:t>
+            </a:r>
+            <a:endParaRPr lang="cs-CZ" dirty="0"/>
+          </a:p>
+          <a:p>
+            <a:r>
+              <a:rPr lang="cs-CZ" dirty="0" err="1"/>
+              <a:t>CISOfy</a:t>
+            </a:r>
+            <a:r>
+              <a:rPr lang="cs-CZ" dirty="0"/>
+              <a:t> </a:t>
+            </a:r>
+            <a:r>
+              <a:rPr lang="cs-CZ" dirty="0" err="1"/>
+              <a:t>Lynis</a:t>
+            </a:r>
+            <a:endParaRPr lang="cs-CZ" dirty="0"/>
+          </a:p>
+          <a:p>
+            <a:r>
+              <a:rPr lang="en-US" dirty="0"/>
+              <a:t>Microsoft Baseline Security Analyzer </a:t>
+            </a:r>
+            <a:endParaRPr lang="cs-CZ" dirty="0"/>
+          </a:p>
+        </p:txBody>
+      </p:sp>
+      <p:pic>
+        <p:nvPicPr>
+          <p:cNvPr id="4" name="Obrázek 3">
+            <a:extLst>
+              <a:ext uri="{FF2B5EF4-FFF2-40B4-BE49-F238E27FC236}">
+                <a16:creationId xmlns:a16="http://schemas.microsoft.com/office/drawing/2014/main" id="{B0159ABC-1DEE-441B-8A1D-6E0C1A2880CF}"/>
+              </a:ext>
+            </a:extLst>
+          </p:cNvPr>
+          <p:cNvPicPr>
+            <a:picLocks noChangeAspect="1"/>
+          </p:cNvPicPr>
+          <p:nvPr/>
+        </p:nvPicPr>
+        <p:blipFill>
+          <a:blip r:embed="rId2"/>
+          <a:stretch>
+            <a:fillRect/>
+          </a:stretch>
+        </p:blipFill>
+        <p:spPr>
+          <a:xfrm>
+            <a:off x="1480813" y="0"/>
+            <a:ext cx="9230373" cy="6858000"/>
+          </a:xfrm>
+          <a:prstGeom prst="rect">
+            <a:avLst/>
+          </a:prstGeom>
+        </p:spPr>
+      </p:pic>
+    </p:spTree>
+    <p:extLst>
+      <p:ext uri="{BB962C8B-B14F-4D97-AF65-F5344CB8AC3E}">
+        <p14:creationId xmlns:p14="http://schemas.microsoft.com/office/powerpoint/2010/main" val="2017416620"/>
+      </p:ext>
+    </p:extLst>
+  </p:cSld>
+  <p:clrMapOvr>
+    <a:masterClrMapping/>
+  </p:clrMapOvr>
+</p:sld>
+</file>
+
+<file path=ppt/slides/slide18.xml><?xml version="1.0" encoding="utf-8"?>
+<p:sld xmlns:a="http://schemas.openxmlformats.org/drawingml/2006/main" xmlns:r="http://schemas.openxmlformats.org/officeDocument/2006/relationships" xmlns:p="http://schemas.openxmlformats.org/presentationml/2006/main">
+  <p:cSld>
+    <p:spTree>
+      <p:nvGrpSpPr>
+        <p:cNvPr id="1" name=""/>
+        <p:cNvGrpSpPr/>
+        <p:nvPr/>
+      </p:nvGrpSpPr>
+      <p:grpSpPr>
+        <a:xfrm>
+          <a:off x="0" y="0"/>
+          <a:ext cx="0" cy="0"/>
+          <a:chOff x="0" y="0"/>
+          <a:chExt cx="0" cy="0"/>
+        </a:xfrm>
+      </p:grpSpPr>
+      <p:sp>
+        <p:nvSpPr>
+          <p:cNvPr id="2" name="Nadpis 1">
+            <a:extLst>
+              <a:ext uri="{FF2B5EF4-FFF2-40B4-BE49-F238E27FC236}">
+                <a16:creationId xmlns:a16="http://schemas.microsoft.com/office/drawing/2014/main" id="{B4AE40F8-716E-4D74-9650-B77BE30EA92E}"/>
+              </a:ext>
+            </a:extLst>
+          </p:cNvPr>
+          <p:cNvSpPr>
+            <a:spLocks noGrp="1"/>
+          </p:cNvSpPr>
+          <p:nvPr>
+            <p:ph type="title"/>
+          </p:nvPr>
+        </p:nvSpPr>
+        <p:spPr/>
+        <p:txBody>
+          <a:bodyPr/>
+          <a:lstStyle/>
+          <a:p>
+            <a:endParaRPr lang="cs-CZ" dirty="0"/>
+          </a:p>
+        </p:txBody>
+      </p:sp>
+      <p:sp>
+        <p:nvSpPr>
+          <p:cNvPr id="5" name="Zástupný symbol pro obsah 4">
+            <a:extLst>
+              <a:ext uri="{FF2B5EF4-FFF2-40B4-BE49-F238E27FC236}">
+                <a16:creationId xmlns:a16="http://schemas.microsoft.com/office/drawing/2014/main" id="{9D53BB52-4A0A-49F3-8955-9BE01F6C6DC9}"/>
+              </a:ext>
+            </a:extLst>
+          </p:cNvPr>
+          <p:cNvSpPr>
+            <a:spLocks noGrp="1"/>
+          </p:cNvSpPr>
+          <p:nvPr>
+            <p:ph idx="1"/>
+          </p:nvPr>
+        </p:nvSpPr>
+        <p:spPr/>
+        <p:txBody>
+          <a:bodyPr/>
+          <a:lstStyle/>
+          <a:p>
+            <a:endParaRPr lang="cs-CZ"/>
+          </a:p>
+        </p:txBody>
+      </p:sp>
+    </p:spTree>
+    <p:extLst>
+      <p:ext uri="{BB962C8B-B14F-4D97-AF65-F5344CB8AC3E}">
+        <p14:creationId xmlns:p14="http://schemas.microsoft.com/office/powerpoint/2010/main" val="1540232710"/>
+      </p:ext>
+    </p:extLst>
+  </p:cSld>
+  <p:clrMapOvr>
+    <a:masterClrMapping/>
+  </p:clrMapOvr>
+</p:sld>
+</file>
+
+<file path=ppt/slides/slide19.xml><?xml version="1.0" encoding="utf-8"?>
+<p:sld xmlns:a="http://schemas.openxmlformats.org/drawingml/2006/main" xmlns:r="http://schemas.openxmlformats.org/officeDocument/2006/relationships" xmlns:p="http://schemas.openxmlformats.org/presentationml/2006/main">
+  <p:cSld>
+    <p:spTree>
+      <p:nvGrpSpPr>
+        <p:cNvPr id="1" name=""/>
+        <p:cNvGrpSpPr/>
+        <p:nvPr/>
+      </p:nvGrpSpPr>
+      <p:grpSpPr>
+        <a:xfrm>
+          <a:off x="0" y="0"/>
+          <a:ext cx="0" cy="0"/>
+          <a:chOff x="0" y="0"/>
+          <a:chExt cx="0" cy="0"/>
+        </a:xfrm>
+      </p:grpSpPr>
+      <p:sp>
+        <p:nvSpPr>
+          <p:cNvPr id="2" name="Nadpis 1"/>
+          <p:cNvSpPr>
+            <a:spLocks noGrp="1"/>
+          </p:cNvSpPr>
+          <p:nvPr>
+            <p:ph type="title"/>
+          </p:nvPr>
+        </p:nvSpPr>
+        <p:spPr/>
+        <p:txBody>
+          <a:bodyPr/>
+          <a:lstStyle/>
+          <a:p>
+            <a:endParaRPr lang="cs-CZ"/>
+          </a:p>
+        </p:txBody>
+      </p:sp>
+      <p:pic>
+        <p:nvPicPr>
+          <p:cNvPr id="4" name="b7jW9X9UqiY"/>
+          <p:cNvPicPr>
+            <a:picLocks noGrp="1" noRot="1" noChangeAspect="1"/>
+          </p:cNvPicPr>
+          <p:nvPr>
+            <p:ph idx="1"/>
+            <a:videoFile r:link="rId1"/>
+          </p:nvPr>
+        </p:nvPicPr>
+        <p:blipFill>
+          <a:blip r:embed="rId3"/>
+          <a:stretch>
+            <a:fillRect/>
+          </a:stretch>
+        </p:blipFill>
+        <p:spPr>
+          <a:xfrm>
+            <a:off x="994401" y="423949"/>
+            <a:ext cx="10402348" cy="5851321"/>
+          </a:xfrm>
+          <a:prstGeom prst="rect">
+            <a:avLst/>
+          </a:prstGeom>
+        </p:spPr>
+      </p:pic>
+    </p:spTree>
+    <p:extLst>
+      <p:ext uri="{BB962C8B-B14F-4D97-AF65-F5344CB8AC3E}">
+        <p14:creationId xmlns:p14="http://schemas.microsoft.com/office/powerpoint/2010/main" val="307673526"/>
+      </p:ext>
+    </p:extLst>
+  </p:cSld>
+  <p:clrMapOvr>
+    <a:masterClrMapping/>
+  </p:clrMapOvr>
+</p:sld>
+</file>
+
+<file path=ppt/slides/slide2.xml><?xml version="1.0" encoding="utf-8"?>
+<p:sld xmlns:a="http://schemas.openxmlformats.org/drawingml/2006/main" xmlns:r="http://schemas.openxmlformats.org/officeDocument/2006/relationships" xmlns:p="http://schemas.openxmlformats.org/presentationml/2006/main">
+  <p:cSld>
+    <p:spTree>
+      <p:nvGrpSpPr>
+        <p:cNvPr id="1" name=""/>
+        <p:cNvGrpSpPr/>
+        <p:nvPr/>
+      </p:nvGrpSpPr>
+      <p:grpSpPr>
+        <a:xfrm>
+          <a:off x="0" y="0"/>
+          <a:ext cx="0" cy="0"/>
+          <a:chOff x="0" y="0"/>
+          <a:chExt cx="0" cy="0"/>
+        </a:xfrm>
+      </p:grpSpPr>
+      <p:sp>
+        <p:nvSpPr>
+          <p:cNvPr id="3" name="Zástupný symbol pro obsah 2">
+            <a:extLst>
+              <a:ext uri="{FF2B5EF4-FFF2-40B4-BE49-F238E27FC236}">
+                <a16:creationId xmlns:a16="http://schemas.microsoft.com/office/drawing/2014/main" id="{13927C3F-51A0-416D-A51A-D02445C80240}"/>
+              </a:ext>
+            </a:extLst>
+          </p:cNvPr>
+          <p:cNvSpPr>
+            <a:spLocks noGrp="1"/>
+          </p:cNvSpPr>
+          <p:nvPr>
+            <p:ph idx="1"/>
+          </p:nvPr>
+        </p:nvSpPr>
+        <p:spPr>
+          <a:xfrm>
+            <a:off x="1141412" y="1954635"/>
+            <a:ext cx="9905999" cy="2189526"/>
+          </a:xfrm>
+        </p:spPr>
+        <p:txBody>
+          <a:bodyPr/>
+          <a:lstStyle/>
+          <a:p>
+            <a:r>
+              <a:rPr lang="cs-CZ" dirty="0"/>
+              <a:t>nedostupnost služby</a:t>
+            </a:r>
+          </a:p>
+          <a:p>
+            <a:r>
+              <a:rPr lang="cs-CZ" dirty="0"/>
+              <a:t>neoprávněný přístup útočníka k systému</a:t>
+            </a:r>
+          </a:p>
+          <a:p>
+            <a:r>
+              <a:rPr lang="cs-CZ" dirty="0"/>
+              <a:t>získání důvěrných informací</a:t>
+            </a:r>
+          </a:p>
+        </p:txBody>
+      </p:sp>
+      <p:sp>
+        <p:nvSpPr>
+          <p:cNvPr id="4" name="Nadpis 1">
+            <a:extLst>
+              <a:ext uri="{FF2B5EF4-FFF2-40B4-BE49-F238E27FC236}">
+                <a16:creationId xmlns:a16="http://schemas.microsoft.com/office/drawing/2014/main" id="{08E3A9A6-748B-4C5B-8A10-0385A97F79AC}"/>
+              </a:ext>
+            </a:extLst>
+          </p:cNvPr>
+          <p:cNvSpPr>
+            <a:spLocks noGrp="1"/>
+          </p:cNvSpPr>
+          <p:nvPr>
+            <p:ph type="title"/>
+          </p:nvPr>
+        </p:nvSpPr>
+        <p:spPr>
+          <a:xfrm>
+            <a:off x="1141413" y="618518"/>
+            <a:ext cx="9905998" cy="1478570"/>
+          </a:xfrm>
+        </p:spPr>
+        <p:txBody>
+          <a:bodyPr/>
+          <a:lstStyle/>
+          <a:p>
+            <a:r>
+              <a:rPr lang="cs-CZ" dirty="0"/>
+              <a:t>Hledání slabých míst</a:t>
+            </a:r>
+          </a:p>
+        </p:txBody>
+      </p:sp>
+    </p:spTree>
+    <p:extLst>
+      <p:ext uri="{BB962C8B-B14F-4D97-AF65-F5344CB8AC3E}">
+        <p14:creationId xmlns:p14="http://schemas.microsoft.com/office/powerpoint/2010/main" val="1160709770"/>
+      </p:ext>
+    </p:extLst>
+  </p:cSld>
+  <p:clrMapOvr>
+    <a:masterClrMapping/>
+  </p:clrMapOvr>
+</p:sld>
+</file>
+
+<file path=ppt/slides/slide20.xml><?xml version="1.0" encoding="utf-8"?>
+<p:sld xmlns:a="http://schemas.openxmlformats.org/drawingml/2006/main" xmlns:r="http://schemas.openxmlformats.org/officeDocument/2006/relationships" xmlns:p="http://schemas.openxmlformats.org/presentationml/2006/main">
+  <p:cSld>
+    <p:spTree>
+      <p:nvGrpSpPr>
+        <p:cNvPr id="1" name=""/>
+        <p:cNvGrpSpPr/>
+        <p:nvPr/>
+      </p:nvGrpSpPr>
+      <p:grpSpPr>
+        <a:xfrm>
+          <a:off x="0" y="0"/>
+          <a:ext cx="0" cy="0"/>
+          <a:chOff x="0" y="0"/>
+          <a:chExt cx="0" cy="0"/>
+        </a:xfrm>
+      </p:grpSpPr>
+      <p:sp>
+        <p:nvSpPr>
+          <p:cNvPr id="2" name="Nadpis 1"/>
+          <p:cNvSpPr>
+            <a:spLocks noGrp="1"/>
+          </p:cNvSpPr>
+          <p:nvPr>
+            <p:ph type="title"/>
+          </p:nvPr>
+        </p:nvSpPr>
+        <p:spPr/>
+        <p:txBody>
+          <a:bodyPr/>
+          <a:lstStyle/>
+          <a:p>
+            <a:endParaRPr lang="cs-CZ"/>
+          </a:p>
+        </p:txBody>
+      </p:sp>
+      <p:sp>
+        <p:nvSpPr>
+          <p:cNvPr id="3" name="Zástupný symbol pro obsah 2"/>
+          <p:cNvSpPr>
+            <a:spLocks noGrp="1"/>
+          </p:cNvSpPr>
+          <p:nvPr>
+            <p:ph idx="1"/>
+          </p:nvPr>
+        </p:nvSpPr>
+        <p:spPr/>
+        <p:txBody>
+          <a:bodyPr/>
+          <a:lstStyle/>
+          <a:p>
+            <a:endParaRPr lang="cs-CZ"/>
+          </a:p>
+        </p:txBody>
+      </p:sp>
+    </p:spTree>
+    <p:extLst>
+      <p:ext uri="{BB962C8B-B14F-4D97-AF65-F5344CB8AC3E}">
+        <p14:creationId xmlns:p14="http://schemas.microsoft.com/office/powerpoint/2010/main" val="1223164714"/>
+      </p:ext>
+    </p:extLst>
+  </p:cSld>
+  <p:clrMapOvr>
+    <a:masterClrMapping/>
+  </p:clrMapOvr>
+</p:sld>
+</file>
+
+<file path=ppt/slides/slide3.xml><?xml version="1.0" encoding="utf-8"?>
+<p:sld xmlns:a="http://schemas.openxmlformats.org/drawingml/2006/main" xmlns:r="http://schemas.openxmlformats.org/officeDocument/2006/relationships" xmlns:p="http://schemas.openxmlformats.org/presentationml/2006/main">
+  <p:cSld>
+    <p:spTree>
+      <p:nvGrpSpPr>
+        <p:cNvPr id="1" name=""/>
+        <p:cNvGrpSpPr/>
+        <p:nvPr/>
+      </p:nvGrpSpPr>
+      <p:grpSpPr>
+        <a:xfrm>
+          <a:off x="0" y="0"/>
+          <a:ext cx="0" cy="0"/>
+          <a:chOff x="0" y="0"/>
+          <a:chExt cx="0" cy="0"/>
+        </a:xfrm>
+      </p:grpSpPr>
+      <p:sp>
+        <p:nvSpPr>
+          <p:cNvPr id="2" name="Nadpis 1">
+            <a:extLst>
+              <a:ext uri="{FF2B5EF4-FFF2-40B4-BE49-F238E27FC236}">
+                <a16:creationId xmlns:a16="http://schemas.microsoft.com/office/drawing/2014/main" id="{39B2ACE2-A02C-490F-9A27-462243241B1D}"/>
+              </a:ext>
+            </a:extLst>
+          </p:cNvPr>
+          <p:cNvSpPr>
+            <a:spLocks noGrp="1"/>
+          </p:cNvSpPr>
+          <p:nvPr>
+            <p:ph type="title"/>
+          </p:nvPr>
+        </p:nvSpPr>
+        <p:spPr/>
+        <p:txBody>
+          <a:bodyPr/>
+          <a:lstStyle/>
+          <a:p>
+            <a:r>
+              <a:rPr lang="cs-CZ" dirty="0"/>
+              <a:t>Hledání slabých míst</a:t>
+            </a:r>
+          </a:p>
+        </p:txBody>
+      </p:sp>
+      <p:sp>
+        <p:nvSpPr>
+          <p:cNvPr id="3" name="Zástupný symbol pro obsah 2">
+            <a:extLst>
+              <a:ext uri="{FF2B5EF4-FFF2-40B4-BE49-F238E27FC236}">
+                <a16:creationId xmlns:a16="http://schemas.microsoft.com/office/drawing/2014/main" id="{38FC00F1-C496-49C3-9AC6-8B2DBDEE34DA}"/>
+              </a:ext>
+            </a:extLst>
+          </p:cNvPr>
+          <p:cNvSpPr>
+            <a:spLocks noGrp="1"/>
+          </p:cNvSpPr>
+          <p:nvPr>
+            <p:ph idx="1"/>
+          </p:nvPr>
+        </p:nvSpPr>
+        <p:spPr/>
+        <p:txBody>
+          <a:bodyPr/>
+          <a:lstStyle/>
+          <a:p>
+            <a:r>
+              <a:rPr lang="cs-CZ" dirty="0"/>
+              <a:t>procházení otevřených portů a služeb v celém bloku IP adres</a:t>
+            </a:r>
+          </a:p>
+          <a:p>
+            <a:r>
+              <a:rPr lang="cs-CZ" dirty="0"/>
+              <a:t>zjištění typu operačního systému a aplikací, jejich verze, nainstalované záplaty</a:t>
+            </a:r>
+          </a:p>
+          <a:p>
+            <a:r>
+              <a:rPr lang="cs-CZ" dirty="0"/>
+              <a:t>zjištění nastavení, zabezpečení, autentizace aplikací nebo služeb</a:t>
+            </a:r>
+          </a:p>
+          <a:p>
+            <a:r>
+              <a:rPr lang="cs-CZ" dirty="0"/>
+              <a:t>hádání hesel hrubou silou</a:t>
+            </a:r>
+          </a:p>
+        </p:txBody>
+      </p:sp>
+    </p:spTree>
+    <p:extLst>
+      <p:ext uri="{BB962C8B-B14F-4D97-AF65-F5344CB8AC3E}">
+        <p14:creationId xmlns:p14="http://schemas.microsoft.com/office/powerpoint/2010/main" val="514744148"/>
+      </p:ext>
+    </p:extLst>
+  </p:cSld>
+  <p:clrMapOvr>
+    <a:masterClrMapping/>
+  </p:clrMapOvr>
+</p:sld>
+</file>
+
+<file path=ppt/slides/slide4.xml><?xml version="1.0" encoding="utf-8"?>
+<p:sld xmlns:a="http://schemas.openxmlformats.org/drawingml/2006/main" xmlns:r="http://schemas.openxmlformats.org/officeDocument/2006/relationships" xmlns:p="http://schemas.openxmlformats.org/presentationml/2006/main">
+  <p:cSld>
+    <p:spTree>
+      <p:nvGrpSpPr>
+        <p:cNvPr id="1" name=""/>
+        <p:cNvGrpSpPr/>
+        <p:nvPr/>
+      </p:nvGrpSpPr>
+      <p:grpSpPr>
+        <a:xfrm>
+          <a:off x="0" y="0"/>
+          <a:ext cx="0" cy="0"/>
+          <a:chOff x="0" y="0"/>
+          <a:chExt cx="0" cy="0"/>
+        </a:xfrm>
+      </p:grpSpPr>
+      <p:sp>
+        <p:nvSpPr>
+          <p:cNvPr id="2" name="Nadpis 1">
+            <a:extLst>
+              <a:ext uri="{FF2B5EF4-FFF2-40B4-BE49-F238E27FC236}">
+                <a16:creationId xmlns:a16="http://schemas.microsoft.com/office/drawing/2014/main" id="{BCD65CE6-4F49-4C2B-8662-17CDB4BFA314}"/>
+              </a:ext>
+            </a:extLst>
+          </p:cNvPr>
+          <p:cNvSpPr>
+            <a:spLocks noGrp="1"/>
+          </p:cNvSpPr>
+          <p:nvPr>
+            <p:ph type="title"/>
+          </p:nvPr>
+        </p:nvSpPr>
+        <p:spPr/>
+        <p:txBody>
+          <a:bodyPr/>
+          <a:lstStyle/>
+          <a:p>
+            <a:r>
+              <a:rPr lang="cs-CZ" dirty="0"/>
+              <a:t>Druhy testů</a:t>
+            </a:r>
+          </a:p>
+        </p:txBody>
+      </p:sp>
+      <p:sp>
+        <p:nvSpPr>
+          <p:cNvPr id="3" name="Zástupný symbol pro obsah 2">
+            <a:extLst>
+              <a:ext uri="{FF2B5EF4-FFF2-40B4-BE49-F238E27FC236}">
+                <a16:creationId xmlns:a16="http://schemas.microsoft.com/office/drawing/2014/main" id="{C678077D-6892-4D79-8977-E72CF47EA4FE}"/>
+              </a:ext>
+            </a:extLst>
+          </p:cNvPr>
+          <p:cNvSpPr>
+            <a:spLocks noGrp="1"/>
+          </p:cNvSpPr>
+          <p:nvPr>
+            <p:ph idx="1"/>
+          </p:nvPr>
+        </p:nvSpPr>
+        <p:spPr/>
+        <p:txBody>
+          <a:bodyPr/>
+          <a:lstStyle/>
+          <a:p>
+            <a:r>
+              <a:rPr lang="cs-CZ" dirty="0"/>
+              <a:t>Externí testy</a:t>
+            </a:r>
+          </a:p>
+          <a:p>
+            <a:r>
+              <a:rPr lang="cs-CZ" dirty="0"/>
+              <a:t>Interní testy</a:t>
+            </a:r>
+          </a:p>
+        </p:txBody>
+      </p:sp>
+    </p:spTree>
+    <p:extLst>
+      <p:ext uri="{BB962C8B-B14F-4D97-AF65-F5344CB8AC3E}">
+        <p14:creationId xmlns:p14="http://schemas.microsoft.com/office/powerpoint/2010/main" val="807523176"/>
+      </p:ext>
+    </p:extLst>
+  </p:cSld>
+  <p:clrMapOvr>
+    <a:masterClrMapping/>
+  </p:clrMapOvr>
+</p:sld>
+</file>
+
+<file path=ppt/slides/slide5.xml><?xml version="1.0" encoding="utf-8"?>
+<p:sld xmlns:a="http://schemas.openxmlformats.org/drawingml/2006/main" xmlns:r="http://schemas.openxmlformats.org/officeDocument/2006/relationships" xmlns:p="http://schemas.openxmlformats.org/presentationml/2006/main">
+  <p:cSld>
+    <p:spTree>
+      <p:nvGrpSpPr>
+        <p:cNvPr id="1" name=""/>
+        <p:cNvGrpSpPr/>
+        <p:nvPr/>
+      </p:nvGrpSpPr>
+      <p:grpSpPr>
+        <a:xfrm>
+          <a:off x="0" y="0"/>
+          <a:ext cx="0" cy="0"/>
+          <a:chOff x="0" y="0"/>
+          <a:chExt cx="0" cy="0"/>
+        </a:xfrm>
+      </p:grpSpPr>
+      <p:sp>
+        <p:nvSpPr>
+          <p:cNvPr id="2" name="Nadpis 1">
+            <a:extLst>
+              <a:ext uri="{FF2B5EF4-FFF2-40B4-BE49-F238E27FC236}">
+                <a16:creationId xmlns:a16="http://schemas.microsoft.com/office/drawing/2014/main" id="{9F9518DC-1E86-4830-AC11-B4A4F819B290}"/>
+              </a:ext>
+            </a:extLst>
+          </p:cNvPr>
+          <p:cNvSpPr>
+            <a:spLocks noGrp="1"/>
+          </p:cNvSpPr>
+          <p:nvPr>
+            <p:ph type="title"/>
+          </p:nvPr>
+        </p:nvSpPr>
+        <p:spPr/>
+        <p:txBody>
+          <a:bodyPr/>
+          <a:lstStyle/>
+          <a:p>
+            <a:endParaRPr lang="cs-CZ"/>
+          </a:p>
+        </p:txBody>
+      </p:sp>
+      <p:sp>
+        <p:nvSpPr>
+          <p:cNvPr id="3" name="Zástupný symbol pro obsah 2">
+            <a:extLst>
+              <a:ext uri="{FF2B5EF4-FFF2-40B4-BE49-F238E27FC236}">
+                <a16:creationId xmlns:a16="http://schemas.microsoft.com/office/drawing/2014/main" id="{7C9A600F-3278-461C-A72E-6CC39D8A1B50}"/>
+              </a:ext>
+            </a:extLst>
+          </p:cNvPr>
+          <p:cNvSpPr>
+            <a:spLocks noGrp="1"/>
+          </p:cNvSpPr>
+          <p:nvPr>
+            <p:ph idx="1"/>
+          </p:nvPr>
+        </p:nvSpPr>
+        <p:spPr/>
+        <p:txBody>
+          <a:bodyPr/>
+          <a:lstStyle/>
+          <a:p>
+            <a:pPr marL="0" indent="0">
+              <a:buNone/>
+            </a:pPr>
+            <a:r>
+              <a:rPr lang="cs-CZ" dirty="0"/>
+              <a:t>Podle úrovně znalostí o systému</a:t>
+            </a:r>
+          </a:p>
+          <a:p>
+            <a:r>
+              <a:rPr lang="cs-CZ" dirty="0"/>
+              <a:t>Black-box testy</a:t>
+            </a:r>
+          </a:p>
+          <a:p>
+            <a:r>
+              <a:rPr lang="cs-CZ" dirty="0" err="1"/>
+              <a:t>White</a:t>
+            </a:r>
+            <a:r>
+              <a:rPr lang="cs-CZ" dirty="0"/>
+              <a:t>-box testy</a:t>
+            </a:r>
+          </a:p>
+          <a:p>
+            <a:r>
+              <a:rPr lang="cs-CZ" dirty="0" err="1"/>
+              <a:t>Grey</a:t>
+            </a:r>
+            <a:r>
+              <a:rPr lang="cs-CZ" dirty="0"/>
+              <a:t>-box testy </a:t>
+            </a:r>
+          </a:p>
+        </p:txBody>
+      </p:sp>
+    </p:spTree>
+    <p:extLst>
+      <p:ext uri="{BB962C8B-B14F-4D97-AF65-F5344CB8AC3E}">
+        <p14:creationId xmlns:p14="http://schemas.microsoft.com/office/powerpoint/2010/main" val="3915082026"/>
+      </p:ext>
+    </p:extLst>
+  </p:cSld>
+  <p:clrMapOvr>
+    <a:masterClrMapping/>
+  </p:clrMapOvr>
+</p:sld>
+</file>
+
+<file path=ppt/slides/slide6.xml><?xml version="1.0" encoding="utf-8"?>
+<p:sld xmlns:a="http://schemas.openxmlformats.org/drawingml/2006/main" xmlns:r="http://schemas.openxmlformats.org/officeDocument/2006/relationships" xmlns:p="http://schemas.openxmlformats.org/presentationml/2006/main">
+  <p:cSld>
+    <p:spTree>
+      <p:nvGrpSpPr>
+        <p:cNvPr id="1" name=""/>
+        <p:cNvGrpSpPr/>
+        <p:nvPr/>
+      </p:nvGrpSpPr>
+      <p:grpSpPr>
+        <a:xfrm>
+          <a:off x="0" y="0"/>
+          <a:ext cx="0" cy="0"/>
+          <a:chOff x="0" y="0"/>
+          <a:chExt cx="0" cy="0"/>
+        </a:xfrm>
+      </p:grpSpPr>
+      <p:sp>
+        <p:nvSpPr>
+          <p:cNvPr id="2" name="Nadpis 1">
+            <a:extLst>
+              <a:ext uri="{FF2B5EF4-FFF2-40B4-BE49-F238E27FC236}">
+                <a16:creationId xmlns:a16="http://schemas.microsoft.com/office/drawing/2014/main" id="{B77BF348-26DF-4F6A-A896-53F8A2C5735C}"/>
+              </a:ext>
+            </a:extLst>
+          </p:cNvPr>
+          <p:cNvSpPr>
+            <a:spLocks noGrp="1"/>
+          </p:cNvSpPr>
+          <p:nvPr>
+            <p:ph type="title"/>
+          </p:nvPr>
+        </p:nvSpPr>
+        <p:spPr/>
+        <p:txBody>
+          <a:bodyPr/>
+          <a:lstStyle/>
+          <a:p>
+            <a:endParaRPr lang="cs-CZ"/>
+          </a:p>
+        </p:txBody>
+      </p:sp>
+      <p:sp>
+        <p:nvSpPr>
+          <p:cNvPr id="3" name="Zástupný symbol pro obsah 2">
+            <a:extLst>
+              <a:ext uri="{FF2B5EF4-FFF2-40B4-BE49-F238E27FC236}">
+                <a16:creationId xmlns:a16="http://schemas.microsoft.com/office/drawing/2014/main" id="{8341356F-2B49-4181-8A84-97FB7365CFAA}"/>
+              </a:ext>
+            </a:extLst>
+          </p:cNvPr>
+          <p:cNvSpPr>
+            <a:spLocks noGrp="1"/>
+          </p:cNvSpPr>
+          <p:nvPr>
+            <p:ph idx="1"/>
+          </p:nvPr>
+        </p:nvSpPr>
+        <p:spPr/>
+        <p:txBody>
+          <a:bodyPr/>
+          <a:lstStyle/>
+          <a:p>
+            <a:pPr marL="0" indent="0">
+              <a:buNone/>
+            </a:pPr>
+            <a:r>
+              <a:rPr lang="cs-CZ" b="1" dirty="0"/>
+              <a:t>Podle způsobu provedení</a:t>
+            </a:r>
+          </a:p>
+          <a:p>
+            <a:r>
+              <a:rPr lang="cs-CZ" dirty="0"/>
+              <a:t>Manuální testy</a:t>
+            </a:r>
+          </a:p>
+          <a:p>
+            <a:r>
+              <a:rPr lang="cs-CZ" dirty="0"/>
+              <a:t>Automatizované testy</a:t>
+            </a:r>
+          </a:p>
+          <a:p>
+            <a:r>
+              <a:rPr lang="cs-CZ" dirty="0" err="1"/>
+              <a:t>Semiautomatizované</a:t>
+            </a:r>
+            <a:r>
+              <a:rPr lang="cs-CZ" dirty="0"/>
+              <a:t> testy</a:t>
+            </a:r>
+          </a:p>
+        </p:txBody>
+      </p:sp>
+    </p:spTree>
+    <p:extLst>
+      <p:ext uri="{BB962C8B-B14F-4D97-AF65-F5344CB8AC3E}">
+        <p14:creationId xmlns:p14="http://schemas.microsoft.com/office/powerpoint/2010/main" val="2647271206"/>
+      </p:ext>
+    </p:extLst>
+  </p:cSld>
+  <p:clrMapOvr>
+    <a:masterClrMapping/>
+  </p:clrMapOvr>
+</p:sld>
+</file>
+
+<file path=ppt/slides/slide7.xml><?xml version="1.0" encoding="utf-8"?>
+<p:sld xmlns:a="http://schemas.openxmlformats.org/drawingml/2006/main" xmlns:r="http://schemas.openxmlformats.org/officeDocument/2006/relationships" xmlns:p="http://schemas.openxmlformats.org/presentationml/2006/main">
+  <p:cSld>
+    <p:spTree>
+      <p:nvGrpSpPr>
+        <p:cNvPr id="1" name=""/>
+        <p:cNvGrpSpPr/>
+        <p:nvPr/>
+      </p:nvGrpSpPr>
+      <p:grpSpPr>
+        <a:xfrm>
+          <a:off x="0" y="0"/>
+          <a:ext cx="0" cy="0"/>
+          <a:chOff x="0" y="0"/>
+          <a:chExt cx="0" cy="0"/>
+        </a:xfrm>
+      </p:grpSpPr>
+      <p:sp>
+        <p:nvSpPr>
+          <p:cNvPr id="2" name="Nadpis 1">
+            <a:extLst>
+              <a:ext uri="{FF2B5EF4-FFF2-40B4-BE49-F238E27FC236}">
+                <a16:creationId xmlns:a16="http://schemas.microsoft.com/office/drawing/2014/main" id="{A5B00CE6-3CA6-4DD0-8819-5694B12C5ED7}"/>
+              </a:ext>
+            </a:extLst>
+          </p:cNvPr>
+          <p:cNvSpPr>
+            <a:spLocks noGrp="1"/>
+          </p:cNvSpPr>
+          <p:nvPr>
+            <p:ph type="title"/>
+          </p:nvPr>
+        </p:nvSpPr>
+        <p:spPr/>
+        <p:txBody>
+          <a:bodyPr/>
+          <a:lstStyle/>
+          <a:p>
+            <a:r>
+              <a:rPr lang="cs-CZ" dirty="0"/>
+              <a:t>Metodologie </a:t>
+            </a:r>
+            <a:r>
+              <a:rPr lang="cs-CZ" dirty="0" err="1"/>
+              <a:t>TESTOVání</a:t>
+            </a:r>
+            <a:endParaRPr lang="cs-CZ" dirty="0"/>
+          </a:p>
+        </p:txBody>
+      </p:sp>
+      <p:sp>
+        <p:nvSpPr>
+          <p:cNvPr id="3" name="Zástupný symbol pro obsah 2">
+            <a:extLst>
+              <a:ext uri="{FF2B5EF4-FFF2-40B4-BE49-F238E27FC236}">
+                <a16:creationId xmlns:a16="http://schemas.microsoft.com/office/drawing/2014/main" id="{B4BC2E32-0E06-4E82-B4CC-6D4E659ADFAC}"/>
+              </a:ext>
+            </a:extLst>
+          </p:cNvPr>
+          <p:cNvSpPr>
+            <a:spLocks noGrp="1"/>
+          </p:cNvSpPr>
+          <p:nvPr>
+            <p:ph idx="1"/>
+          </p:nvPr>
+        </p:nvSpPr>
+        <p:spPr/>
+        <p:txBody>
+          <a:bodyPr/>
+          <a:lstStyle/>
+          <a:p>
+            <a:r>
+              <a:rPr lang="cs-CZ" dirty="0"/>
+              <a:t>1 fáze – plánování </a:t>
+            </a:r>
+          </a:p>
+        </p:txBody>
+      </p:sp>
+    </p:spTree>
+    <p:extLst>
+      <p:ext uri="{BB962C8B-B14F-4D97-AF65-F5344CB8AC3E}">
+        <p14:creationId xmlns:p14="http://schemas.microsoft.com/office/powerpoint/2010/main" val="211210765"/>
+      </p:ext>
+    </p:extLst>
+  </p:cSld>
+  <p:clrMapOvr>
+    <a:masterClrMapping/>
+  </p:clrMapOvr>
+</p:sld>
+</file>
+
+<file path=ppt/slides/slide8.xml><?xml version="1.0" encoding="utf-8"?>
+<p:sld xmlns:a="http://schemas.openxmlformats.org/drawingml/2006/main" xmlns:r="http://schemas.openxmlformats.org/officeDocument/2006/relationships" xmlns:p="http://schemas.openxmlformats.org/presentationml/2006/main">
+  <p:cSld>
+    <p:spTree>
+      <p:nvGrpSpPr>
+        <p:cNvPr id="1" name=""/>
+        <p:cNvGrpSpPr/>
+        <p:nvPr/>
+      </p:nvGrpSpPr>
+      <p:grpSpPr>
+        <a:xfrm>
+          <a:off x="0" y="0"/>
+          <a:ext cx="0" cy="0"/>
+          <a:chOff x="0" y="0"/>
+          <a:chExt cx="0" cy="0"/>
+        </a:xfrm>
+      </p:grpSpPr>
+      <p:sp>
+        <p:nvSpPr>
+          <p:cNvPr id="2" name="Nadpis 1">
+            <a:extLst>
+              <a:ext uri="{FF2B5EF4-FFF2-40B4-BE49-F238E27FC236}">
+                <a16:creationId xmlns:a16="http://schemas.microsoft.com/office/drawing/2014/main" id="{3A1B6E78-10B3-406A-A34B-63760286F88C}"/>
+              </a:ext>
+            </a:extLst>
+          </p:cNvPr>
+          <p:cNvSpPr>
+            <a:spLocks noGrp="1"/>
+          </p:cNvSpPr>
+          <p:nvPr>
+            <p:ph type="title"/>
+          </p:nvPr>
+        </p:nvSpPr>
+        <p:spPr/>
+        <p:txBody>
+          <a:bodyPr/>
+          <a:lstStyle/>
+          <a:p>
+            <a:r>
+              <a:rPr lang="cs-CZ" dirty="0"/>
+              <a:t>Metodologie </a:t>
+            </a:r>
+            <a:r>
+              <a:rPr lang="cs-CZ" dirty="0" err="1"/>
+              <a:t>TESTOVání</a:t>
+            </a:r>
+            <a:endParaRPr lang="cs-CZ" dirty="0"/>
+          </a:p>
+        </p:txBody>
+      </p:sp>
+      <p:sp>
+        <p:nvSpPr>
+          <p:cNvPr id="3" name="Zástupný symbol pro obsah 2">
+            <a:extLst>
+              <a:ext uri="{FF2B5EF4-FFF2-40B4-BE49-F238E27FC236}">
+                <a16:creationId xmlns:a16="http://schemas.microsoft.com/office/drawing/2014/main" id="{5EDCFECD-5E2F-4747-A5DC-37048083A21C}"/>
+              </a:ext>
+            </a:extLst>
+          </p:cNvPr>
+          <p:cNvSpPr>
+            <a:spLocks noGrp="1"/>
+          </p:cNvSpPr>
+          <p:nvPr>
+            <p:ph idx="1"/>
+          </p:nvPr>
+        </p:nvSpPr>
+        <p:spPr/>
+        <p:txBody>
+          <a:bodyPr/>
+          <a:lstStyle/>
+          <a:p>
+            <a:r>
+              <a:rPr lang="cs-CZ" dirty="0"/>
+              <a:t>2. fáze  - sběr informací</a:t>
+            </a:r>
+          </a:p>
+        </p:txBody>
+      </p:sp>
+    </p:spTree>
+    <p:extLst>
+      <p:ext uri="{BB962C8B-B14F-4D97-AF65-F5344CB8AC3E}">
+        <p14:creationId xmlns:p14="http://schemas.microsoft.com/office/powerpoint/2010/main" val="825515956"/>
+      </p:ext>
+    </p:extLst>
+  </p:cSld>
+  <p:clrMapOvr>
+    <a:masterClrMapping/>
+  </p:clrMapOvr>
+</p:sld>
+</file>
+
+<file path=ppt/slides/slide9.xml><?xml version="1.0" encoding="utf-8"?>
+<p:sld xmlns:a="http://schemas.openxmlformats.org/drawingml/2006/main" xmlns:r="http://schemas.openxmlformats.org/officeDocument/2006/relationships" xmlns:p="http://schemas.openxmlformats.org/presentationml/2006/main">
+  <p:cSld>
+    <p:spTree>
+      <p:nvGrpSpPr>
+        <p:cNvPr id="1" name=""/>
+        <p:cNvGrpSpPr/>
+        <p:nvPr/>
+      </p:nvGrpSpPr>
+      <p:grpSpPr>
+        <a:xfrm>
+          <a:off x="0" y="0"/>
+          <a:ext cx="0" cy="0"/>
+          <a:chOff x="0" y="0"/>
+          <a:chExt cx="0" cy="0"/>
+        </a:xfrm>
+      </p:grpSpPr>
+      <p:sp>
+        <p:nvSpPr>
+          <p:cNvPr id="2" name="Nadpis 1">
+            <a:extLst>
+              <a:ext uri="{FF2B5EF4-FFF2-40B4-BE49-F238E27FC236}">
+                <a16:creationId xmlns:a16="http://schemas.microsoft.com/office/drawing/2014/main" id="{3A1B6E78-10B3-406A-A34B-63760286F88C}"/>
+              </a:ext>
+            </a:extLst>
+          </p:cNvPr>
+          <p:cNvSpPr>
+            <a:spLocks noGrp="1"/>
+          </p:cNvSpPr>
+          <p:nvPr>
+            <p:ph type="title"/>
+          </p:nvPr>
+        </p:nvSpPr>
+        <p:spPr/>
+        <p:txBody>
+          <a:bodyPr/>
+          <a:lstStyle/>
+          <a:p>
+            <a:r>
+              <a:rPr lang="cs-CZ" dirty="0"/>
+              <a:t>Metodologie </a:t>
+            </a:r>
+            <a:r>
+              <a:rPr lang="cs-CZ" dirty="0" err="1"/>
+              <a:t>TESTOVání</a:t>
+            </a:r>
+            <a:endParaRPr lang="cs-CZ" dirty="0"/>
+          </a:p>
+        </p:txBody>
+      </p:sp>
+      <p:sp>
+        <p:nvSpPr>
+          <p:cNvPr id="3" name="Zástupný symbol pro obsah 2">
+            <a:extLst>
+              <a:ext uri="{FF2B5EF4-FFF2-40B4-BE49-F238E27FC236}">
+                <a16:creationId xmlns:a16="http://schemas.microsoft.com/office/drawing/2014/main" id="{5EDCFECD-5E2F-4747-A5DC-37048083A21C}"/>
+              </a:ext>
+            </a:extLst>
+          </p:cNvPr>
+          <p:cNvSpPr>
+            <a:spLocks noGrp="1"/>
+          </p:cNvSpPr>
+          <p:nvPr>
+            <p:ph idx="1"/>
+          </p:nvPr>
+        </p:nvSpPr>
+        <p:spPr/>
+        <p:txBody>
+          <a:bodyPr/>
+          <a:lstStyle/>
+          <a:p>
+            <a:r>
+              <a:rPr lang="cs-CZ" dirty="0"/>
+              <a:t>3. fáze  - odhalování zranitelností</a:t>
+            </a:r>
+          </a:p>
+        </p:txBody>
+      </p:sp>
+    </p:spTree>
+    <p:extLst>
+      <p:ext uri="{BB962C8B-B14F-4D97-AF65-F5344CB8AC3E}">
+        <p14:creationId xmlns:p14="http://schemas.microsoft.com/office/powerpoint/2010/main" val="3676707982"/>
       </p:ext>
     </p:extLst>
   </p:cSld>
@@ -14683,4 +17812,299 @@
     </a:ext>
   </a:extLst>
 </a:theme>
+</file>
+
+<file path=ppt/theme/theme2.xml><?xml version="1.0" encoding="utf-8"?>
+<a:theme xmlns:a="http://schemas.openxmlformats.org/drawingml/2006/main" name="Motiv Office">
+  <a:themeElements>
+    <a:clrScheme name="Office">
+      <a:dk1>
+        <a:sysClr val="windowText" lastClr="000000"/>
+      </a:dk1>
+      <a:lt1>
+        <a:sysClr val="window" lastClr="FFFFFF"/>
+      </a:lt1>
+      <a:dk2>
+        <a:srgbClr val="44546A"/>
+      </a:dk2>
+      <a:lt2>
+        <a:srgbClr val="E7E6E6"/>
+      </a:lt2>
+      <a:accent1>
+        <a:srgbClr val="4472C4"/>
+      </a:accent1>
+      <a:accent2>
+        <a:srgbClr val="ED7D31"/>
+      </a:accent2>
+      <a:accent3>
+        <a:srgbClr val="A5A5A5"/>
+      </a:accent3>
+      <a:accent4>
+        <a:srgbClr val="FFC000"/>
+      </a:accent4>
+      <a:accent5>
+        <a:srgbClr val="5B9BD5"/>
+      </a:accent5>
+      <a:accent6>
+        <a:srgbClr val="70AD47"/>
+      </a:accent6>
+      <a:hlink>
+        <a:srgbClr val="0563C1"/>
+      </a:hlink>
+      <a:folHlink>
+        <a:srgbClr val="954F72"/>
+      </a:folHlink>
+    </a:clrScheme>
+    <a:fontScheme name="Office">
+      <a:majorFont>
+        <a:latin typeface="Calibri Light" panose="020F0302020204030204"/>
+        <a:ea typeface=""/>
+        <a:cs typeface=""/>
+        <a:font script="Jpan" typeface="游ゴシック Light"/>
+        <a:font script="Hang" typeface="맑은 고딕"/>
+        <a:font script="Hans" typeface="等线 Light"/>
+        <a:font script="Hant" typeface="新細明體"/>
+        <a:font script="Arab" typeface="Times New Roman"/>
+        <a:font script="Hebr" typeface="Times New Roman"/>
+        <a:font script="Thai" typeface="Angsana New"/>
+        <a:font script="Ethi" typeface="Nyala"/>
+        <a:font script="Beng" typeface="Vrinda"/>
+        <a:font script="Gujr" typeface="Shruti"/>
+        <a:font script="Khmr" typeface="MoolBoran"/>
+        <a:font script="Knda" typeface="Tunga"/>
+        <a:font script="Guru" typeface="Raavi"/>
+        <a:font script="Cans" typeface="Euphemia"/>
+        <a:font script="Cher" typeface="Plantagenet Cherokee"/>
+        <a:font script="Yiii" typeface="Microsoft Yi Baiti"/>
+        <a:font script="Tibt" typeface="Microsoft Himalaya"/>
+        <a:font script="Thaa" typeface="MV Boli"/>
+        <a:font script="Deva" typeface="Mangal"/>
+        <a:font script="Telu" typeface="Gautami"/>
+        <a:font script="Taml" typeface="Latha"/>
+        <a:font script="Syrc" typeface="Estrangelo Edessa"/>
+        <a:font script="Orya" typeface="Kalinga"/>
+        <a:font script="Mlym" typeface="Kartika"/>
+        <a:font script="Laoo" typeface="DokChampa"/>
+        <a:font script="Sinh" typeface="Iskoola Pota"/>
+        <a:font script="Mong" typeface="Mongolian Baiti"/>
+        <a:font script="Viet" typeface="Times New Roman"/>
+        <a:font script="Uigh" typeface="Microsoft Uighur"/>
+        <a:font script="Geor" typeface="Sylfaen"/>
+        <a:font script="Armn" typeface="Arial"/>
+        <a:font script="Bugi" typeface="Leelawadee UI"/>
+        <a:font script="Bopo" typeface="Microsoft JhengHei"/>
+        <a:font script="Java" typeface="Javanese Text"/>
+        <a:font script="Lisu" typeface="Segoe UI"/>
+        <a:font script="Mymr" typeface="Myanmar Text"/>
+        <a:font script="Nkoo" typeface="Ebrima"/>
+        <a:font script="Olck" typeface="Nirmala UI"/>
+        <a:font script="Osma" typeface="Ebrima"/>
+        <a:font script="Phag" typeface="Phagspa"/>
+        <a:font script="Syrn" typeface="Estrangelo Edessa"/>
+        <a:font script="Syrj" typeface="Estrangelo Edessa"/>
+        <a:font script="Syre" typeface="Estrangelo Edessa"/>
+        <a:font script="Sora" typeface="Nirmala UI"/>
+        <a:font script="Tale" typeface="Microsoft Tai Le"/>
+        <a:font script="Talu" typeface="Microsoft New Tai Lue"/>
+        <a:font script="Tfng" typeface="Ebrima"/>
+      </a:majorFont>
+      <a:minorFont>
+        <a:latin typeface="Calibri" panose="020F0502020204030204"/>
+        <a:ea typeface=""/>
+        <a:cs typeface=""/>
+        <a:font script="Jpan" typeface="游ゴシック"/>
+        <a:font script="Hang" typeface="맑은 고딕"/>
+        <a:font script="Hans" typeface="等线"/>
+        <a:font script="Hant" typeface="新細明體"/>
+        <a:font script="Arab" typeface="Arial"/>
+        <a:font script="Hebr" typeface="Arial"/>
+        <a:font script="Thai" typeface="Cordia New"/>
+        <a:font script="Ethi" typeface="Nyala"/>
+        <a:font script="Beng" typeface="Vrinda"/>
+        <a:font script="Gujr" typeface="Shruti"/>
+        <a:font script="Khmr" typeface="DaunPenh"/>
+        <a:font script="Knda" typeface="Tunga"/>
+        <a:font script="Guru" typeface="Raavi"/>
+        <a:font script="Cans" typeface="Euphemia"/>
+        <a:font script="Cher" typeface="Plantagenet Cherokee"/>
+        <a:font script="Yiii" typeface="Microsoft Yi Baiti"/>
+        <a:font script="Tibt" typeface="Microsoft Himalaya"/>
+        <a:font script="Thaa" typeface="MV Boli"/>
+        <a:font script="Deva" typeface="Mangal"/>
+        <a:font script="Telu" typeface="Gautami"/>
+        <a:font script="Taml" typeface="Latha"/>
+        <a:font script="Syrc" typeface="Estrangelo Edessa"/>
+        <a:font script="Orya" typeface="Kalinga"/>
+        <a:font script="Mlym" typeface="Kartika"/>
+        <a:font script="Laoo" typeface="DokChampa"/>
+        <a:font script="Sinh" typeface="Iskoola Pota"/>
+        <a:font script="Mong" typeface="Mongolian Baiti"/>
+        <a:font script="Viet" typeface="Arial"/>
+        <a:font script="Uigh" typeface="Microsoft Uighur"/>
+        <a:font script="Geor" typeface="Sylfaen"/>
+        <a:font script="Armn" typeface="Arial"/>
+        <a:font script="Bugi" typeface="Leelawadee UI"/>
+        <a:font script="Bopo" typeface="Microsoft JhengHei"/>
+        <a:font script="Java" typeface="Javanese Text"/>
+        <a:font script="Lisu" typeface="Segoe UI"/>
+        <a:font script="Mymr" typeface="Myanmar Text"/>
+        <a:font script="Nkoo" typeface="Ebrima"/>
+        <a:font script="Olck" typeface="Nirmala UI"/>
+        <a:font script="Osma" typeface="Ebrima"/>
+        <a:font script="Phag" typeface="Phagspa"/>
+        <a:font script="Syrn" typeface="Estrangelo Edessa"/>
+        <a:font script="Syrj" typeface="Estrangelo Edessa"/>
+        <a:font script="Syre" typeface="Estrangelo Edessa"/>
+        <a:font script="Sora" typeface="Nirmala UI"/>
+        <a:font script="Tale" typeface="Microsoft Tai Le"/>
+        <a:font script="Talu" typeface="Microsoft New Tai Lue"/>
+        <a:font script="Tfng" typeface="Ebrima"/>
+      </a:minorFont>
+    </a:fontScheme>
+    <a:fmtScheme name="Office">
+      <a:fillStyleLst>
+        <a:solidFill>
+          <a:schemeClr val="phClr"/>
+        </a:solidFill>
+        <a:gradFill rotWithShape="1">
+          <a:gsLst>
+            <a:gs pos="0">
+              <a:schemeClr val="phClr">
+                <a:lumMod val="110000"/>
+                <a:satMod val="105000"/>
+                <a:tint val="67000"/>
+              </a:schemeClr>
+            </a:gs>
+            <a:gs pos="50000">
+              <a:schemeClr val="phClr">
+                <a:lumMod val="105000"/>
+                <a:satMod val="103000"/>
+                <a:tint val="73000"/>
+              </a:schemeClr>
+            </a:gs>
+            <a:gs pos="100000">
+              <a:schemeClr val="phClr">
+                <a:lumMod val="105000"/>
+                <a:satMod val="109000"/>
+                <a:tint val="81000"/>
+              </a:schemeClr>
+            </a:gs>
+          </a:gsLst>
+          <a:lin ang="5400000" scaled="0"/>
+        </a:gradFill>
+        <a:gradFill rotWithShape="1">
+          <a:gsLst>
+            <a:gs pos="0">
+              <a:schemeClr val="phClr">
+                <a:satMod val="103000"/>
+                <a:lumMod val="102000"/>
+                <a:tint val="94000"/>
+              </a:schemeClr>
+            </a:gs>
+            <a:gs pos="50000">
+              <a:schemeClr val="phClr">
+                <a:satMod val="110000"/>
+                <a:lumMod val="100000"/>
+                <a:shade val="100000"/>
+              </a:schemeClr>
+            </a:gs>
+            <a:gs pos="100000">
+              <a:schemeClr val="phClr">
+                <a:lumMod val="99000"/>
+                <a:satMod val="120000"/>
+                <a:shade val="78000"/>
+              </a:schemeClr>
+            </a:gs>
+          </a:gsLst>
+          <a:lin ang="5400000" scaled="0"/>
+        </a:gradFill>
+      </a:fillStyleLst>
+      <a:lnStyleLst>
+        <a:ln w="6350" cap="flat" cmpd="sng" algn="ctr">
+          <a:solidFill>
+            <a:schemeClr val="phClr"/>
+          </a:solidFill>
+          <a:prstDash val="solid"/>
+          <a:miter lim="800000"/>
+        </a:ln>
+        <a:ln w="12700" cap="flat" cmpd="sng" algn="ctr">
+          <a:solidFill>
+            <a:schemeClr val="phClr"/>
+          </a:solidFill>
+          <a:prstDash val="solid"/>
+          <a:miter lim="800000"/>
+        </a:ln>
+        <a:ln w="19050" cap="flat" cmpd="sng" algn="ctr">
+          <a:solidFill>
+            <a:schemeClr val="phClr"/>
+          </a:solidFill>
+          <a:prstDash val="solid"/>
+          <a:miter lim="800000"/>
+        </a:ln>
+      </a:lnStyleLst>
+      <a:effectStyleLst>
+        <a:effectStyle>
+          <a:effectLst/>
+        </a:effectStyle>
+        <a:effectStyle>
+          <a:effectLst/>
+        </a:effectStyle>
+        <a:effectStyle>
+          <a:effectLst>
+            <a:outerShdw blurRad="57150" dist="19050" dir="5400000" algn="ctr" rotWithShape="0">
+              <a:srgbClr val="000000">
+                <a:alpha val="63000"/>
+              </a:srgbClr>
+            </a:outerShdw>
+          </a:effectLst>
+        </a:effectStyle>
+      </a:effectStyleLst>
+      <a:bgFillStyleLst>
+        <a:solidFill>
+          <a:schemeClr val="phClr"/>
+        </a:solidFill>
+        <a:solidFill>
+          <a:schemeClr val="phClr">
+            <a:tint val="95000"/>
+            <a:satMod val="170000"/>
+          </a:schemeClr>
+        </a:solidFill>
+        <a:gradFill rotWithShape="1">
+          <a:gsLst>
+            <a:gs pos="0">
+              <a:schemeClr val="phClr">
+                <a:tint val="93000"/>
+                <a:satMod val="150000"/>
+                <a:shade val="98000"/>
+                <a:lumMod val="102000"/>
+              </a:schemeClr>
+            </a:gs>
+            <a:gs pos="50000">
+              <a:schemeClr val="phClr">
+                <a:tint val="98000"/>
+                <a:satMod val="130000"/>
+                <a:shade val="90000"/>
+                <a:lumMod val="103000"/>
+              </a:schemeClr>
+            </a:gs>
+            <a:gs pos="100000">
+              <a:schemeClr val="phClr">
+                <a:shade val="63000"/>
+                <a:satMod val="120000"/>
+              </a:schemeClr>
+            </a:gs>
+          </a:gsLst>
+          <a:lin ang="5400000" scaled="0"/>
+        </a:gradFill>
+      </a:bgFillStyleLst>
+    </a:fmtScheme>
+  </a:themeElements>
+  <a:objectDefaults/>
+  <a:extraClrSchemeLst/>
+  <a:extLst>
+    <a:ext uri="{05A4C25C-085E-4340-85A3-A5531E510DB2}">
+      <thm15:themeFamily xmlns:thm15="http://schemas.microsoft.com/office/thememl/2012/main" name="Office Theme" id="{62F939B6-93AF-4DB8-9C6B-D6C7DFDC589F}" vid="{4A3C46E8-61CC-4603-A589-7422A47A8E4A}"/>
+    </a:ext>
+  </a:extLst>
+</a:theme>
 </file>